--- a/presentation/Initial Presentation.pptx
+++ b/presentation/Initial Presentation.pptx
@@ -2,38 +2,35 @@
 <file path=ppt/presentation.xml><?xml version="1.0" encoding="utf-8"?>
 <p:presentation xmlns:a="http://schemas.openxmlformats.org/drawingml/2006/main" xmlns:r="http://schemas.openxmlformats.org/officeDocument/2006/relationships" xmlns:mc="http://schemas.openxmlformats.org/markup-compatibility/2006" xmlns:mv="urn:schemas-microsoft-com:mac:vml" xmlns:p="http://schemas.openxmlformats.org/presentationml/2006/main" xmlns:c="http://schemas.openxmlformats.org/drawingml/2006/chart" xmlns:dgm="http://schemas.openxmlformats.org/drawingml/2006/diagram" xmlns:o="urn:schemas-microsoft-com:office:office" xmlns:v="urn:schemas-microsoft-com:vml" xmlns:pvml="urn:schemas-microsoft-com:office:powerpoint" xmlns:com="http://schemas.openxmlformats.org/drawingml/2006/compatibility" xmlns:p14="http://schemas.microsoft.com/office/powerpoint/2010/main" xmlns:p15="http://schemas.microsoft.com/office/powerpoint/2012/main" xmlns:ahyp="http://schemas.microsoft.com/office/drawing/2018/hyperlinkcolor" autoCompressPictures="0" embedTrueTypeFonts="1" strictFirstAndLastChars="0" saveSubsetFonts="1">
   <p:sldMasterIdLst>
-    <p:sldMasterId id="2147483659" r:id="rId4"/>
+    <p:sldMasterId id="2147483659" r:id="rId5"/>
   </p:sldMasterIdLst>
   <p:notesMasterIdLst>
-    <p:notesMasterId r:id="rId5"/>
+    <p:notesMasterId r:id="rId6"/>
   </p:notesMasterIdLst>
   <p:sldIdLst>
-    <p:sldId id="256" r:id="rId6"/>
-    <p:sldId id="257" r:id="rId7"/>
-    <p:sldId id="258" r:id="rId8"/>
-    <p:sldId id="259" r:id="rId9"/>
-    <p:sldId id="260" r:id="rId10"/>
-    <p:sldId id="261" r:id="rId11"/>
-    <p:sldId id="262" r:id="rId12"/>
-    <p:sldId id="263" r:id="rId13"/>
-    <p:sldId id="264" r:id="rId14"/>
-    <p:sldId id="265" r:id="rId15"/>
-    <p:sldId id="266" r:id="rId16"/>
-    <p:sldId id="267" r:id="rId17"/>
-    <p:sldId id="268" r:id="rId18"/>
-    <p:sldId id="269" r:id="rId19"/>
-    <p:sldId id="270" r:id="rId20"/>
-    <p:sldId id="271" r:id="rId21"/>
+    <p:sldId id="256" r:id="rId7"/>
+    <p:sldId id="257" r:id="rId8"/>
+    <p:sldId id="258" r:id="rId9"/>
+    <p:sldId id="259" r:id="rId10"/>
+    <p:sldId id="260" r:id="rId11"/>
+    <p:sldId id="261" r:id="rId12"/>
+    <p:sldId id="262" r:id="rId13"/>
+    <p:sldId id="263" r:id="rId14"/>
+    <p:sldId id="264" r:id="rId15"/>
+    <p:sldId id="265" r:id="rId16"/>
+    <p:sldId id="266" r:id="rId17"/>
+    <p:sldId id="267" r:id="rId18"/>
+    <p:sldId id="268" r:id="rId19"/>
   </p:sldIdLst>
   <p:sldSz cy="5143500" cx="9144000"/>
   <p:notesSz cx="6858000" cy="9144000"/>
   <p:embeddedFontLst>
     <p:embeddedFont>
       <p:font typeface="Roboto"/>
-      <p:regular r:id="rId22"/>
-      <p:bold r:id="rId23"/>
-      <p:italic r:id="rId24"/>
-      <p:boldItalic r:id="rId25"/>
+      <p:regular r:id="rId20"/>
+      <p:bold r:id="rId21"/>
+      <p:italic r:id="rId22"/>
+      <p:boldItalic r:id="rId23"/>
     </p:embeddedFont>
   </p:embeddedFontLst>
   <p:defaultTextStyle>
@@ -814,7 +811,7 @@
   <p:cSld>
     <p:spTree>
       <p:nvGrpSpPr>
-        <p:cNvPr id="125" name="Shape 125"/>
+        <p:cNvPr id="151" name="Shape 151"/>
         <p:cNvGrpSpPr/>
         <p:nvPr/>
       </p:nvGrpSpPr>
@@ -828,205 +825,7 @@
       </p:grpSpPr>
       <p:sp>
         <p:nvSpPr>
-          <p:cNvPr id="126" name="Google Shape;126;g21954d1147d_0_26:notes"/>
-          <p:cNvSpPr/>
-          <p:nvPr>
-            <p:ph idx="2" type="sldImg"/>
-          </p:nvPr>
-        </p:nvSpPr>
-        <p:spPr>
-          <a:xfrm>
-            <a:off x="381188" y="685800"/>
-            <a:ext cx="6096300" cy="3429000"/>
-          </a:xfrm>
-          <a:custGeom>
-            <a:rect b="b" l="l" r="r" t="t"/>
-            <a:pathLst>
-              <a:path extrusionOk="0" h="120000" w="120000">
-                <a:moveTo>
-                  <a:pt x="0" y="0"/>
-                </a:moveTo>
-                <a:lnTo>
-                  <a:pt x="120000" y="0"/>
-                </a:lnTo>
-                <a:lnTo>
-                  <a:pt x="120000" y="120000"/>
-                </a:lnTo>
-                <a:lnTo>
-                  <a:pt x="0" y="120000"/>
-                </a:lnTo>
-                <a:close/>
-              </a:path>
-            </a:pathLst>
-          </a:custGeom>
-        </p:spPr>
-      </p:sp>
-      <p:sp>
-        <p:nvSpPr>
-          <p:cNvPr id="127" name="Google Shape;127;g21954d1147d_0_26:notes"/>
-          <p:cNvSpPr txBox="1"/>
-          <p:nvPr>
-            <p:ph idx="1" type="body"/>
-          </p:nvPr>
-        </p:nvSpPr>
-        <p:spPr>
-          <a:xfrm>
-            <a:off x="685800" y="4343400"/>
-            <a:ext cx="5486400" cy="4114800"/>
-          </a:xfrm>
-          <a:prstGeom prst="rect">
-            <a:avLst/>
-          </a:prstGeom>
-        </p:spPr>
-        <p:txBody>
-          <a:bodyPr anchorCtr="0" anchor="t" bIns="91425" lIns="91425" spcFirstLastPara="1" rIns="91425" wrap="square" tIns="91425">
-            <a:noAutofit/>
-          </a:bodyPr>
-          <a:lstStyle/>
-          <a:p>
-            <a:pPr indent="0" lvl="0" marL="0" rtl="0" algn="l">
-              <a:spcBef>
-                <a:spcPts val="0"/>
-              </a:spcBef>
-              <a:spcAft>
-                <a:spcPts val="0"/>
-              </a:spcAft>
-              <a:buNone/>
-            </a:pPr>
-            <a:r>
-              <a:t/>
-            </a:r>
-            <a:endParaRPr/>
-          </a:p>
-        </p:txBody>
-      </p:sp>
-    </p:spTree>
-  </p:cSld>
-  <p:clrMapOvr>
-    <a:masterClrMapping/>
-  </p:clrMapOvr>
-</p:notes>
-</file>
-
-<file path=ppt/notesSlides/notesSlide11.xml><?xml version="1.0" encoding="utf-8"?>
-<p:notes xmlns:a="http://schemas.openxmlformats.org/drawingml/2006/main" xmlns:r="http://schemas.openxmlformats.org/officeDocument/2006/relationships" xmlns:mc="http://schemas.openxmlformats.org/markup-compatibility/2006" xmlns:mv="urn:schemas-microsoft-com:mac:vml" xmlns:p="http://schemas.openxmlformats.org/presentationml/2006/main" xmlns:c="http://schemas.openxmlformats.org/drawingml/2006/chart" xmlns:dgm="http://schemas.openxmlformats.org/drawingml/2006/diagram" xmlns:o="urn:schemas-microsoft-com:office:office" xmlns:v="urn:schemas-microsoft-com:vml" xmlns:pvml="urn:schemas-microsoft-com:office:powerpoint" xmlns:com="http://schemas.openxmlformats.org/drawingml/2006/compatibility" xmlns:p14="http://schemas.microsoft.com/office/powerpoint/2010/main" xmlns:p15="http://schemas.microsoft.com/office/powerpoint/2012/main" xmlns:ahyp="http://schemas.microsoft.com/office/drawing/2018/hyperlinkcolor" showMasterPhAnim="0" showMasterSp="0">
-  <p:cSld>
-    <p:spTree>
-      <p:nvGrpSpPr>
-        <p:cNvPr id="133" name="Shape 133"/>
-        <p:cNvGrpSpPr/>
-        <p:nvPr/>
-      </p:nvGrpSpPr>
-      <p:grpSpPr>
-        <a:xfrm>
-          <a:off x="0" y="0"/>
-          <a:ext cx="0" cy="0"/>
-          <a:chOff x="0" y="0"/>
-          <a:chExt cx="0" cy="0"/>
-        </a:xfrm>
-      </p:grpSpPr>
-      <p:sp>
-        <p:nvSpPr>
-          <p:cNvPr id="134" name="Google Shape;134;g21e7ef088d1_0_6:notes"/>
-          <p:cNvSpPr/>
-          <p:nvPr>
-            <p:ph idx="2" type="sldImg"/>
-          </p:nvPr>
-        </p:nvSpPr>
-        <p:spPr>
-          <a:xfrm>
-            <a:off x="381188" y="685800"/>
-            <a:ext cx="6096300" cy="3429000"/>
-          </a:xfrm>
-          <a:custGeom>
-            <a:rect b="b" l="l" r="r" t="t"/>
-            <a:pathLst>
-              <a:path extrusionOk="0" h="120000" w="120000">
-                <a:moveTo>
-                  <a:pt x="0" y="0"/>
-                </a:moveTo>
-                <a:lnTo>
-                  <a:pt x="120000" y="0"/>
-                </a:lnTo>
-                <a:lnTo>
-                  <a:pt x="120000" y="120000"/>
-                </a:lnTo>
-                <a:lnTo>
-                  <a:pt x="0" y="120000"/>
-                </a:lnTo>
-                <a:close/>
-              </a:path>
-            </a:pathLst>
-          </a:custGeom>
-        </p:spPr>
-      </p:sp>
-      <p:sp>
-        <p:nvSpPr>
-          <p:cNvPr id="135" name="Google Shape;135;g21e7ef088d1_0_6:notes"/>
-          <p:cNvSpPr txBox="1"/>
-          <p:nvPr>
-            <p:ph idx="1" type="body"/>
-          </p:nvPr>
-        </p:nvSpPr>
-        <p:spPr>
-          <a:xfrm>
-            <a:off x="685800" y="4343400"/>
-            <a:ext cx="5486400" cy="4114800"/>
-          </a:xfrm>
-          <a:prstGeom prst="rect">
-            <a:avLst/>
-          </a:prstGeom>
-        </p:spPr>
-        <p:txBody>
-          <a:bodyPr anchorCtr="0" anchor="t" bIns="91425" lIns="91425" spcFirstLastPara="1" rIns="91425" wrap="square" tIns="91425">
-            <a:noAutofit/>
-          </a:bodyPr>
-          <a:lstStyle/>
-          <a:p>
-            <a:pPr indent="0" lvl="0" marL="0" rtl="0" algn="l">
-              <a:spcBef>
-                <a:spcPts val="0"/>
-              </a:spcBef>
-              <a:spcAft>
-                <a:spcPts val="0"/>
-              </a:spcAft>
-              <a:buNone/>
-            </a:pPr>
-            <a:r>
-              <a:t/>
-            </a:r>
-            <a:endParaRPr/>
-          </a:p>
-        </p:txBody>
-      </p:sp>
-    </p:spTree>
-  </p:cSld>
-  <p:clrMapOvr>
-    <a:masterClrMapping/>
-  </p:clrMapOvr>
-</p:notes>
-</file>
-
-<file path=ppt/notesSlides/notesSlide12.xml><?xml version="1.0" encoding="utf-8"?>
-<p:notes xmlns:a="http://schemas.openxmlformats.org/drawingml/2006/main" xmlns:r="http://schemas.openxmlformats.org/officeDocument/2006/relationships" xmlns:mc="http://schemas.openxmlformats.org/markup-compatibility/2006" xmlns:mv="urn:schemas-microsoft-com:mac:vml" xmlns:p="http://schemas.openxmlformats.org/presentationml/2006/main" xmlns:c="http://schemas.openxmlformats.org/drawingml/2006/chart" xmlns:dgm="http://schemas.openxmlformats.org/drawingml/2006/diagram" xmlns:o="urn:schemas-microsoft-com:office:office" xmlns:v="urn:schemas-microsoft-com:vml" xmlns:pvml="urn:schemas-microsoft-com:office:powerpoint" xmlns:com="http://schemas.openxmlformats.org/drawingml/2006/compatibility" xmlns:p14="http://schemas.microsoft.com/office/powerpoint/2010/main" xmlns:p15="http://schemas.microsoft.com/office/powerpoint/2012/main" xmlns:ahyp="http://schemas.microsoft.com/office/drawing/2018/hyperlinkcolor" showMasterPhAnim="0" showMasterSp="0">
-  <p:cSld>
-    <p:spTree>
-      <p:nvGrpSpPr>
-        <p:cNvPr id="140" name="Shape 140"/>
-        <p:cNvGrpSpPr/>
-        <p:nvPr/>
-      </p:nvGrpSpPr>
-      <p:grpSpPr>
-        <a:xfrm>
-          <a:off x="0" y="0"/>
-          <a:ext cx="0" cy="0"/>
-          <a:chOff x="0" y="0"/>
-          <a:chExt cx="0" cy="0"/>
-        </a:xfrm>
-      </p:grpSpPr>
-      <p:sp>
-        <p:nvSpPr>
-          <p:cNvPr id="141" name="Google Shape;141;g21954d1147d_0_32:notes"/>
+          <p:cNvPr id="152" name="Google Shape;152;g21e7ef088d1_0_20:notes"/>
           <p:cNvSpPr/>
           <p:nvPr>
             <p:ph idx="2" type="sldImg"/>
@@ -1061,7 +860,7 @@
       </p:sp>
       <p:sp>
         <p:nvSpPr>
-          <p:cNvPr id="142" name="Google Shape;142;g21954d1147d_0_32:notes"/>
+          <p:cNvPr id="153" name="Google Shape;153;g21e7ef088d1_0_20:notes"/>
           <p:cNvSpPr txBox="1"/>
           <p:nvPr>
             <p:ph idx="1" type="body"/>
@@ -1106,12 +905,12 @@
 </p:notes>
 </file>
 
-<file path=ppt/notesSlides/notesSlide13.xml><?xml version="1.0" encoding="utf-8"?>
+<file path=ppt/notesSlides/notesSlide11.xml><?xml version="1.0" encoding="utf-8"?>
 <p:notes xmlns:a="http://schemas.openxmlformats.org/drawingml/2006/main" xmlns:r="http://schemas.openxmlformats.org/officeDocument/2006/relationships" xmlns:mc="http://schemas.openxmlformats.org/markup-compatibility/2006" xmlns:mv="urn:schemas-microsoft-com:mac:vml" xmlns:p="http://schemas.openxmlformats.org/presentationml/2006/main" xmlns:c="http://schemas.openxmlformats.org/drawingml/2006/chart" xmlns:dgm="http://schemas.openxmlformats.org/drawingml/2006/diagram" xmlns:o="urn:schemas-microsoft-com:office:office" xmlns:v="urn:schemas-microsoft-com:vml" xmlns:pvml="urn:schemas-microsoft-com:office:powerpoint" xmlns:com="http://schemas.openxmlformats.org/drawingml/2006/compatibility" xmlns:p14="http://schemas.microsoft.com/office/powerpoint/2010/main" xmlns:p15="http://schemas.microsoft.com/office/powerpoint/2012/main" xmlns:ahyp="http://schemas.microsoft.com/office/drawing/2018/hyperlinkcolor" showMasterPhAnim="0" showMasterSp="0">
   <p:cSld>
     <p:spTree>
       <p:nvGrpSpPr>
-        <p:cNvPr id="145" name="Shape 145"/>
+        <p:cNvPr id="158" name="Shape 158"/>
         <p:cNvGrpSpPr/>
         <p:nvPr/>
       </p:nvGrpSpPr>
@@ -1125,106 +924,7 @@
       </p:grpSpPr>
       <p:sp>
         <p:nvSpPr>
-          <p:cNvPr id="146" name="Google Shape;146;g21e7ef088d1_0_13:notes"/>
-          <p:cNvSpPr/>
-          <p:nvPr>
-            <p:ph idx="2" type="sldImg"/>
-          </p:nvPr>
-        </p:nvSpPr>
-        <p:spPr>
-          <a:xfrm>
-            <a:off x="381188" y="685800"/>
-            <a:ext cx="6096300" cy="3429000"/>
-          </a:xfrm>
-          <a:custGeom>
-            <a:rect b="b" l="l" r="r" t="t"/>
-            <a:pathLst>
-              <a:path extrusionOk="0" h="120000" w="120000">
-                <a:moveTo>
-                  <a:pt x="0" y="0"/>
-                </a:moveTo>
-                <a:lnTo>
-                  <a:pt x="120000" y="0"/>
-                </a:lnTo>
-                <a:lnTo>
-                  <a:pt x="120000" y="120000"/>
-                </a:lnTo>
-                <a:lnTo>
-                  <a:pt x="0" y="120000"/>
-                </a:lnTo>
-                <a:close/>
-              </a:path>
-            </a:pathLst>
-          </a:custGeom>
-        </p:spPr>
-      </p:sp>
-      <p:sp>
-        <p:nvSpPr>
-          <p:cNvPr id="147" name="Google Shape;147;g21e7ef088d1_0_13:notes"/>
-          <p:cNvSpPr txBox="1"/>
-          <p:nvPr>
-            <p:ph idx="1" type="body"/>
-          </p:nvPr>
-        </p:nvSpPr>
-        <p:spPr>
-          <a:xfrm>
-            <a:off x="685800" y="4343400"/>
-            <a:ext cx="5486400" cy="4114800"/>
-          </a:xfrm>
-          <a:prstGeom prst="rect">
-            <a:avLst/>
-          </a:prstGeom>
-        </p:spPr>
-        <p:txBody>
-          <a:bodyPr anchorCtr="0" anchor="t" bIns="91425" lIns="91425" spcFirstLastPara="1" rIns="91425" wrap="square" tIns="91425">
-            <a:noAutofit/>
-          </a:bodyPr>
-          <a:lstStyle/>
-          <a:p>
-            <a:pPr indent="0" lvl="0" marL="0" rtl="0" algn="l">
-              <a:spcBef>
-                <a:spcPts val="0"/>
-              </a:spcBef>
-              <a:spcAft>
-                <a:spcPts val="0"/>
-              </a:spcAft>
-              <a:buNone/>
-            </a:pPr>
-            <a:r>
-              <a:t/>
-            </a:r>
-            <a:endParaRPr/>
-          </a:p>
-        </p:txBody>
-      </p:sp>
-    </p:spTree>
-  </p:cSld>
-  <p:clrMapOvr>
-    <a:masterClrMapping/>
-  </p:clrMapOvr>
-</p:notes>
-</file>
-
-<file path=ppt/notesSlides/notesSlide14.xml><?xml version="1.0" encoding="utf-8"?>
-<p:notes xmlns:a="http://schemas.openxmlformats.org/drawingml/2006/main" xmlns:r="http://schemas.openxmlformats.org/officeDocument/2006/relationships" xmlns:mc="http://schemas.openxmlformats.org/markup-compatibility/2006" xmlns:mv="urn:schemas-microsoft-com:mac:vml" xmlns:p="http://schemas.openxmlformats.org/presentationml/2006/main" xmlns:c="http://schemas.openxmlformats.org/drawingml/2006/chart" xmlns:dgm="http://schemas.openxmlformats.org/drawingml/2006/diagram" xmlns:o="urn:schemas-microsoft-com:office:office" xmlns:v="urn:schemas-microsoft-com:vml" xmlns:pvml="urn:schemas-microsoft-com:office:powerpoint" xmlns:com="http://schemas.openxmlformats.org/drawingml/2006/compatibility" xmlns:p14="http://schemas.microsoft.com/office/powerpoint/2010/main" xmlns:p15="http://schemas.microsoft.com/office/powerpoint/2012/main" xmlns:ahyp="http://schemas.microsoft.com/office/drawing/2018/hyperlinkcolor" showMasterPhAnim="0" showMasterSp="0">
-  <p:cSld>
-    <p:spTree>
-      <p:nvGrpSpPr>
-        <p:cNvPr id="153" name="Shape 153"/>
-        <p:cNvGrpSpPr/>
-        <p:nvPr/>
-      </p:nvGrpSpPr>
-      <p:grpSpPr>
-        <a:xfrm>
-          <a:off x="0" y="0"/>
-          <a:ext cx="0" cy="0"/>
-          <a:chOff x="0" y="0"/>
-          <a:chExt cx="0" cy="0"/>
-        </a:xfrm>
-      </p:grpSpPr>
-      <p:sp>
-        <p:nvSpPr>
-          <p:cNvPr id="154" name="Google Shape;154;g21e7ef088d1_0_20:notes"/>
+          <p:cNvPr id="159" name="Google Shape;159;g21954d1147d_0_36:notes"/>
           <p:cNvSpPr/>
           <p:nvPr>
             <p:ph idx="2" type="sldImg"/>
@@ -1259,7 +959,7 @@
       </p:sp>
       <p:sp>
         <p:nvSpPr>
-          <p:cNvPr id="155" name="Google Shape;155;g21e7ef088d1_0_20:notes"/>
+          <p:cNvPr id="160" name="Google Shape;160;g21954d1147d_0_36:notes"/>
           <p:cNvSpPr txBox="1"/>
           <p:nvPr>
             <p:ph idx="1" type="body"/>
@@ -1304,12 +1004,12 @@
 </p:notes>
 </file>
 
-<file path=ppt/notesSlides/notesSlide15.xml><?xml version="1.0" encoding="utf-8"?>
+<file path=ppt/notesSlides/notesSlide12.xml><?xml version="1.0" encoding="utf-8"?>
 <p:notes xmlns:a="http://schemas.openxmlformats.org/drawingml/2006/main" xmlns:r="http://schemas.openxmlformats.org/officeDocument/2006/relationships" xmlns:mc="http://schemas.openxmlformats.org/markup-compatibility/2006" xmlns:mv="urn:schemas-microsoft-com:mac:vml" xmlns:p="http://schemas.openxmlformats.org/presentationml/2006/main" xmlns:c="http://schemas.openxmlformats.org/drawingml/2006/chart" xmlns:dgm="http://schemas.openxmlformats.org/drawingml/2006/diagram" xmlns:o="urn:schemas-microsoft-com:office:office" xmlns:v="urn:schemas-microsoft-com:vml" xmlns:pvml="urn:schemas-microsoft-com:office:powerpoint" xmlns:com="http://schemas.openxmlformats.org/drawingml/2006/compatibility" xmlns:p14="http://schemas.microsoft.com/office/powerpoint/2010/main" xmlns:p15="http://schemas.microsoft.com/office/powerpoint/2012/main" xmlns:ahyp="http://schemas.microsoft.com/office/drawing/2018/hyperlinkcolor" showMasterPhAnim="0" showMasterSp="0">
   <p:cSld>
     <p:spTree>
       <p:nvGrpSpPr>
-        <p:cNvPr id="160" name="Shape 160"/>
+        <p:cNvPr id="164" name="Shape 164"/>
         <p:cNvGrpSpPr/>
         <p:nvPr/>
       </p:nvGrpSpPr>
@@ -1323,7 +1023,7 @@
       </p:grpSpPr>
       <p:sp>
         <p:nvSpPr>
-          <p:cNvPr id="161" name="Google Shape;161;g21954d1147d_0_36:notes"/>
+          <p:cNvPr id="165" name="Google Shape;165;g21e7ef088d1_0_35:notes"/>
           <p:cNvSpPr/>
           <p:nvPr>
             <p:ph idx="2" type="sldImg"/>
@@ -1358,7 +1058,7 @@
       </p:sp>
       <p:sp>
         <p:nvSpPr>
-          <p:cNvPr id="162" name="Google Shape;162;g21954d1147d_0_36:notes"/>
+          <p:cNvPr id="166" name="Google Shape;166;g21e7ef088d1_0_35:notes"/>
           <p:cNvSpPr txBox="1"/>
           <p:nvPr>
             <p:ph idx="1" type="body"/>
@@ -1403,12 +1103,12 @@
 </p:notes>
 </file>
 
-<file path=ppt/notesSlides/notesSlide16.xml><?xml version="1.0" encoding="utf-8"?>
+<file path=ppt/notesSlides/notesSlide13.xml><?xml version="1.0" encoding="utf-8"?>
 <p:notes xmlns:a="http://schemas.openxmlformats.org/drawingml/2006/main" xmlns:r="http://schemas.openxmlformats.org/officeDocument/2006/relationships" xmlns:mc="http://schemas.openxmlformats.org/markup-compatibility/2006" xmlns:mv="urn:schemas-microsoft-com:mac:vml" xmlns:p="http://schemas.openxmlformats.org/presentationml/2006/main" xmlns:c="http://schemas.openxmlformats.org/drawingml/2006/chart" xmlns:dgm="http://schemas.openxmlformats.org/drawingml/2006/diagram" xmlns:o="urn:schemas-microsoft-com:office:office" xmlns:v="urn:schemas-microsoft-com:vml" xmlns:pvml="urn:schemas-microsoft-com:office:powerpoint" xmlns:com="http://schemas.openxmlformats.org/drawingml/2006/compatibility" xmlns:p14="http://schemas.microsoft.com/office/powerpoint/2010/main" xmlns:p15="http://schemas.microsoft.com/office/powerpoint/2012/main" xmlns:ahyp="http://schemas.microsoft.com/office/drawing/2018/hyperlinkcolor" showMasterPhAnim="0" showMasterSp="0">
   <p:cSld>
     <p:spTree>
       <p:nvGrpSpPr>
-        <p:cNvPr id="165" name="Shape 165"/>
+        <p:cNvPr id="171" name="Shape 171"/>
         <p:cNvGrpSpPr/>
         <p:nvPr/>
       </p:nvGrpSpPr>
@@ -1422,7 +1122,7 @@
       </p:grpSpPr>
       <p:sp>
         <p:nvSpPr>
-          <p:cNvPr id="166" name="Google Shape;166;g21e7ef088d1_0_35:notes"/>
+          <p:cNvPr id="172" name="Google Shape;172;g1df8ed4db5f_0_0:notes"/>
           <p:cNvSpPr/>
           <p:nvPr>
             <p:ph idx="2" type="sldImg"/>
@@ -1457,7 +1157,7 @@
       </p:sp>
       <p:sp>
         <p:nvSpPr>
-          <p:cNvPr id="167" name="Google Shape;167;g21e7ef088d1_0_35:notes"/>
+          <p:cNvPr id="173" name="Google Shape;173;g1df8ed4db5f_0_0:notes"/>
           <p:cNvSpPr txBox="1"/>
           <p:nvPr>
             <p:ph idx="1" type="body"/>
@@ -1521,7 +1221,7 @@
       </p:grpSpPr>
       <p:sp>
         <p:nvSpPr>
-          <p:cNvPr id="71" name="Google Shape;71;gc6f73a04f_0_5:notes"/>
+          <p:cNvPr id="71" name="Google Shape;71;gc6f73a04f_0_9:notes"/>
           <p:cNvSpPr/>
           <p:nvPr>
             <p:ph idx="2" type="sldImg"/>
@@ -1556,7 +1256,7 @@
       </p:sp>
       <p:sp>
         <p:nvSpPr>
-          <p:cNvPr id="72" name="Google Shape;72;gc6f73a04f_0_5:notes"/>
+          <p:cNvPr id="72" name="Google Shape;72;gc6f73a04f_0_9:notes"/>
           <p:cNvSpPr txBox="1"/>
           <p:nvPr>
             <p:ph idx="1" type="body"/>
@@ -1606,7 +1306,7 @@
   <p:cSld>
     <p:spTree>
       <p:nvGrpSpPr>
-        <p:cNvPr id="75" name="Shape 75"/>
+        <p:cNvPr id="79" name="Shape 79"/>
         <p:cNvGrpSpPr/>
         <p:nvPr/>
       </p:nvGrpSpPr>
@@ -1620,7 +1320,106 @@
       </p:grpSpPr>
       <p:sp>
         <p:nvSpPr>
-          <p:cNvPr id="76" name="Google Shape;76;gc6f73a04f_0_9:notes"/>
+          <p:cNvPr id="80" name="Google Shape;80;g21e7ef088d1_0_0:notes"/>
+          <p:cNvSpPr/>
+          <p:nvPr>
+            <p:ph idx="2" type="sldImg"/>
+          </p:nvPr>
+        </p:nvSpPr>
+        <p:spPr>
+          <a:xfrm>
+            <a:off x="381300" y="685800"/>
+            <a:ext cx="6096000" cy="3429000"/>
+          </a:xfrm>
+          <a:custGeom>
+            <a:rect b="b" l="l" r="r" t="t"/>
+            <a:pathLst>
+              <a:path extrusionOk="0" h="120000" w="120000">
+                <a:moveTo>
+                  <a:pt x="0" y="0"/>
+                </a:moveTo>
+                <a:lnTo>
+                  <a:pt x="120000" y="0"/>
+                </a:lnTo>
+                <a:lnTo>
+                  <a:pt x="120000" y="120000"/>
+                </a:lnTo>
+                <a:lnTo>
+                  <a:pt x="0" y="120000"/>
+                </a:lnTo>
+                <a:close/>
+              </a:path>
+            </a:pathLst>
+          </a:custGeom>
+        </p:spPr>
+      </p:sp>
+      <p:sp>
+        <p:nvSpPr>
+          <p:cNvPr id="81" name="Google Shape;81;g21e7ef088d1_0_0:notes"/>
+          <p:cNvSpPr txBox="1"/>
+          <p:nvPr>
+            <p:ph idx="1" type="body"/>
+          </p:nvPr>
+        </p:nvSpPr>
+        <p:spPr>
+          <a:xfrm>
+            <a:off x="685800" y="4343400"/>
+            <a:ext cx="5486400" cy="4114800"/>
+          </a:xfrm>
+          <a:prstGeom prst="rect">
+            <a:avLst/>
+          </a:prstGeom>
+        </p:spPr>
+        <p:txBody>
+          <a:bodyPr anchorCtr="0" anchor="t" bIns="91425" lIns="91425" spcFirstLastPara="1" rIns="91425" wrap="square" tIns="91425">
+            <a:noAutofit/>
+          </a:bodyPr>
+          <a:lstStyle/>
+          <a:p>
+            <a:pPr indent="0" lvl="0" marL="0" rtl="0" algn="l">
+              <a:spcBef>
+                <a:spcPts val="0"/>
+              </a:spcBef>
+              <a:spcAft>
+                <a:spcPts val="0"/>
+              </a:spcAft>
+              <a:buNone/>
+            </a:pPr>
+            <a:r>
+              <a:t/>
+            </a:r>
+            <a:endParaRPr/>
+          </a:p>
+        </p:txBody>
+      </p:sp>
+    </p:spTree>
+  </p:cSld>
+  <p:clrMapOvr>
+    <a:masterClrMapping/>
+  </p:clrMapOvr>
+</p:notes>
+</file>
+
+<file path=ppt/notesSlides/notesSlide4.xml><?xml version="1.0" encoding="utf-8"?>
+<p:notes xmlns:a="http://schemas.openxmlformats.org/drawingml/2006/main" xmlns:r="http://schemas.openxmlformats.org/officeDocument/2006/relationships" xmlns:mc="http://schemas.openxmlformats.org/markup-compatibility/2006" xmlns:mv="urn:schemas-microsoft-com:mac:vml" xmlns:p="http://schemas.openxmlformats.org/presentationml/2006/main" xmlns:c="http://schemas.openxmlformats.org/drawingml/2006/chart" xmlns:dgm="http://schemas.openxmlformats.org/drawingml/2006/diagram" xmlns:o="urn:schemas-microsoft-com:office:office" xmlns:v="urn:schemas-microsoft-com:vml" xmlns:pvml="urn:schemas-microsoft-com:office:powerpoint" xmlns:com="http://schemas.openxmlformats.org/drawingml/2006/compatibility" xmlns:p14="http://schemas.microsoft.com/office/powerpoint/2010/main" xmlns:p15="http://schemas.microsoft.com/office/powerpoint/2012/main" xmlns:ahyp="http://schemas.microsoft.com/office/drawing/2018/hyperlinkcolor" showMasterPhAnim="0" showMasterSp="0">
+  <p:cSld>
+    <p:spTree>
+      <p:nvGrpSpPr>
+        <p:cNvPr id="86" name="Shape 86"/>
+        <p:cNvGrpSpPr/>
+        <p:nvPr/>
+      </p:nvGrpSpPr>
+      <p:grpSpPr>
+        <a:xfrm>
+          <a:off x="0" y="0"/>
+          <a:ext cx="0" cy="0"/>
+          <a:chOff x="0" y="0"/>
+          <a:chExt cx="0" cy="0"/>
+        </a:xfrm>
+      </p:grpSpPr>
+      <p:sp>
+        <p:nvSpPr>
+          <p:cNvPr id="87" name="Google Shape;87;g217b4c32b64_0_10:notes"/>
           <p:cNvSpPr/>
           <p:nvPr>
             <p:ph idx="2" type="sldImg"/>
@@ -1655,7 +1454,7 @@
       </p:sp>
       <p:sp>
         <p:nvSpPr>
-          <p:cNvPr id="77" name="Google Shape;77;gc6f73a04f_0_9:notes"/>
+          <p:cNvPr id="88" name="Google Shape;88;g217b4c32b64_0_10:notes"/>
           <p:cNvSpPr txBox="1"/>
           <p:nvPr>
             <p:ph idx="1" type="body"/>
@@ -1700,12 +1499,12 @@
 </p:notes>
 </file>
 
-<file path=ppt/notesSlides/notesSlide4.xml><?xml version="1.0" encoding="utf-8"?>
+<file path=ppt/notesSlides/notesSlide5.xml><?xml version="1.0" encoding="utf-8"?>
 <p:notes xmlns:a="http://schemas.openxmlformats.org/drawingml/2006/main" xmlns:r="http://schemas.openxmlformats.org/officeDocument/2006/relationships" xmlns:mc="http://schemas.openxmlformats.org/markup-compatibility/2006" xmlns:mv="urn:schemas-microsoft-com:mac:vml" xmlns:p="http://schemas.openxmlformats.org/presentationml/2006/main" xmlns:c="http://schemas.openxmlformats.org/drawingml/2006/chart" xmlns:dgm="http://schemas.openxmlformats.org/drawingml/2006/diagram" xmlns:o="urn:schemas-microsoft-com:office:office" xmlns:v="urn:schemas-microsoft-com:vml" xmlns:pvml="urn:schemas-microsoft-com:office:powerpoint" xmlns:com="http://schemas.openxmlformats.org/drawingml/2006/compatibility" xmlns:p14="http://schemas.microsoft.com/office/powerpoint/2010/main" xmlns:p15="http://schemas.microsoft.com/office/powerpoint/2012/main" xmlns:ahyp="http://schemas.microsoft.com/office/drawing/2018/hyperlinkcolor" showMasterPhAnim="0" showMasterSp="0">
   <p:cSld>
     <p:spTree>
       <p:nvGrpSpPr>
-        <p:cNvPr id="81" name="Shape 81"/>
+        <p:cNvPr id="94" name="Shape 94"/>
         <p:cNvGrpSpPr/>
         <p:nvPr/>
       </p:nvGrpSpPr>
@@ -1719,7 +1518,205 @@
       </p:grpSpPr>
       <p:sp>
         <p:nvSpPr>
-          <p:cNvPr id="82" name="Google Shape;82;g21e7ef088d1_0_0:notes"/>
+          <p:cNvPr id="95" name="Google Shape;95;g21954d1147d_0_0:notes"/>
+          <p:cNvSpPr/>
+          <p:nvPr>
+            <p:ph idx="2" type="sldImg"/>
+          </p:nvPr>
+        </p:nvSpPr>
+        <p:spPr>
+          <a:xfrm>
+            <a:off x="381188" y="685800"/>
+            <a:ext cx="6096300" cy="3429000"/>
+          </a:xfrm>
+          <a:custGeom>
+            <a:rect b="b" l="l" r="r" t="t"/>
+            <a:pathLst>
+              <a:path extrusionOk="0" h="120000" w="120000">
+                <a:moveTo>
+                  <a:pt x="0" y="0"/>
+                </a:moveTo>
+                <a:lnTo>
+                  <a:pt x="120000" y="0"/>
+                </a:lnTo>
+                <a:lnTo>
+                  <a:pt x="120000" y="120000"/>
+                </a:lnTo>
+                <a:lnTo>
+                  <a:pt x="0" y="120000"/>
+                </a:lnTo>
+                <a:close/>
+              </a:path>
+            </a:pathLst>
+          </a:custGeom>
+        </p:spPr>
+      </p:sp>
+      <p:sp>
+        <p:nvSpPr>
+          <p:cNvPr id="96" name="Google Shape;96;g21954d1147d_0_0:notes"/>
+          <p:cNvSpPr txBox="1"/>
+          <p:nvPr>
+            <p:ph idx="1" type="body"/>
+          </p:nvPr>
+        </p:nvSpPr>
+        <p:spPr>
+          <a:xfrm>
+            <a:off x="685800" y="4343400"/>
+            <a:ext cx="5486400" cy="4114800"/>
+          </a:xfrm>
+          <a:prstGeom prst="rect">
+            <a:avLst/>
+          </a:prstGeom>
+        </p:spPr>
+        <p:txBody>
+          <a:bodyPr anchorCtr="0" anchor="t" bIns="91425" lIns="91425" spcFirstLastPara="1" rIns="91425" wrap="square" tIns="91425">
+            <a:noAutofit/>
+          </a:bodyPr>
+          <a:lstStyle/>
+          <a:p>
+            <a:pPr indent="0" lvl="0" marL="0" rtl="0" algn="l">
+              <a:spcBef>
+                <a:spcPts val="0"/>
+              </a:spcBef>
+              <a:spcAft>
+                <a:spcPts val="0"/>
+              </a:spcAft>
+              <a:buNone/>
+            </a:pPr>
+            <a:r>
+              <a:t/>
+            </a:r>
+            <a:endParaRPr/>
+          </a:p>
+        </p:txBody>
+      </p:sp>
+    </p:spTree>
+  </p:cSld>
+  <p:clrMapOvr>
+    <a:masterClrMapping/>
+  </p:clrMapOvr>
+</p:notes>
+</file>
+
+<file path=ppt/notesSlides/notesSlide6.xml><?xml version="1.0" encoding="utf-8"?>
+<p:notes xmlns:a="http://schemas.openxmlformats.org/drawingml/2006/main" xmlns:r="http://schemas.openxmlformats.org/officeDocument/2006/relationships" xmlns:mc="http://schemas.openxmlformats.org/markup-compatibility/2006" xmlns:mv="urn:schemas-microsoft-com:mac:vml" xmlns:p="http://schemas.openxmlformats.org/presentationml/2006/main" xmlns:c="http://schemas.openxmlformats.org/drawingml/2006/chart" xmlns:dgm="http://schemas.openxmlformats.org/drawingml/2006/diagram" xmlns:o="urn:schemas-microsoft-com:office:office" xmlns:v="urn:schemas-microsoft-com:vml" xmlns:pvml="urn:schemas-microsoft-com:office:powerpoint" xmlns:com="http://schemas.openxmlformats.org/drawingml/2006/compatibility" xmlns:p14="http://schemas.microsoft.com/office/powerpoint/2010/main" xmlns:p15="http://schemas.microsoft.com/office/powerpoint/2012/main" xmlns:ahyp="http://schemas.microsoft.com/office/drawing/2018/hyperlinkcolor" showMasterPhAnim="0" showMasterSp="0">
+  <p:cSld>
+    <p:spTree>
+      <p:nvGrpSpPr>
+        <p:cNvPr id="100" name="Shape 100"/>
+        <p:cNvGrpSpPr/>
+        <p:nvPr/>
+      </p:nvGrpSpPr>
+      <p:grpSpPr>
+        <a:xfrm>
+          <a:off x="0" y="0"/>
+          <a:ext cx="0" cy="0"/>
+          <a:chOff x="0" y="0"/>
+          <a:chExt cx="0" cy="0"/>
+        </a:xfrm>
+      </p:grpSpPr>
+      <p:sp>
+        <p:nvSpPr>
+          <p:cNvPr id="101" name="Google Shape;101;gc6f73a04f_0_14:notes"/>
+          <p:cNvSpPr/>
+          <p:nvPr>
+            <p:ph idx="2" type="sldImg"/>
+          </p:nvPr>
+        </p:nvSpPr>
+        <p:spPr>
+          <a:xfrm>
+            <a:off x="381188" y="685800"/>
+            <a:ext cx="6096300" cy="3429000"/>
+          </a:xfrm>
+          <a:custGeom>
+            <a:rect b="b" l="l" r="r" t="t"/>
+            <a:pathLst>
+              <a:path extrusionOk="0" h="120000" w="120000">
+                <a:moveTo>
+                  <a:pt x="0" y="0"/>
+                </a:moveTo>
+                <a:lnTo>
+                  <a:pt x="120000" y="0"/>
+                </a:lnTo>
+                <a:lnTo>
+                  <a:pt x="120000" y="120000"/>
+                </a:lnTo>
+                <a:lnTo>
+                  <a:pt x="0" y="120000"/>
+                </a:lnTo>
+                <a:close/>
+              </a:path>
+            </a:pathLst>
+          </a:custGeom>
+        </p:spPr>
+      </p:sp>
+      <p:sp>
+        <p:nvSpPr>
+          <p:cNvPr id="102" name="Google Shape;102;gc6f73a04f_0_14:notes"/>
+          <p:cNvSpPr txBox="1"/>
+          <p:nvPr>
+            <p:ph idx="1" type="body"/>
+          </p:nvPr>
+        </p:nvSpPr>
+        <p:spPr>
+          <a:xfrm>
+            <a:off x="685800" y="4343400"/>
+            <a:ext cx="5486400" cy="4114800"/>
+          </a:xfrm>
+          <a:prstGeom prst="rect">
+            <a:avLst/>
+          </a:prstGeom>
+        </p:spPr>
+        <p:txBody>
+          <a:bodyPr anchorCtr="0" anchor="t" bIns="91425" lIns="91425" spcFirstLastPara="1" rIns="91425" wrap="square" tIns="91425">
+            <a:noAutofit/>
+          </a:bodyPr>
+          <a:lstStyle/>
+          <a:p>
+            <a:pPr indent="0" lvl="0" marL="0" rtl="0" algn="l">
+              <a:spcBef>
+                <a:spcPts val="0"/>
+              </a:spcBef>
+              <a:spcAft>
+                <a:spcPts val="0"/>
+              </a:spcAft>
+              <a:buNone/>
+            </a:pPr>
+            <a:r>
+              <a:t/>
+            </a:r>
+            <a:endParaRPr/>
+          </a:p>
+        </p:txBody>
+      </p:sp>
+    </p:spTree>
+  </p:cSld>
+  <p:clrMapOvr>
+    <a:masterClrMapping/>
+  </p:clrMapOvr>
+</p:notes>
+</file>
+
+<file path=ppt/notesSlides/notesSlide7.xml><?xml version="1.0" encoding="utf-8"?>
+<p:notes xmlns:a="http://schemas.openxmlformats.org/drawingml/2006/main" xmlns:r="http://schemas.openxmlformats.org/officeDocument/2006/relationships" xmlns:mc="http://schemas.openxmlformats.org/markup-compatibility/2006" xmlns:mv="urn:schemas-microsoft-com:mac:vml" xmlns:p="http://schemas.openxmlformats.org/presentationml/2006/main" xmlns:c="http://schemas.openxmlformats.org/drawingml/2006/chart" xmlns:dgm="http://schemas.openxmlformats.org/drawingml/2006/diagram" xmlns:o="urn:schemas-microsoft-com:office:office" xmlns:v="urn:schemas-microsoft-com:vml" xmlns:pvml="urn:schemas-microsoft-com:office:powerpoint" xmlns:com="http://schemas.openxmlformats.org/drawingml/2006/compatibility" xmlns:p14="http://schemas.microsoft.com/office/powerpoint/2010/main" xmlns:p15="http://schemas.microsoft.com/office/powerpoint/2012/main" xmlns:ahyp="http://schemas.microsoft.com/office/drawing/2018/hyperlinkcolor" showMasterPhAnim="0" showMasterSp="0">
+  <p:cSld>
+    <p:spTree>
+      <p:nvGrpSpPr>
+        <p:cNvPr id="109" name="Shape 109"/>
+        <p:cNvGrpSpPr/>
+        <p:nvPr/>
+      </p:nvGrpSpPr>
+      <p:grpSpPr>
+        <a:xfrm>
+          <a:off x="0" y="0"/>
+          <a:ext cx="0" cy="0"/>
+          <a:chOff x="0" y="0"/>
+          <a:chExt cx="0" cy="0"/>
+        </a:xfrm>
+      </p:grpSpPr>
+      <p:sp>
+        <p:nvSpPr>
+          <p:cNvPr id="110" name="Google Shape;110;g1df1fb72522_0_0:notes"/>
           <p:cNvSpPr/>
           <p:nvPr>
             <p:ph idx="2" type="sldImg"/>
@@ -1754,7 +1751,7 @@
       </p:sp>
       <p:sp>
         <p:nvSpPr>
-          <p:cNvPr id="83" name="Google Shape;83;g21e7ef088d1_0_0:notes"/>
+          <p:cNvPr id="111" name="Google Shape;111;g1df1fb72522_0_0:notes"/>
           <p:cNvSpPr txBox="1"/>
           <p:nvPr>
             <p:ph idx="1" type="body"/>
@@ -1799,12 +1796,12 @@
 </p:notes>
 </file>
 
-<file path=ppt/notesSlides/notesSlide5.xml><?xml version="1.0" encoding="utf-8"?>
+<file path=ppt/notesSlides/notesSlide8.xml><?xml version="1.0" encoding="utf-8"?>
 <p:notes xmlns:a="http://schemas.openxmlformats.org/drawingml/2006/main" xmlns:r="http://schemas.openxmlformats.org/officeDocument/2006/relationships" xmlns:mc="http://schemas.openxmlformats.org/markup-compatibility/2006" xmlns:mv="urn:schemas-microsoft-com:mac:vml" xmlns:p="http://schemas.openxmlformats.org/presentationml/2006/main" xmlns:c="http://schemas.openxmlformats.org/drawingml/2006/chart" xmlns:dgm="http://schemas.openxmlformats.org/drawingml/2006/diagram" xmlns:o="urn:schemas-microsoft-com:office:office" xmlns:v="urn:schemas-microsoft-com:vml" xmlns:pvml="urn:schemas-microsoft-com:office:powerpoint" xmlns:com="http://schemas.openxmlformats.org/drawingml/2006/compatibility" xmlns:p14="http://schemas.microsoft.com/office/powerpoint/2010/main" xmlns:p15="http://schemas.microsoft.com/office/powerpoint/2012/main" xmlns:ahyp="http://schemas.microsoft.com/office/drawing/2018/hyperlinkcolor" showMasterPhAnim="0" showMasterSp="0">
   <p:cSld>
     <p:spTree>
       <p:nvGrpSpPr>
-        <p:cNvPr id="89" name="Shape 89"/>
+        <p:cNvPr id="117" name="Shape 117"/>
         <p:cNvGrpSpPr/>
         <p:nvPr/>
       </p:nvGrpSpPr>
@@ -1818,7 +1815,106 @@
       </p:grpSpPr>
       <p:sp>
         <p:nvSpPr>
-          <p:cNvPr id="90" name="Google Shape;90;gc6f73a04f_0_14:notes"/>
+          <p:cNvPr id="118" name="Google Shape;118;g2225a352414_0_0:notes"/>
+          <p:cNvSpPr/>
+          <p:nvPr>
+            <p:ph idx="2" type="sldImg"/>
+          </p:nvPr>
+        </p:nvSpPr>
+        <p:spPr>
+          <a:xfrm>
+            <a:off x="381300" y="685800"/>
+            <a:ext cx="6096000" cy="3429000"/>
+          </a:xfrm>
+          <a:custGeom>
+            <a:rect b="b" l="l" r="r" t="t"/>
+            <a:pathLst>
+              <a:path extrusionOk="0" h="120000" w="120000">
+                <a:moveTo>
+                  <a:pt x="0" y="0"/>
+                </a:moveTo>
+                <a:lnTo>
+                  <a:pt x="120000" y="0"/>
+                </a:lnTo>
+                <a:lnTo>
+                  <a:pt x="120000" y="120000"/>
+                </a:lnTo>
+                <a:lnTo>
+                  <a:pt x="0" y="120000"/>
+                </a:lnTo>
+                <a:close/>
+              </a:path>
+            </a:pathLst>
+          </a:custGeom>
+        </p:spPr>
+      </p:sp>
+      <p:sp>
+        <p:nvSpPr>
+          <p:cNvPr id="119" name="Google Shape;119;g2225a352414_0_0:notes"/>
+          <p:cNvSpPr txBox="1"/>
+          <p:nvPr>
+            <p:ph idx="1" type="body"/>
+          </p:nvPr>
+        </p:nvSpPr>
+        <p:spPr>
+          <a:xfrm>
+            <a:off x="685800" y="4343400"/>
+            <a:ext cx="5486400" cy="4114800"/>
+          </a:xfrm>
+          <a:prstGeom prst="rect">
+            <a:avLst/>
+          </a:prstGeom>
+        </p:spPr>
+        <p:txBody>
+          <a:bodyPr anchorCtr="0" anchor="t" bIns="91425" lIns="91425" spcFirstLastPara="1" rIns="91425" wrap="square" tIns="91425">
+            <a:noAutofit/>
+          </a:bodyPr>
+          <a:lstStyle/>
+          <a:p>
+            <a:pPr indent="0" lvl="0" marL="0" rtl="0" algn="l">
+              <a:spcBef>
+                <a:spcPts val="0"/>
+              </a:spcBef>
+              <a:spcAft>
+                <a:spcPts val="0"/>
+              </a:spcAft>
+              <a:buNone/>
+            </a:pPr>
+            <a:r>
+              <a:t/>
+            </a:r>
+            <a:endParaRPr/>
+          </a:p>
+        </p:txBody>
+      </p:sp>
+    </p:spTree>
+  </p:cSld>
+  <p:clrMapOvr>
+    <a:masterClrMapping/>
+  </p:clrMapOvr>
+</p:notes>
+</file>
+
+<file path=ppt/notesSlides/notesSlide9.xml><?xml version="1.0" encoding="utf-8"?>
+<p:notes xmlns:a="http://schemas.openxmlformats.org/drawingml/2006/main" xmlns:r="http://schemas.openxmlformats.org/officeDocument/2006/relationships" xmlns:mc="http://schemas.openxmlformats.org/markup-compatibility/2006" xmlns:mv="urn:schemas-microsoft-com:mac:vml" xmlns:p="http://schemas.openxmlformats.org/presentationml/2006/main" xmlns:c="http://schemas.openxmlformats.org/drawingml/2006/chart" xmlns:dgm="http://schemas.openxmlformats.org/drawingml/2006/diagram" xmlns:o="urn:schemas-microsoft-com:office:office" xmlns:v="urn:schemas-microsoft-com:vml" xmlns:pvml="urn:schemas-microsoft-com:office:powerpoint" xmlns:com="http://schemas.openxmlformats.org/drawingml/2006/compatibility" xmlns:p14="http://schemas.microsoft.com/office/powerpoint/2010/main" xmlns:p15="http://schemas.microsoft.com/office/powerpoint/2012/main" xmlns:ahyp="http://schemas.microsoft.com/office/drawing/2018/hyperlinkcolor" showMasterPhAnim="0" showMasterSp="0">
+  <p:cSld>
+    <p:spTree>
+      <p:nvGrpSpPr>
+        <p:cNvPr id="128" name="Shape 128"/>
+        <p:cNvGrpSpPr/>
+        <p:nvPr/>
+      </p:nvGrpSpPr>
+      <p:grpSpPr>
+        <a:xfrm>
+          <a:off x="0" y="0"/>
+          <a:ext cx="0" cy="0"/>
+          <a:chOff x="0" y="0"/>
+          <a:chExt cx="0" cy="0"/>
+        </a:xfrm>
+      </p:grpSpPr>
+      <p:sp>
+        <p:nvSpPr>
+          <p:cNvPr id="129" name="Google Shape;129;g21e7ef088d1_0_13:notes"/>
           <p:cNvSpPr/>
           <p:nvPr>
             <p:ph idx="2" type="sldImg"/>
@@ -1853,403 +1949,7 @@
       </p:sp>
       <p:sp>
         <p:nvSpPr>
-          <p:cNvPr id="91" name="Google Shape;91;gc6f73a04f_0_14:notes"/>
-          <p:cNvSpPr txBox="1"/>
-          <p:nvPr>
-            <p:ph idx="1" type="body"/>
-          </p:nvPr>
-        </p:nvSpPr>
-        <p:spPr>
-          <a:xfrm>
-            <a:off x="685800" y="4343400"/>
-            <a:ext cx="5486400" cy="4114800"/>
-          </a:xfrm>
-          <a:prstGeom prst="rect">
-            <a:avLst/>
-          </a:prstGeom>
-        </p:spPr>
-        <p:txBody>
-          <a:bodyPr anchorCtr="0" anchor="t" bIns="91425" lIns="91425" spcFirstLastPara="1" rIns="91425" wrap="square" tIns="91425">
-            <a:noAutofit/>
-          </a:bodyPr>
-          <a:lstStyle/>
-          <a:p>
-            <a:pPr indent="0" lvl="0" marL="0" rtl="0" algn="l">
-              <a:spcBef>
-                <a:spcPts val="0"/>
-              </a:spcBef>
-              <a:spcAft>
-                <a:spcPts val="0"/>
-              </a:spcAft>
-              <a:buNone/>
-            </a:pPr>
-            <a:r>
-              <a:t/>
-            </a:r>
-            <a:endParaRPr/>
-          </a:p>
-        </p:txBody>
-      </p:sp>
-    </p:spTree>
-  </p:cSld>
-  <p:clrMapOvr>
-    <a:masterClrMapping/>
-  </p:clrMapOvr>
-</p:notes>
-</file>
-
-<file path=ppt/notesSlides/notesSlide6.xml><?xml version="1.0" encoding="utf-8"?>
-<p:notes xmlns:a="http://schemas.openxmlformats.org/drawingml/2006/main" xmlns:r="http://schemas.openxmlformats.org/officeDocument/2006/relationships" xmlns:mc="http://schemas.openxmlformats.org/markup-compatibility/2006" xmlns:mv="urn:schemas-microsoft-com:mac:vml" xmlns:p="http://schemas.openxmlformats.org/presentationml/2006/main" xmlns:c="http://schemas.openxmlformats.org/drawingml/2006/chart" xmlns:dgm="http://schemas.openxmlformats.org/drawingml/2006/diagram" xmlns:o="urn:schemas-microsoft-com:office:office" xmlns:v="urn:schemas-microsoft-com:vml" xmlns:pvml="urn:schemas-microsoft-com:office:powerpoint" xmlns:com="http://schemas.openxmlformats.org/drawingml/2006/compatibility" xmlns:p14="http://schemas.microsoft.com/office/powerpoint/2010/main" xmlns:p15="http://schemas.microsoft.com/office/powerpoint/2012/main" xmlns:ahyp="http://schemas.microsoft.com/office/drawing/2018/hyperlinkcolor" showMasterPhAnim="0" showMasterSp="0">
-  <p:cSld>
-    <p:spTree>
-      <p:nvGrpSpPr>
-        <p:cNvPr id="97" name="Shape 97"/>
-        <p:cNvGrpSpPr/>
-        <p:nvPr/>
-      </p:nvGrpSpPr>
-      <p:grpSpPr>
-        <a:xfrm>
-          <a:off x="0" y="0"/>
-          <a:ext cx="0" cy="0"/>
-          <a:chOff x="0" y="0"/>
-          <a:chExt cx="0" cy="0"/>
-        </a:xfrm>
-      </p:grpSpPr>
-      <p:sp>
-        <p:nvSpPr>
-          <p:cNvPr id="98" name="Google Shape;98;g217b4c32b64_0_10:notes"/>
-          <p:cNvSpPr/>
-          <p:nvPr>
-            <p:ph idx="2" type="sldImg"/>
-          </p:nvPr>
-        </p:nvSpPr>
-        <p:spPr>
-          <a:xfrm>
-            <a:off x="381188" y="685800"/>
-            <a:ext cx="6096300" cy="3429000"/>
-          </a:xfrm>
-          <a:custGeom>
-            <a:rect b="b" l="l" r="r" t="t"/>
-            <a:pathLst>
-              <a:path extrusionOk="0" h="120000" w="120000">
-                <a:moveTo>
-                  <a:pt x="0" y="0"/>
-                </a:moveTo>
-                <a:lnTo>
-                  <a:pt x="120000" y="0"/>
-                </a:lnTo>
-                <a:lnTo>
-                  <a:pt x="120000" y="120000"/>
-                </a:lnTo>
-                <a:lnTo>
-                  <a:pt x="0" y="120000"/>
-                </a:lnTo>
-                <a:close/>
-              </a:path>
-            </a:pathLst>
-          </a:custGeom>
-        </p:spPr>
-      </p:sp>
-      <p:sp>
-        <p:nvSpPr>
-          <p:cNvPr id="99" name="Google Shape;99;g217b4c32b64_0_10:notes"/>
-          <p:cNvSpPr txBox="1"/>
-          <p:nvPr>
-            <p:ph idx="1" type="body"/>
-          </p:nvPr>
-        </p:nvSpPr>
-        <p:spPr>
-          <a:xfrm>
-            <a:off x="685800" y="4343400"/>
-            <a:ext cx="5486400" cy="4114800"/>
-          </a:xfrm>
-          <a:prstGeom prst="rect">
-            <a:avLst/>
-          </a:prstGeom>
-        </p:spPr>
-        <p:txBody>
-          <a:bodyPr anchorCtr="0" anchor="t" bIns="91425" lIns="91425" spcFirstLastPara="1" rIns="91425" wrap="square" tIns="91425">
-            <a:noAutofit/>
-          </a:bodyPr>
-          <a:lstStyle/>
-          <a:p>
-            <a:pPr indent="0" lvl="0" marL="0" rtl="0" algn="l">
-              <a:spcBef>
-                <a:spcPts val="0"/>
-              </a:spcBef>
-              <a:spcAft>
-                <a:spcPts val="0"/>
-              </a:spcAft>
-              <a:buNone/>
-            </a:pPr>
-            <a:r>
-              <a:t/>
-            </a:r>
-            <a:endParaRPr/>
-          </a:p>
-        </p:txBody>
-      </p:sp>
-    </p:spTree>
-  </p:cSld>
-  <p:clrMapOvr>
-    <a:masterClrMapping/>
-  </p:clrMapOvr>
-</p:notes>
-</file>
-
-<file path=ppt/notesSlides/notesSlide7.xml><?xml version="1.0" encoding="utf-8"?>
-<p:notes xmlns:a="http://schemas.openxmlformats.org/drawingml/2006/main" xmlns:r="http://schemas.openxmlformats.org/officeDocument/2006/relationships" xmlns:mc="http://schemas.openxmlformats.org/markup-compatibility/2006" xmlns:mv="urn:schemas-microsoft-com:mac:vml" xmlns:p="http://schemas.openxmlformats.org/presentationml/2006/main" xmlns:c="http://schemas.openxmlformats.org/drawingml/2006/chart" xmlns:dgm="http://schemas.openxmlformats.org/drawingml/2006/diagram" xmlns:o="urn:schemas-microsoft-com:office:office" xmlns:v="urn:schemas-microsoft-com:vml" xmlns:pvml="urn:schemas-microsoft-com:office:powerpoint" xmlns:com="http://schemas.openxmlformats.org/drawingml/2006/compatibility" xmlns:p14="http://schemas.microsoft.com/office/powerpoint/2010/main" xmlns:p15="http://schemas.microsoft.com/office/powerpoint/2012/main" xmlns:ahyp="http://schemas.microsoft.com/office/drawing/2018/hyperlinkcolor" showMasterPhAnim="0" showMasterSp="0">
-  <p:cSld>
-    <p:spTree>
-      <p:nvGrpSpPr>
-        <p:cNvPr id="104" name="Shape 104"/>
-        <p:cNvGrpSpPr/>
-        <p:nvPr/>
-      </p:nvGrpSpPr>
-      <p:grpSpPr>
-        <a:xfrm>
-          <a:off x="0" y="0"/>
-          <a:ext cx="0" cy="0"/>
-          <a:chOff x="0" y="0"/>
-          <a:chExt cx="0" cy="0"/>
-        </a:xfrm>
-      </p:grpSpPr>
-      <p:sp>
-        <p:nvSpPr>
-          <p:cNvPr id="105" name="Google Shape;105;g21954d1147d_0_0:notes"/>
-          <p:cNvSpPr/>
-          <p:nvPr>
-            <p:ph idx="2" type="sldImg"/>
-          </p:nvPr>
-        </p:nvSpPr>
-        <p:spPr>
-          <a:xfrm>
-            <a:off x="381188" y="685800"/>
-            <a:ext cx="6096300" cy="3429000"/>
-          </a:xfrm>
-          <a:custGeom>
-            <a:rect b="b" l="l" r="r" t="t"/>
-            <a:pathLst>
-              <a:path extrusionOk="0" h="120000" w="120000">
-                <a:moveTo>
-                  <a:pt x="0" y="0"/>
-                </a:moveTo>
-                <a:lnTo>
-                  <a:pt x="120000" y="0"/>
-                </a:lnTo>
-                <a:lnTo>
-                  <a:pt x="120000" y="120000"/>
-                </a:lnTo>
-                <a:lnTo>
-                  <a:pt x="0" y="120000"/>
-                </a:lnTo>
-                <a:close/>
-              </a:path>
-            </a:pathLst>
-          </a:custGeom>
-        </p:spPr>
-      </p:sp>
-      <p:sp>
-        <p:nvSpPr>
-          <p:cNvPr id="106" name="Google Shape;106;g21954d1147d_0_0:notes"/>
-          <p:cNvSpPr txBox="1"/>
-          <p:nvPr>
-            <p:ph idx="1" type="body"/>
-          </p:nvPr>
-        </p:nvSpPr>
-        <p:spPr>
-          <a:xfrm>
-            <a:off x="685800" y="4343400"/>
-            <a:ext cx="5486400" cy="4114800"/>
-          </a:xfrm>
-          <a:prstGeom prst="rect">
-            <a:avLst/>
-          </a:prstGeom>
-        </p:spPr>
-        <p:txBody>
-          <a:bodyPr anchorCtr="0" anchor="t" bIns="91425" lIns="91425" spcFirstLastPara="1" rIns="91425" wrap="square" tIns="91425">
-            <a:noAutofit/>
-          </a:bodyPr>
-          <a:lstStyle/>
-          <a:p>
-            <a:pPr indent="0" lvl="0" marL="0" rtl="0" algn="l">
-              <a:spcBef>
-                <a:spcPts val="0"/>
-              </a:spcBef>
-              <a:spcAft>
-                <a:spcPts val="0"/>
-              </a:spcAft>
-              <a:buNone/>
-            </a:pPr>
-            <a:r>
-              <a:t/>
-            </a:r>
-            <a:endParaRPr/>
-          </a:p>
-        </p:txBody>
-      </p:sp>
-    </p:spTree>
-  </p:cSld>
-  <p:clrMapOvr>
-    <a:masterClrMapping/>
-  </p:clrMapOvr>
-</p:notes>
-</file>
-
-<file path=ppt/notesSlides/notesSlide8.xml><?xml version="1.0" encoding="utf-8"?>
-<p:notes xmlns:a="http://schemas.openxmlformats.org/drawingml/2006/main" xmlns:r="http://schemas.openxmlformats.org/officeDocument/2006/relationships" xmlns:mc="http://schemas.openxmlformats.org/markup-compatibility/2006" xmlns:mv="urn:schemas-microsoft-com:mac:vml" xmlns:p="http://schemas.openxmlformats.org/presentationml/2006/main" xmlns:c="http://schemas.openxmlformats.org/drawingml/2006/chart" xmlns:dgm="http://schemas.openxmlformats.org/drawingml/2006/diagram" xmlns:o="urn:schemas-microsoft-com:office:office" xmlns:v="urn:schemas-microsoft-com:vml" xmlns:pvml="urn:schemas-microsoft-com:office:powerpoint" xmlns:com="http://schemas.openxmlformats.org/drawingml/2006/compatibility" xmlns:p14="http://schemas.microsoft.com/office/powerpoint/2010/main" xmlns:p15="http://schemas.microsoft.com/office/powerpoint/2012/main" xmlns:ahyp="http://schemas.microsoft.com/office/drawing/2018/hyperlinkcolor" showMasterPhAnim="0" showMasterSp="0">
-  <p:cSld>
-    <p:spTree>
-      <p:nvGrpSpPr>
-        <p:cNvPr id="110" name="Shape 110"/>
-        <p:cNvGrpSpPr/>
-        <p:nvPr/>
-      </p:nvGrpSpPr>
-      <p:grpSpPr>
-        <a:xfrm>
-          <a:off x="0" y="0"/>
-          <a:ext cx="0" cy="0"/>
-          <a:chOff x="0" y="0"/>
-          <a:chExt cx="0" cy="0"/>
-        </a:xfrm>
-      </p:grpSpPr>
-      <p:sp>
-        <p:nvSpPr>
-          <p:cNvPr id="111" name="Google Shape;111;g21954d1147d_0_8:notes"/>
-          <p:cNvSpPr/>
-          <p:nvPr>
-            <p:ph idx="2" type="sldImg"/>
-          </p:nvPr>
-        </p:nvSpPr>
-        <p:spPr>
-          <a:xfrm>
-            <a:off x="381188" y="685800"/>
-            <a:ext cx="6096300" cy="3429000"/>
-          </a:xfrm>
-          <a:custGeom>
-            <a:rect b="b" l="l" r="r" t="t"/>
-            <a:pathLst>
-              <a:path extrusionOk="0" h="120000" w="120000">
-                <a:moveTo>
-                  <a:pt x="0" y="0"/>
-                </a:moveTo>
-                <a:lnTo>
-                  <a:pt x="120000" y="0"/>
-                </a:lnTo>
-                <a:lnTo>
-                  <a:pt x="120000" y="120000"/>
-                </a:lnTo>
-                <a:lnTo>
-                  <a:pt x="0" y="120000"/>
-                </a:lnTo>
-                <a:close/>
-              </a:path>
-            </a:pathLst>
-          </a:custGeom>
-        </p:spPr>
-      </p:sp>
-      <p:sp>
-        <p:nvSpPr>
-          <p:cNvPr id="112" name="Google Shape;112;g21954d1147d_0_8:notes"/>
-          <p:cNvSpPr txBox="1"/>
-          <p:nvPr>
-            <p:ph idx="1" type="body"/>
-          </p:nvPr>
-        </p:nvSpPr>
-        <p:spPr>
-          <a:xfrm>
-            <a:off x="685800" y="4343400"/>
-            <a:ext cx="5486400" cy="4114800"/>
-          </a:xfrm>
-          <a:prstGeom prst="rect">
-            <a:avLst/>
-          </a:prstGeom>
-        </p:spPr>
-        <p:txBody>
-          <a:bodyPr anchorCtr="0" anchor="t" bIns="91425" lIns="91425" spcFirstLastPara="1" rIns="91425" wrap="square" tIns="91425">
-            <a:noAutofit/>
-          </a:bodyPr>
-          <a:lstStyle/>
-          <a:p>
-            <a:pPr indent="0" lvl="0" marL="0" rtl="0" algn="l">
-              <a:spcBef>
-                <a:spcPts val="0"/>
-              </a:spcBef>
-              <a:spcAft>
-                <a:spcPts val="0"/>
-              </a:spcAft>
-              <a:buNone/>
-            </a:pPr>
-            <a:r>
-              <a:t/>
-            </a:r>
-            <a:endParaRPr/>
-          </a:p>
-        </p:txBody>
-      </p:sp>
-    </p:spTree>
-  </p:cSld>
-  <p:clrMapOvr>
-    <a:masterClrMapping/>
-  </p:clrMapOvr>
-</p:notes>
-</file>
-
-<file path=ppt/notesSlides/notesSlide9.xml><?xml version="1.0" encoding="utf-8"?>
-<p:notes xmlns:a="http://schemas.openxmlformats.org/drawingml/2006/main" xmlns:r="http://schemas.openxmlformats.org/officeDocument/2006/relationships" xmlns:mc="http://schemas.openxmlformats.org/markup-compatibility/2006" xmlns:mv="urn:schemas-microsoft-com:mac:vml" xmlns:p="http://schemas.openxmlformats.org/presentationml/2006/main" xmlns:c="http://schemas.openxmlformats.org/drawingml/2006/chart" xmlns:dgm="http://schemas.openxmlformats.org/drawingml/2006/diagram" xmlns:o="urn:schemas-microsoft-com:office:office" xmlns:v="urn:schemas-microsoft-com:vml" xmlns:pvml="urn:schemas-microsoft-com:office:powerpoint" xmlns:com="http://schemas.openxmlformats.org/drawingml/2006/compatibility" xmlns:p14="http://schemas.microsoft.com/office/powerpoint/2010/main" xmlns:p15="http://schemas.microsoft.com/office/powerpoint/2012/main" xmlns:ahyp="http://schemas.microsoft.com/office/drawing/2018/hyperlinkcolor" showMasterPhAnim="0" showMasterSp="0">
-  <p:cSld>
-    <p:spTree>
-      <p:nvGrpSpPr>
-        <p:cNvPr id="118" name="Shape 118"/>
-        <p:cNvGrpSpPr/>
-        <p:nvPr/>
-      </p:nvGrpSpPr>
-      <p:grpSpPr>
-        <a:xfrm>
-          <a:off x="0" y="0"/>
-          <a:ext cx="0" cy="0"/>
-          <a:chOff x="0" y="0"/>
-          <a:chExt cx="0" cy="0"/>
-        </a:xfrm>
-      </p:grpSpPr>
-      <p:sp>
-        <p:nvSpPr>
-          <p:cNvPr id="119" name="Google Shape;119;g21954d1147d_0_20:notes"/>
-          <p:cNvSpPr/>
-          <p:nvPr>
-            <p:ph idx="2" type="sldImg"/>
-          </p:nvPr>
-        </p:nvSpPr>
-        <p:spPr>
-          <a:xfrm>
-            <a:off x="381188" y="685800"/>
-            <a:ext cx="6096300" cy="3429000"/>
-          </a:xfrm>
-          <a:custGeom>
-            <a:rect b="b" l="l" r="r" t="t"/>
-            <a:pathLst>
-              <a:path extrusionOk="0" h="120000" w="120000">
-                <a:moveTo>
-                  <a:pt x="0" y="0"/>
-                </a:moveTo>
-                <a:lnTo>
-                  <a:pt x="120000" y="0"/>
-                </a:lnTo>
-                <a:lnTo>
-                  <a:pt x="120000" y="120000"/>
-                </a:lnTo>
-                <a:lnTo>
-                  <a:pt x="0" y="120000"/>
-                </a:lnTo>
-                <a:close/>
-              </a:path>
-            </a:pathLst>
-          </a:custGeom>
-        </p:spPr>
-      </p:sp>
-      <p:sp>
-        <p:nvSpPr>
-          <p:cNvPr id="120" name="Google Shape;120;g21954d1147d_0_20:notes"/>
+          <p:cNvPr id="130" name="Google Shape;130;g21e7ef088d1_0_13:notes"/>
           <p:cNvSpPr txBox="1"/>
           <p:nvPr>
             <p:ph idx="1" type="body"/>
@@ -8199,6 +7899,13 @@
 <file path=ppt/slides/slide1.xml><?xml version="1.0" encoding="utf-8"?>
 <p:sld xmlns:a="http://schemas.openxmlformats.org/drawingml/2006/main" xmlns:r="http://schemas.openxmlformats.org/officeDocument/2006/relationships" xmlns:mc="http://schemas.openxmlformats.org/markup-compatibility/2006" xmlns:mv="urn:schemas-microsoft-com:mac:vml" xmlns:p="http://schemas.openxmlformats.org/presentationml/2006/main" xmlns:c="http://schemas.openxmlformats.org/drawingml/2006/chart" xmlns:dgm="http://schemas.openxmlformats.org/drawingml/2006/diagram" xmlns:o="urn:schemas-microsoft-com:office:office" xmlns:v="urn:schemas-microsoft-com:vml" xmlns:pvml="urn:schemas-microsoft-com:office:powerpoint" xmlns:com="http://schemas.openxmlformats.org/drawingml/2006/compatibility" xmlns:p14="http://schemas.microsoft.com/office/powerpoint/2010/main" xmlns:p15="http://schemas.microsoft.com/office/powerpoint/2012/main" xmlns:ahyp="http://schemas.microsoft.com/office/drawing/2018/hyperlinkcolor">
   <p:cSld>
+    <p:bg>
+      <p:bgPr>
+        <a:solidFill>
+          <a:srgbClr val="411326"/>
+        </a:solidFill>
+      </p:bgPr>
+    </p:bg>
     <p:spTree>
       <p:nvGrpSpPr>
         <p:cNvPr id="66" name="Shape 66"/>
@@ -8246,18 +7953,10 @@
               <a:buNone/>
             </a:pPr>
             <a:r>
-              <a:rPr b="1" lang="en">
-                <a:solidFill>
-                  <a:srgbClr val="A61C00"/>
-                </a:solidFill>
-              </a:rPr>
+              <a:rPr b="1" lang="en"/>
               <a:t>HEART DISEASE RISK</a:t>
             </a:r>
-            <a:endParaRPr b="1">
-              <a:solidFill>
-                <a:srgbClr val="A61C00"/>
-              </a:solidFill>
-            </a:endParaRPr>
+            <a:endParaRPr b="1"/>
           </a:p>
         </p:txBody>
       </p:sp>
@@ -8342,7 +8041,7 @@
   <p:cSld>
     <p:spTree>
       <p:nvGrpSpPr>
-        <p:cNvPr id="128" name="Shape 128"/>
+        <p:cNvPr id="154" name="Shape 154"/>
         <p:cNvGrpSpPr/>
         <p:nvPr/>
       </p:nvGrpSpPr>
@@ -8354,259 +8053,9 @@
           <a:chExt cx="0" cy="0"/>
         </a:xfrm>
       </p:grpSpPr>
-      <p:sp>
-        <p:nvSpPr>
-          <p:cNvPr id="129" name="Google Shape;129;p22"/>
-          <p:cNvSpPr txBox="1"/>
-          <p:nvPr>
-            <p:ph type="title"/>
-          </p:nvPr>
-        </p:nvSpPr>
-        <p:spPr>
-          <a:xfrm>
-            <a:off x="276950" y="108900"/>
-            <a:ext cx="8222100" cy="767700"/>
-          </a:xfrm>
-          <a:prstGeom prst="rect">
-            <a:avLst/>
-          </a:prstGeom>
-        </p:spPr>
-        <p:txBody>
-          <a:bodyPr anchorCtr="0" anchor="b" bIns="91425" lIns="91425" spcFirstLastPara="1" rIns="91425" wrap="square" tIns="91425">
-            <a:noAutofit/>
-          </a:bodyPr>
-          <a:lstStyle/>
-          <a:p>
-            <a:pPr indent="0" lvl="0" marL="0" rtl="0" algn="l">
-              <a:spcBef>
-                <a:spcPts val="0"/>
-              </a:spcBef>
-              <a:spcAft>
-                <a:spcPts val="0"/>
-              </a:spcAft>
-              <a:buNone/>
-            </a:pPr>
-            <a:r>
-              <a:rPr lang="en">
-                <a:solidFill>
-                  <a:srgbClr val="85200C"/>
-                </a:solidFill>
-              </a:rPr>
-              <a:t>Our Methods and Technology Part 2</a:t>
-            </a:r>
-            <a:endParaRPr>
-              <a:solidFill>
-                <a:srgbClr val="85200C"/>
-              </a:solidFill>
-            </a:endParaRPr>
-          </a:p>
-        </p:txBody>
-      </p:sp>
-      <p:sp>
-        <p:nvSpPr>
-          <p:cNvPr id="130" name="Google Shape;130;p22"/>
-          <p:cNvSpPr txBox="1"/>
-          <p:nvPr>
-            <p:ph idx="1" type="body"/>
-          </p:nvPr>
-        </p:nvSpPr>
-        <p:spPr>
-          <a:xfrm>
-            <a:off x="471900" y="2024050"/>
-            <a:ext cx="8500500" cy="2710200"/>
-          </a:xfrm>
-          <a:prstGeom prst="rect">
-            <a:avLst/>
-          </a:prstGeom>
-        </p:spPr>
-        <p:txBody>
-          <a:bodyPr anchorCtr="0" anchor="t" bIns="91425" lIns="91425" spcFirstLastPara="1" rIns="91425" wrap="square" tIns="91425">
-            <a:noAutofit/>
-          </a:bodyPr>
-          <a:lstStyle/>
-          <a:p>
-            <a:pPr indent="-330200" lvl="0" marL="457200" rtl="0" algn="l">
-              <a:spcBef>
-                <a:spcPts val="0"/>
-              </a:spcBef>
-              <a:spcAft>
-                <a:spcPts val="0"/>
-              </a:spcAft>
-              <a:buClr>
-                <a:srgbClr val="000000"/>
-              </a:buClr>
-              <a:buSzPts val="1600"/>
-              <a:buFont typeface="Arial"/>
-              <a:buChar char="●"/>
-            </a:pPr>
-            <a:r>
-              <a:rPr lang="en" sz="1600">
-                <a:solidFill>
-                  <a:srgbClr val="000000"/>
-                </a:solidFill>
-                <a:latin typeface="Arial"/>
-                <a:ea typeface="Arial"/>
-                <a:cs typeface="Arial"/>
-                <a:sym typeface="Arial"/>
-              </a:rPr>
-              <a:t>We used SQL to store our data and create tables.</a:t>
-            </a:r>
-            <a:endParaRPr sz="1600">
-              <a:solidFill>
-                <a:srgbClr val="000000"/>
-              </a:solidFill>
-              <a:latin typeface="Arial"/>
-              <a:ea typeface="Arial"/>
-              <a:cs typeface="Arial"/>
-              <a:sym typeface="Arial"/>
-            </a:endParaRPr>
-          </a:p>
-          <a:p>
-            <a:pPr indent="-330200" lvl="0" marL="457200" rtl="0" algn="l">
-              <a:spcBef>
-                <a:spcPts val="0"/>
-              </a:spcBef>
-              <a:spcAft>
-                <a:spcPts val="0"/>
-              </a:spcAft>
-              <a:buClr>
-                <a:srgbClr val="000000"/>
-              </a:buClr>
-              <a:buSzPts val="1600"/>
-              <a:buFont typeface="Arial"/>
-              <a:buChar char="●"/>
-            </a:pPr>
-            <a:r>
-              <a:rPr lang="en" sz="1600">
-                <a:solidFill>
-                  <a:srgbClr val="000000"/>
-                </a:solidFill>
-                <a:latin typeface="Arial"/>
-                <a:ea typeface="Arial"/>
-                <a:cs typeface="Arial"/>
-                <a:sym typeface="Arial"/>
-              </a:rPr>
-              <a:t>We used Tableau to create our visualizations</a:t>
-            </a:r>
-            <a:endParaRPr sz="1600">
-              <a:solidFill>
-                <a:srgbClr val="000000"/>
-              </a:solidFill>
-              <a:latin typeface="Arial"/>
-              <a:ea typeface="Arial"/>
-              <a:cs typeface="Arial"/>
-              <a:sym typeface="Arial"/>
-            </a:endParaRPr>
-          </a:p>
-          <a:p>
-            <a:pPr indent="0" lvl="0" marL="0" rtl="0" algn="l">
-              <a:spcBef>
-                <a:spcPts val="0"/>
-              </a:spcBef>
-              <a:spcAft>
-                <a:spcPts val="0"/>
-              </a:spcAft>
-              <a:buNone/>
-            </a:pPr>
-            <a:r>
-              <a:t/>
-            </a:r>
-            <a:endParaRPr sz="1600">
-              <a:solidFill>
-                <a:srgbClr val="000000"/>
-              </a:solidFill>
-              <a:latin typeface="Arial"/>
-              <a:ea typeface="Arial"/>
-              <a:cs typeface="Arial"/>
-              <a:sym typeface="Arial"/>
-            </a:endParaRPr>
-          </a:p>
-          <a:p>
-            <a:pPr indent="0" lvl="0" marL="0" rtl="0" algn="l">
-              <a:spcBef>
-                <a:spcPts val="0"/>
-              </a:spcBef>
-              <a:spcAft>
-                <a:spcPts val="0"/>
-              </a:spcAft>
-              <a:buNone/>
-            </a:pPr>
-            <a:r>
-              <a:t/>
-            </a:r>
-            <a:endParaRPr sz="1600">
-              <a:solidFill>
-                <a:srgbClr val="000000"/>
-              </a:solidFill>
-              <a:latin typeface="Arial"/>
-              <a:ea typeface="Arial"/>
-              <a:cs typeface="Arial"/>
-              <a:sym typeface="Arial"/>
-            </a:endParaRPr>
-          </a:p>
-          <a:p>
-            <a:pPr indent="0" lvl="0" marL="0" rtl="0" algn="l">
-              <a:spcBef>
-                <a:spcPts val="0"/>
-              </a:spcBef>
-              <a:spcAft>
-                <a:spcPts val="1600"/>
-              </a:spcAft>
-              <a:buNone/>
-            </a:pPr>
-            <a:r>
-              <a:t/>
-            </a:r>
-            <a:endParaRPr>
-              <a:solidFill>
-                <a:srgbClr val="000000"/>
-              </a:solidFill>
-            </a:endParaRPr>
-          </a:p>
-        </p:txBody>
-      </p:sp>
-      <p:sp>
-        <p:nvSpPr>
-          <p:cNvPr id="131" name="Google Shape;131;p22"/>
-          <p:cNvSpPr txBox="1"/>
-          <p:nvPr>
-            <p:ph idx="2" type="body"/>
-          </p:nvPr>
-        </p:nvSpPr>
-        <p:spPr>
-          <a:xfrm>
-            <a:off x="7615450" y="3792375"/>
-            <a:ext cx="956400" cy="837000"/>
-          </a:xfrm>
-          <a:prstGeom prst="rect">
-            <a:avLst/>
-          </a:prstGeom>
-        </p:spPr>
-        <p:txBody>
-          <a:bodyPr anchorCtr="0" anchor="t" bIns="91425" lIns="91425" spcFirstLastPara="1" rIns="91425" wrap="square" tIns="91425">
-            <a:noAutofit/>
-          </a:bodyPr>
-          <a:lstStyle/>
-          <a:p>
-            <a:pPr indent="0" lvl="0" marL="0" rtl="0" algn="l">
-              <a:spcBef>
-                <a:spcPts val="0"/>
-              </a:spcBef>
-              <a:spcAft>
-                <a:spcPts val="1600"/>
-              </a:spcAft>
-              <a:buNone/>
-            </a:pPr>
-            <a:r>
-              <a:t/>
-            </a:r>
-            <a:endParaRPr/>
-          </a:p>
-        </p:txBody>
-      </p:sp>
       <p:pic>
         <p:nvPicPr>
-          <p:cNvPr id="132" name="Google Shape;132;p22"/>
+          <p:cNvPr id="155" name="Google Shape;155;p22"/>
           <p:cNvPicPr preferRelativeResize="0"/>
           <p:nvPr/>
         </p:nvPicPr>
@@ -8620,8 +8069,8 @@
         </p:blipFill>
         <p:spPr>
           <a:xfrm>
-            <a:off x="0" y="2835525"/>
-            <a:ext cx="9144000" cy="2216375"/>
+            <a:off x="0" y="0"/>
+            <a:ext cx="9144000" cy="1696250"/>
           </a:xfrm>
           <a:prstGeom prst="rect">
             <a:avLst/>
@@ -8632,613 +8081,9 @@
           </a:ln>
         </p:spPr>
       </p:pic>
-    </p:spTree>
-  </p:cSld>
-  <p:clrMapOvr>
-    <a:masterClrMapping/>
-  </p:clrMapOvr>
-</p:sld>
-</file>
-
-<file path=ppt/slides/slide11.xml><?xml version="1.0" encoding="utf-8"?>
-<p:sld xmlns:a="http://schemas.openxmlformats.org/drawingml/2006/main" xmlns:r="http://schemas.openxmlformats.org/officeDocument/2006/relationships" xmlns:mc="http://schemas.openxmlformats.org/markup-compatibility/2006" xmlns:mv="urn:schemas-microsoft-com:mac:vml" xmlns:p="http://schemas.openxmlformats.org/presentationml/2006/main" xmlns:c="http://schemas.openxmlformats.org/drawingml/2006/chart" xmlns:dgm="http://schemas.openxmlformats.org/drawingml/2006/diagram" xmlns:o="urn:schemas-microsoft-com:office:office" xmlns:v="urn:schemas-microsoft-com:vml" xmlns:pvml="urn:schemas-microsoft-com:office:powerpoint" xmlns:com="http://schemas.openxmlformats.org/drawingml/2006/compatibility" xmlns:p14="http://schemas.microsoft.com/office/powerpoint/2010/main" xmlns:p15="http://schemas.microsoft.com/office/powerpoint/2012/main" xmlns:ahyp="http://schemas.microsoft.com/office/drawing/2018/hyperlinkcolor">
-  <p:cSld>
-    <p:spTree>
-      <p:nvGrpSpPr>
-        <p:cNvPr id="136" name="Shape 136"/>
-        <p:cNvGrpSpPr/>
-        <p:nvPr/>
-      </p:nvGrpSpPr>
-      <p:grpSpPr>
-        <a:xfrm>
-          <a:off x="0" y="0"/>
-          <a:ext cx="0" cy="0"/>
-          <a:chOff x="0" y="0"/>
-          <a:chExt cx="0" cy="0"/>
-        </a:xfrm>
-      </p:grpSpPr>
       <p:sp>
         <p:nvSpPr>
-          <p:cNvPr id="137" name="Google Shape;137;p23"/>
-          <p:cNvSpPr txBox="1"/>
-          <p:nvPr>
-            <p:ph type="title"/>
-          </p:nvPr>
-        </p:nvSpPr>
-        <p:spPr>
-          <a:xfrm>
-            <a:off x="276950" y="108900"/>
-            <a:ext cx="8222100" cy="767700"/>
-          </a:xfrm>
-          <a:prstGeom prst="rect">
-            <a:avLst/>
-          </a:prstGeom>
-        </p:spPr>
-        <p:txBody>
-          <a:bodyPr anchorCtr="0" anchor="b" bIns="91425" lIns="91425" spcFirstLastPara="1" rIns="91425" wrap="square" tIns="91425">
-            <a:noAutofit/>
-          </a:bodyPr>
-          <a:lstStyle/>
-          <a:p>
-            <a:pPr indent="0" lvl="0" marL="0" rtl="0" algn="l">
-              <a:spcBef>
-                <a:spcPts val="0"/>
-              </a:spcBef>
-              <a:spcAft>
-                <a:spcPts val="0"/>
-              </a:spcAft>
-              <a:buNone/>
-            </a:pPr>
-            <a:r>
-              <a:rPr lang="en">
-                <a:solidFill>
-                  <a:srgbClr val="85200C"/>
-                </a:solidFill>
-              </a:rPr>
-              <a:t>Our Methods and Technology Part 3</a:t>
-            </a:r>
-            <a:endParaRPr>
-              <a:solidFill>
-                <a:srgbClr val="85200C"/>
-              </a:solidFill>
-            </a:endParaRPr>
-          </a:p>
-        </p:txBody>
-      </p:sp>
-      <p:sp>
-        <p:nvSpPr>
-          <p:cNvPr id="138" name="Google Shape;138;p23"/>
-          <p:cNvSpPr txBox="1"/>
-          <p:nvPr>
-            <p:ph idx="1" type="body"/>
-          </p:nvPr>
-        </p:nvSpPr>
-        <p:spPr>
-          <a:xfrm>
-            <a:off x="471900" y="2024050"/>
-            <a:ext cx="8500500" cy="2710200"/>
-          </a:xfrm>
-          <a:prstGeom prst="rect">
-            <a:avLst/>
-          </a:prstGeom>
-        </p:spPr>
-        <p:txBody>
-          <a:bodyPr anchorCtr="0" anchor="t" bIns="91425" lIns="91425" spcFirstLastPara="1" rIns="91425" wrap="square" tIns="91425">
-            <a:noAutofit/>
-          </a:bodyPr>
-          <a:lstStyle/>
-          <a:p>
-            <a:pPr indent="-330200" lvl="0" marL="457200" rtl="0" algn="l">
-              <a:spcBef>
-                <a:spcPts val="0"/>
-              </a:spcBef>
-              <a:spcAft>
-                <a:spcPts val="0"/>
-              </a:spcAft>
-              <a:buClr>
-                <a:srgbClr val="000000"/>
-              </a:buClr>
-              <a:buSzPts val="1600"/>
-              <a:buFont typeface="Arial"/>
-              <a:buChar char="●"/>
-            </a:pPr>
-            <a:r>
-              <a:rPr lang="en" sz="1600">
-                <a:solidFill>
-                  <a:srgbClr val="000000"/>
-                </a:solidFill>
-                <a:latin typeface="Arial"/>
-                <a:ea typeface="Arial"/>
-                <a:cs typeface="Arial"/>
-                <a:sym typeface="Arial"/>
-              </a:rPr>
-              <a:t>INSERT SYLVIA explanation and image</a:t>
-            </a:r>
-            <a:endParaRPr sz="1600">
-              <a:solidFill>
-                <a:srgbClr val="000000"/>
-              </a:solidFill>
-              <a:latin typeface="Arial"/>
-              <a:ea typeface="Arial"/>
-              <a:cs typeface="Arial"/>
-              <a:sym typeface="Arial"/>
-            </a:endParaRPr>
-          </a:p>
-          <a:p>
-            <a:pPr indent="-330200" lvl="0" marL="457200" rtl="0" algn="l">
-              <a:spcBef>
-                <a:spcPts val="0"/>
-              </a:spcBef>
-              <a:spcAft>
-                <a:spcPts val="0"/>
-              </a:spcAft>
-              <a:buClr>
-                <a:srgbClr val="000000"/>
-              </a:buClr>
-              <a:buSzPts val="1600"/>
-              <a:buFont typeface="Arial"/>
-              <a:buChar char="●"/>
-            </a:pPr>
-            <a:r>
-              <a:t/>
-            </a:r>
-            <a:endParaRPr sz="1600">
-              <a:solidFill>
-                <a:srgbClr val="000000"/>
-              </a:solidFill>
-              <a:latin typeface="Arial"/>
-              <a:ea typeface="Arial"/>
-              <a:cs typeface="Arial"/>
-              <a:sym typeface="Arial"/>
-            </a:endParaRPr>
-          </a:p>
-          <a:p>
-            <a:pPr indent="0" lvl="0" marL="0" rtl="0" algn="l">
-              <a:spcBef>
-                <a:spcPts val="0"/>
-              </a:spcBef>
-              <a:spcAft>
-                <a:spcPts val="0"/>
-              </a:spcAft>
-              <a:buNone/>
-            </a:pPr>
-            <a:r>
-              <a:t/>
-            </a:r>
-            <a:endParaRPr sz="1600">
-              <a:solidFill>
-                <a:srgbClr val="000000"/>
-              </a:solidFill>
-              <a:latin typeface="Arial"/>
-              <a:ea typeface="Arial"/>
-              <a:cs typeface="Arial"/>
-              <a:sym typeface="Arial"/>
-            </a:endParaRPr>
-          </a:p>
-          <a:p>
-            <a:pPr indent="0" lvl="0" marL="0" rtl="0" algn="l">
-              <a:spcBef>
-                <a:spcPts val="0"/>
-              </a:spcBef>
-              <a:spcAft>
-                <a:spcPts val="1600"/>
-              </a:spcAft>
-              <a:buNone/>
-            </a:pPr>
-            <a:r>
-              <a:t/>
-            </a:r>
-            <a:endParaRPr>
-              <a:solidFill>
-                <a:srgbClr val="000000"/>
-              </a:solidFill>
-            </a:endParaRPr>
-          </a:p>
-        </p:txBody>
-      </p:sp>
-      <p:sp>
-        <p:nvSpPr>
-          <p:cNvPr id="139" name="Google Shape;139;p23"/>
-          <p:cNvSpPr txBox="1"/>
-          <p:nvPr>
-            <p:ph idx="2" type="body"/>
-          </p:nvPr>
-        </p:nvSpPr>
-        <p:spPr>
-          <a:xfrm>
-            <a:off x="7615450" y="3792375"/>
-            <a:ext cx="956400" cy="837000"/>
-          </a:xfrm>
-          <a:prstGeom prst="rect">
-            <a:avLst/>
-          </a:prstGeom>
-        </p:spPr>
-        <p:txBody>
-          <a:bodyPr anchorCtr="0" anchor="t" bIns="91425" lIns="91425" spcFirstLastPara="1" rIns="91425" wrap="square" tIns="91425">
-            <a:noAutofit/>
-          </a:bodyPr>
-          <a:lstStyle/>
-          <a:p>
-            <a:pPr indent="0" lvl="0" marL="0" rtl="0" algn="l">
-              <a:spcBef>
-                <a:spcPts val="0"/>
-              </a:spcBef>
-              <a:spcAft>
-                <a:spcPts val="1600"/>
-              </a:spcAft>
-              <a:buNone/>
-            </a:pPr>
-            <a:r>
-              <a:t/>
-            </a:r>
-            <a:endParaRPr/>
-          </a:p>
-        </p:txBody>
-      </p:sp>
-    </p:spTree>
-  </p:cSld>
-  <p:clrMapOvr>
-    <a:masterClrMapping/>
-  </p:clrMapOvr>
-</p:sld>
-</file>
-
-<file path=ppt/slides/slide12.xml><?xml version="1.0" encoding="utf-8"?>
-<p:sld xmlns:a="http://schemas.openxmlformats.org/drawingml/2006/main" xmlns:r="http://schemas.openxmlformats.org/officeDocument/2006/relationships" xmlns:mc="http://schemas.openxmlformats.org/markup-compatibility/2006" xmlns:mv="urn:schemas-microsoft-com:mac:vml" xmlns:p="http://schemas.openxmlformats.org/presentationml/2006/main" xmlns:c="http://schemas.openxmlformats.org/drawingml/2006/chart" xmlns:dgm="http://schemas.openxmlformats.org/drawingml/2006/diagram" xmlns:o="urn:schemas-microsoft-com:office:office" xmlns:v="urn:schemas-microsoft-com:vml" xmlns:pvml="urn:schemas-microsoft-com:office:powerpoint" xmlns:com="http://schemas.openxmlformats.org/drawingml/2006/compatibility" xmlns:p14="http://schemas.microsoft.com/office/powerpoint/2010/main" xmlns:p15="http://schemas.microsoft.com/office/powerpoint/2012/main" xmlns:ahyp="http://schemas.microsoft.com/office/drawing/2018/hyperlinkcolor">
-  <p:cSld>
-    <p:spTree>
-      <p:nvGrpSpPr>
-        <p:cNvPr id="143" name="Shape 143"/>
-        <p:cNvGrpSpPr/>
-        <p:nvPr/>
-      </p:nvGrpSpPr>
-      <p:grpSpPr>
-        <a:xfrm>
-          <a:off x="0" y="0"/>
-          <a:ext cx="0" cy="0"/>
-          <a:chOff x="0" y="0"/>
-          <a:chExt cx="0" cy="0"/>
-        </a:xfrm>
-      </p:grpSpPr>
-      <p:sp>
-        <p:nvSpPr>
-          <p:cNvPr id="144" name="Google Shape;144;p24"/>
-          <p:cNvSpPr txBox="1"/>
-          <p:nvPr>
-            <p:ph type="title"/>
-          </p:nvPr>
-        </p:nvSpPr>
-        <p:spPr>
-          <a:xfrm>
-            <a:off x="460950" y="2065350"/>
-            <a:ext cx="8222100" cy="1012800"/>
-          </a:xfrm>
-          <a:prstGeom prst="rect">
-            <a:avLst/>
-          </a:prstGeom>
-        </p:spPr>
-        <p:txBody>
-          <a:bodyPr anchorCtr="0" anchor="ctr" bIns="91425" lIns="91425" spcFirstLastPara="1" rIns="91425" wrap="square" tIns="91425">
-            <a:noAutofit/>
-          </a:bodyPr>
-          <a:lstStyle/>
-          <a:p>
-            <a:pPr indent="0" lvl="0" marL="0" rtl="0" algn="l">
-              <a:spcBef>
-                <a:spcPts val="0"/>
-              </a:spcBef>
-              <a:spcAft>
-                <a:spcPts val="0"/>
-              </a:spcAft>
-              <a:buNone/>
-            </a:pPr>
-            <a:r>
-              <a:rPr b="1" lang="en">
-                <a:solidFill>
-                  <a:srgbClr val="A61C00"/>
-                </a:solidFill>
-              </a:rPr>
-              <a:t>Risk and Results</a:t>
-            </a:r>
-            <a:endParaRPr b="1">
-              <a:solidFill>
-                <a:srgbClr val="A61C00"/>
-              </a:solidFill>
-            </a:endParaRPr>
-          </a:p>
-        </p:txBody>
-      </p:sp>
-    </p:spTree>
-  </p:cSld>
-  <p:clrMapOvr>
-    <a:masterClrMapping/>
-  </p:clrMapOvr>
-</p:sld>
-</file>
-
-<file path=ppt/slides/slide13.xml><?xml version="1.0" encoding="utf-8"?>
-<p:sld xmlns:a="http://schemas.openxmlformats.org/drawingml/2006/main" xmlns:r="http://schemas.openxmlformats.org/officeDocument/2006/relationships" xmlns:mc="http://schemas.openxmlformats.org/markup-compatibility/2006" xmlns:mv="urn:schemas-microsoft-com:mac:vml" xmlns:p="http://schemas.openxmlformats.org/presentationml/2006/main" xmlns:c="http://schemas.openxmlformats.org/drawingml/2006/chart" xmlns:dgm="http://schemas.openxmlformats.org/drawingml/2006/diagram" xmlns:o="urn:schemas-microsoft-com:office:office" xmlns:v="urn:schemas-microsoft-com:vml" xmlns:pvml="urn:schemas-microsoft-com:office:powerpoint" xmlns:com="http://schemas.openxmlformats.org/drawingml/2006/compatibility" xmlns:p14="http://schemas.microsoft.com/office/powerpoint/2010/main" xmlns:p15="http://schemas.microsoft.com/office/powerpoint/2012/main" xmlns:ahyp="http://schemas.microsoft.com/office/drawing/2018/hyperlinkcolor">
-  <p:cSld>
-    <p:spTree>
-      <p:nvGrpSpPr>
-        <p:cNvPr id="148" name="Shape 148"/>
-        <p:cNvGrpSpPr/>
-        <p:nvPr/>
-      </p:nvGrpSpPr>
-      <p:grpSpPr>
-        <a:xfrm>
-          <a:off x="0" y="0"/>
-          <a:ext cx="0" cy="0"/>
-          <a:chOff x="0" y="0"/>
-          <a:chExt cx="0" cy="0"/>
-        </a:xfrm>
-      </p:grpSpPr>
-      <p:sp>
-        <p:nvSpPr>
-          <p:cNvPr id="149" name="Google Shape;149;p25"/>
-          <p:cNvSpPr txBox="1"/>
-          <p:nvPr>
-            <p:ph type="title"/>
-          </p:nvPr>
-        </p:nvSpPr>
-        <p:spPr>
-          <a:xfrm>
-            <a:off x="240325" y="138200"/>
-            <a:ext cx="8222100" cy="767700"/>
-          </a:xfrm>
-          <a:prstGeom prst="rect">
-            <a:avLst/>
-          </a:prstGeom>
-        </p:spPr>
-        <p:txBody>
-          <a:bodyPr anchorCtr="0" anchor="b" bIns="91425" lIns="91425" spcFirstLastPara="1" rIns="91425" wrap="square" tIns="91425">
-            <a:noAutofit/>
-          </a:bodyPr>
-          <a:lstStyle/>
-          <a:p>
-            <a:pPr indent="0" lvl="0" marL="0" rtl="0" algn="l">
-              <a:spcBef>
-                <a:spcPts val="0"/>
-              </a:spcBef>
-              <a:spcAft>
-                <a:spcPts val="0"/>
-              </a:spcAft>
-              <a:buNone/>
-            </a:pPr>
-            <a:r>
-              <a:rPr lang="en">
-                <a:solidFill>
-                  <a:srgbClr val="85200C"/>
-                </a:solidFill>
-              </a:rPr>
-              <a:t>Our Final Model </a:t>
-            </a:r>
-            <a:endParaRPr>
-              <a:solidFill>
-                <a:srgbClr val="85200C"/>
-              </a:solidFill>
-            </a:endParaRPr>
-          </a:p>
-        </p:txBody>
-      </p:sp>
-      <p:sp>
-        <p:nvSpPr>
-          <p:cNvPr id="150" name="Google Shape;150;p25"/>
-          <p:cNvSpPr txBox="1"/>
-          <p:nvPr>
-            <p:ph idx="1" type="body"/>
-          </p:nvPr>
-        </p:nvSpPr>
-        <p:spPr>
-          <a:xfrm>
-            <a:off x="471900" y="3531575"/>
-            <a:ext cx="8500500" cy="1202700"/>
-          </a:xfrm>
-          <a:prstGeom prst="rect">
-            <a:avLst/>
-          </a:prstGeom>
-        </p:spPr>
-        <p:txBody>
-          <a:bodyPr anchorCtr="0" anchor="t" bIns="91425" lIns="91425" spcFirstLastPara="1" rIns="91425" wrap="square" tIns="91425">
-            <a:noAutofit/>
-          </a:bodyPr>
-          <a:lstStyle/>
-          <a:p>
-            <a:pPr indent="0" lvl="0" marL="0" rtl="0" algn="l">
-              <a:spcBef>
-                <a:spcPts val="0"/>
-              </a:spcBef>
-              <a:spcAft>
-                <a:spcPts val="0"/>
-              </a:spcAft>
-              <a:buNone/>
-            </a:pPr>
-            <a:r>
-              <a:rPr lang="en" sz="1600">
-                <a:solidFill>
-                  <a:srgbClr val="000000"/>
-                </a:solidFill>
-                <a:latin typeface="Arial"/>
-                <a:ea typeface="Arial"/>
-                <a:cs typeface="Arial"/>
-                <a:sym typeface="Arial"/>
-              </a:rPr>
-              <a:t>Using the Gradient Boosting Classifier we found a level of accuracy we were comfortable with for creating our interactive dashboard.</a:t>
-            </a:r>
-            <a:endParaRPr sz="1600">
-              <a:solidFill>
-                <a:srgbClr val="000000"/>
-              </a:solidFill>
-              <a:latin typeface="Arial"/>
-              <a:ea typeface="Arial"/>
-              <a:cs typeface="Arial"/>
-              <a:sym typeface="Arial"/>
-            </a:endParaRPr>
-          </a:p>
-          <a:p>
-            <a:pPr indent="0" lvl="0" marL="0" rtl="0" algn="l">
-              <a:spcBef>
-                <a:spcPts val="0"/>
-              </a:spcBef>
-              <a:spcAft>
-                <a:spcPts val="1600"/>
-              </a:spcAft>
-              <a:buNone/>
-            </a:pPr>
-            <a:r>
-              <a:t/>
-            </a:r>
-            <a:endParaRPr>
-              <a:solidFill>
-                <a:srgbClr val="000000"/>
-              </a:solidFill>
-            </a:endParaRPr>
-          </a:p>
-        </p:txBody>
-      </p:sp>
-      <p:sp>
-        <p:nvSpPr>
-          <p:cNvPr id="151" name="Google Shape;151;p25"/>
-          <p:cNvSpPr txBox="1"/>
-          <p:nvPr>
-            <p:ph idx="2" type="body"/>
-          </p:nvPr>
-        </p:nvSpPr>
-        <p:spPr>
-          <a:xfrm>
-            <a:off x="7615450" y="3792375"/>
-            <a:ext cx="956400" cy="837000"/>
-          </a:xfrm>
-          <a:prstGeom prst="rect">
-            <a:avLst/>
-          </a:prstGeom>
-        </p:spPr>
-        <p:txBody>
-          <a:bodyPr anchorCtr="0" anchor="t" bIns="91425" lIns="91425" spcFirstLastPara="1" rIns="91425" wrap="square" tIns="91425">
-            <a:noAutofit/>
-          </a:bodyPr>
-          <a:lstStyle/>
-          <a:p>
-            <a:pPr indent="0" lvl="0" marL="0" rtl="0" algn="l">
-              <a:spcBef>
-                <a:spcPts val="0"/>
-              </a:spcBef>
-              <a:spcAft>
-                <a:spcPts val="1600"/>
-              </a:spcAft>
-              <a:buNone/>
-            </a:pPr>
-            <a:r>
-              <a:t/>
-            </a:r>
-            <a:endParaRPr/>
-          </a:p>
-        </p:txBody>
-      </p:sp>
-      <p:pic>
-        <p:nvPicPr>
-          <p:cNvPr id="152" name="Google Shape;152;p25"/>
-          <p:cNvPicPr preferRelativeResize="0"/>
-          <p:nvPr/>
-        </p:nvPicPr>
-        <p:blipFill>
-          <a:blip r:embed="rId3">
-            <a:alphaModFix/>
-          </a:blip>
-          <a:stretch>
-            <a:fillRect/>
-          </a:stretch>
-        </p:blipFill>
-        <p:spPr>
-          <a:xfrm>
-            <a:off x="2500313" y="1704975"/>
-            <a:ext cx="4143375" cy="1733550"/>
-          </a:xfrm>
-          <a:prstGeom prst="rect">
-            <a:avLst/>
-          </a:prstGeom>
-          <a:noFill/>
-          <a:ln>
-            <a:noFill/>
-          </a:ln>
-        </p:spPr>
-      </p:pic>
-    </p:spTree>
-  </p:cSld>
-  <p:clrMapOvr>
-    <a:masterClrMapping/>
-  </p:clrMapOvr>
-</p:sld>
-</file>
-
-<file path=ppt/slides/slide14.xml><?xml version="1.0" encoding="utf-8"?>
-<p:sld xmlns:a="http://schemas.openxmlformats.org/drawingml/2006/main" xmlns:r="http://schemas.openxmlformats.org/officeDocument/2006/relationships" xmlns:mc="http://schemas.openxmlformats.org/markup-compatibility/2006" xmlns:mv="urn:schemas-microsoft-com:mac:vml" xmlns:p="http://schemas.openxmlformats.org/presentationml/2006/main" xmlns:c="http://schemas.openxmlformats.org/drawingml/2006/chart" xmlns:dgm="http://schemas.openxmlformats.org/drawingml/2006/diagram" xmlns:o="urn:schemas-microsoft-com:office:office" xmlns:v="urn:schemas-microsoft-com:vml" xmlns:pvml="urn:schemas-microsoft-com:office:powerpoint" xmlns:com="http://schemas.openxmlformats.org/drawingml/2006/compatibility" xmlns:p14="http://schemas.microsoft.com/office/powerpoint/2010/main" xmlns:p15="http://schemas.microsoft.com/office/powerpoint/2012/main" xmlns:ahyp="http://schemas.microsoft.com/office/drawing/2018/hyperlinkcolor">
-  <p:cSld>
-    <p:spTree>
-      <p:nvGrpSpPr>
-        <p:cNvPr id="156" name="Shape 156"/>
-        <p:cNvGrpSpPr/>
-        <p:nvPr/>
-      </p:nvGrpSpPr>
-      <p:grpSpPr>
-        <a:xfrm>
-          <a:off x="0" y="0"/>
-          <a:ext cx="0" cy="0"/>
-          <a:chOff x="0" y="0"/>
-          <a:chExt cx="0" cy="0"/>
-        </a:xfrm>
-      </p:grpSpPr>
-      <p:sp>
-        <p:nvSpPr>
-          <p:cNvPr id="157" name="Google Shape;157;p26"/>
-          <p:cNvSpPr txBox="1"/>
-          <p:nvPr>
-            <p:ph type="title"/>
-          </p:nvPr>
-        </p:nvSpPr>
-        <p:spPr>
-          <a:xfrm>
-            <a:off x="471900" y="738725"/>
-            <a:ext cx="8222100" cy="767700"/>
-          </a:xfrm>
-          <a:prstGeom prst="rect">
-            <a:avLst/>
-          </a:prstGeom>
-        </p:spPr>
-        <p:txBody>
-          <a:bodyPr anchorCtr="0" anchor="b" bIns="91425" lIns="91425" spcFirstLastPara="1" rIns="91425" wrap="square" tIns="91425">
-            <a:noAutofit/>
-          </a:bodyPr>
-          <a:lstStyle/>
-          <a:p>
-            <a:pPr indent="0" lvl="0" marL="0" rtl="0" algn="l">
-              <a:spcBef>
-                <a:spcPts val="0"/>
-              </a:spcBef>
-              <a:spcAft>
-                <a:spcPts val="0"/>
-              </a:spcAft>
-              <a:buNone/>
-            </a:pPr>
-            <a:r>
-              <a:rPr lang="en">
-                <a:solidFill>
-                  <a:srgbClr val="85200C"/>
-                </a:solidFill>
-              </a:rPr>
-              <a:t>Our Dashboard</a:t>
-            </a:r>
-            <a:endParaRPr>
-              <a:solidFill>
-                <a:srgbClr val="85200C"/>
-              </a:solidFill>
-            </a:endParaRPr>
-          </a:p>
-        </p:txBody>
-      </p:sp>
-      <p:sp>
-        <p:nvSpPr>
-          <p:cNvPr id="158" name="Google Shape;158;p26"/>
+          <p:cNvPr id="156" name="Google Shape;156;p22"/>
           <p:cNvSpPr txBox="1"/>
           <p:nvPr>
             <p:ph idx="1" type="body"/>
@@ -9259,17 +8104,26 @@
           </a:bodyPr>
           <a:lstStyle/>
           <a:p>
-            <a:pPr indent="0" lvl="0" marL="0" rtl="0" algn="l">
-              <a:spcBef>
-                <a:spcPts val="0"/>
-              </a:spcBef>
-              <a:spcAft>
-                <a:spcPts val="1600"/>
-              </a:spcAft>
-              <a:buNone/>
+            <a:pPr indent="-330200" lvl="0" marL="457200" rtl="0" algn="l">
+              <a:spcBef>
+                <a:spcPts val="0"/>
+              </a:spcBef>
+              <a:spcAft>
+                <a:spcPts val="0"/>
+              </a:spcAft>
+              <a:buClr>
+                <a:srgbClr val="000000"/>
+              </a:buClr>
+              <a:buSzPts val="1600"/>
+              <a:buChar char="●"/>
             </a:pPr>
             <a:r>
-              <a:t/>
+              <a:rPr lang="en" sz="1600">
+                <a:solidFill>
+                  <a:srgbClr val="000000"/>
+                </a:solidFill>
+              </a:rPr>
+              <a:t>Demonstration time!</a:t>
             </a:r>
             <a:endParaRPr/>
           </a:p>
@@ -9277,23 +8131,23 @@
       </p:sp>
       <p:sp>
         <p:nvSpPr>
-          <p:cNvPr id="159" name="Google Shape;159;p26"/>
+          <p:cNvPr id="157" name="Google Shape;157;p22"/>
           <p:cNvSpPr txBox="1"/>
           <p:nvPr>
-            <p:ph idx="2" type="body"/>
+            <p:ph type="title"/>
           </p:nvPr>
         </p:nvSpPr>
         <p:spPr>
           <a:xfrm>
-            <a:off x="4694250" y="1919075"/>
-            <a:ext cx="3999900" cy="2710200"/>
+            <a:off x="405950" y="372375"/>
+            <a:ext cx="8222100" cy="767700"/>
           </a:xfrm>
           <a:prstGeom prst="rect">
             <a:avLst/>
           </a:prstGeom>
         </p:spPr>
         <p:txBody>
-          <a:bodyPr anchorCtr="0" anchor="t" bIns="91425" lIns="91425" spcFirstLastPara="1" rIns="91425" wrap="square" tIns="91425">
+          <a:bodyPr anchorCtr="0" anchor="b" bIns="91425" lIns="91425" spcFirstLastPara="1" rIns="91425" wrap="square" tIns="91425">
             <a:noAutofit/>
           </a:bodyPr>
           <a:lstStyle/>
@@ -9303,12 +8157,13 @@
                 <a:spcPts val="0"/>
               </a:spcBef>
               <a:spcAft>
-                <a:spcPts val="1600"/>
+                <a:spcPts val="0"/>
               </a:spcAft>
               <a:buNone/>
             </a:pPr>
             <a:r>
-              <a:t/>
+              <a:rPr lang="en"/>
+              <a:t>A Beat Away</a:t>
             </a:r>
             <a:endParaRPr/>
           </a:p>
@@ -9322,12 +8177,19 @@
 </p:sld>
 </file>
 
-<file path=ppt/slides/slide15.xml><?xml version="1.0" encoding="utf-8"?>
+<file path=ppt/slides/slide11.xml><?xml version="1.0" encoding="utf-8"?>
 <p:sld xmlns:a="http://schemas.openxmlformats.org/drawingml/2006/main" xmlns:r="http://schemas.openxmlformats.org/officeDocument/2006/relationships" xmlns:mc="http://schemas.openxmlformats.org/markup-compatibility/2006" xmlns:mv="urn:schemas-microsoft-com:mac:vml" xmlns:p="http://schemas.openxmlformats.org/presentationml/2006/main" xmlns:c="http://schemas.openxmlformats.org/drawingml/2006/chart" xmlns:dgm="http://schemas.openxmlformats.org/drawingml/2006/diagram" xmlns:o="urn:schemas-microsoft-com:office:office" xmlns:v="urn:schemas-microsoft-com:vml" xmlns:pvml="urn:schemas-microsoft-com:office:powerpoint" xmlns:com="http://schemas.openxmlformats.org/drawingml/2006/compatibility" xmlns:p14="http://schemas.microsoft.com/office/powerpoint/2010/main" xmlns:p15="http://schemas.microsoft.com/office/powerpoint/2012/main" xmlns:ahyp="http://schemas.microsoft.com/office/drawing/2018/hyperlinkcolor">
   <p:cSld>
+    <p:bg>
+      <p:bgPr>
+        <a:solidFill>
+          <a:srgbClr val="411326"/>
+        </a:solidFill>
+      </p:bgPr>
+    </p:bg>
     <p:spTree>
       <p:nvGrpSpPr>
-        <p:cNvPr id="163" name="Shape 163"/>
+        <p:cNvPr id="161" name="Shape 161"/>
         <p:cNvGrpSpPr/>
         <p:nvPr/>
       </p:nvGrpSpPr>
@@ -9341,7 +8203,7 @@
       </p:grpSpPr>
       <p:sp>
         <p:nvSpPr>
-          <p:cNvPr id="164" name="Google Shape;164;p27"/>
+          <p:cNvPr id="162" name="Google Shape;162;p23"/>
           <p:cNvSpPr txBox="1"/>
           <p:nvPr>
             <p:ph type="title"/>
@@ -9349,8 +8211,8 @@
         </p:nvSpPr>
         <p:spPr>
           <a:xfrm>
-            <a:off x="460950" y="2065350"/>
-            <a:ext cx="8222100" cy="1012800"/>
+            <a:off x="0" y="178875"/>
+            <a:ext cx="9144000" cy="1012800"/>
           </a:xfrm>
           <a:prstGeom prst="rect">
             <a:avLst/>
@@ -9362,7 +8224,7 @@
           </a:bodyPr>
           <a:lstStyle/>
           <a:p>
-            <a:pPr indent="0" lvl="0" marL="0" rtl="0" algn="l">
+            <a:pPr indent="0" lvl="0" marL="0" rtl="0" algn="ctr">
               <a:spcBef>
                 <a:spcPts val="0"/>
               </a:spcBef>
@@ -9372,21 +8234,41 @@
               <a:buNone/>
             </a:pPr>
             <a:r>
-              <a:rPr b="1" lang="en">
-                <a:solidFill>
-                  <a:srgbClr val="A61C00"/>
-                </a:solidFill>
-              </a:rPr>
+              <a:rPr b="1" lang="en"/>
               <a:t>For Further Consideration</a:t>
             </a:r>
-            <a:endParaRPr b="1">
-              <a:solidFill>
-                <a:srgbClr val="A61C00"/>
-              </a:solidFill>
-            </a:endParaRPr>
+            <a:endParaRPr b="1"/>
           </a:p>
         </p:txBody>
       </p:sp>
+      <p:pic>
+        <p:nvPicPr>
+          <p:cNvPr id="163" name="Google Shape;163;p23"/>
+          <p:cNvPicPr preferRelativeResize="0"/>
+          <p:nvPr/>
+        </p:nvPicPr>
+        <p:blipFill>
+          <a:blip r:embed="rId3">
+            <a:alphaModFix/>
+          </a:blip>
+          <a:stretch>
+            <a:fillRect/>
+          </a:stretch>
+        </p:blipFill>
+        <p:spPr>
+          <a:xfrm>
+            <a:off x="2245063" y="1451150"/>
+            <a:ext cx="4653875" cy="3104625"/>
+          </a:xfrm>
+          <a:prstGeom prst="rect">
+            <a:avLst/>
+          </a:prstGeom>
+          <a:noFill/>
+          <a:ln>
+            <a:noFill/>
+          </a:ln>
+        </p:spPr>
+      </p:pic>
     </p:spTree>
   </p:cSld>
   <p:clrMapOvr>
@@ -9395,12 +8277,12 @@
 </p:sld>
 </file>
 
-<file path=ppt/slides/slide16.xml><?xml version="1.0" encoding="utf-8"?>
+<file path=ppt/slides/slide12.xml><?xml version="1.0" encoding="utf-8"?>
 <p:sld xmlns:a="http://schemas.openxmlformats.org/drawingml/2006/main" xmlns:r="http://schemas.openxmlformats.org/officeDocument/2006/relationships" xmlns:mc="http://schemas.openxmlformats.org/markup-compatibility/2006" xmlns:mv="urn:schemas-microsoft-com:mac:vml" xmlns:p="http://schemas.openxmlformats.org/presentationml/2006/main" xmlns:c="http://schemas.openxmlformats.org/drawingml/2006/chart" xmlns:dgm="http://schemas.openxmlformats.org/drawingml/2006/diagram" xmlns:o="urn:schemas-microsoft-com:office:office" xmlns:v="urn:schemas-microsoft-com:vml" xmlns:pvml="urn:schemas-microsoft-com:office:powerpoint" xmlns:com="http://schemas.openxmlformats.org/drawingml/2006/compatibility" xmlns:p14="http://schemas.microsoft.com/office/powerpoint/2010/main" xmlns:p15="http://schemas.microsoft.com/office/powerpoint/2012/main" xmlns:ahyp="http://schemas.microsoft.com/office/drawing/2018/hyperlinkcolor">
   <p:cSld>
     <p:spTree>
       <p:nvGrpSpPr>
-        <p:cNvPr id="168" name="Shape 168"/>
+        <p:cNvPr id="167" name="Shape 167"/>
         <p:cNvGrpSpPr/>
         <p:nvPr/>
       </p:nvGrpSpPr>
@@ -9412,9 +8294,216 @@
           <a:chExt cx="0" cy="0"/>
         </a:xfrm>
       </p:grpSpPr>
+      <p:pic>
+        <p:nvPicPr>
+          <p:cNvPr id="168" name="Google Shape;168;p24"/>
+          <p:cNvPicPr preferRelativeResize="0"/>
+          <p:nvPr/>
+        </p:nvPicPr>
+        <p:blipFill>
+          <a:blip r:embed="rId3">
+            <a:alphaModFix/>
+          </a:blip>
+          <a:stretch>
+            <a:fillRect/>
+          </a:stretch>
+        </p:blipFill>
+        <p:spPr>
+          <a:xfrm>
+            <a:off x="0" y="0"/>
+            <a:ext cx="9144000" cy="1709950"/>
+          </a:xfrm>
+          <a:prstGeom prst="rect">
+            <a:avLst/>
+          </a:prstGeom>
+          <a:noFill/>
+          <a:ln>
+            <a:noFill/>
+          </a:ln>
+        </p:spPr>
+      </p:pic>
       <p:sp>
         <p:nvSpPr>
-          <p:cNvPr id="169" name="Google Shape;169;p28"/>
+          <p:cNvPr id="169" name="Google Shape;169;p24"/>
+          <p:cNvSpPr txBox="1"/>
+          <p:nvPr>
+            <p:ph idx="1" type="body"/>
+          </p:nvPr>
+        </p:nvSpPr>
+        <p:spPr>
+          <a:xfrm>
+            <a:off x="0" y="1709950"/>
+            <a:ext cx="9144000" cy="3143400"/>
+          </a:xfrm>
+          <a:prstGeom prst="rect">
+            <a:avLst/>
+          </a:prstGeom>
+        </p:spPr>
+        <p:txBody>
+          <a:bodyPr anchorCtr="0" anchor="t" bIns="91425" lIns="91425" spcFirstLastPara="1" rIns="91425" wrap="square" tIns="91425">
+            <a:noAutofit/>
+          </a:bodyPr>
+          <a:lstStyle/>
+          <a:p>
+            <a:pPr indent="-342900" lvl="0" marL="457200" rtl="0" algn="l">
+              <a:lnSpc>
+                <a:spcPct val="150000"/>
+              </a:lnSpc>
+              <a:spcBef>
+                <a:spcPts val="0"/>
+              </a:spcBef>
+              <a:spcAft>
+                <a:spcPts val="0"/>
+              </a:spcAft>
+              <a:buClr>
+                <a:srgbClr val="000000"/>
+              </a:buClr>
+              <a:buSzPts val="1800"/>
+              <a:buChar char="●"/>
+            </a:pPr>
+            <a:r>
+              <a:rPr lang="en">
+                <a:solidFill>
+                  <a:srgbClr val="000000"/>
+                </a:solidFill>
+              </a:rPr>
+              <a:t>Family history of heart disease is considered a major predictor of heart disease.</a:t>
+            </a:r>
+            <a:endParaRPr>
+              <a:solidFill>
+                <a:srgbClr val="000000"/>
+              </a:solidFill>
+            </a:endParaRPr>
+          </a:p>
+          <a:p>
+            <a:pPr indent="-342900" lvl="0" marL="457200" rtl="0" algn="l">
+              <a:lnSpc>
+                <a:spcPct val="150000"/>
+              </a:lnSpc>
+              <a:spcBef>
+                <a:spcPts val="0"/>
+              </a:spcBef>
+              <a:spcAft>
+                <a:spcPts val="0"/>
+              </a:spcAft>
+              <a:buClr>
+                <a:srgbClr val="000000"/>
+              </a:buClr>
+              <a:buSzPts val="1800"/>
+              <a:buChar char="●"/>
+            </a:pPr>
+            <a:r>
+              <a:rPr lang="en">
+                <a:solidFill>
+                  <a:srgbClr val="000000"/>
+                </a:solidFill>
+              </a:rPr>
+              <a:t>Socioeconomic factors could also play a role in cardiovascular health.</a:t>
+            </a:r>
+            <a:endParaRPr>
+              <a:solidFill>
+                <a:srgbClr val="000000"/>
+              </a:solidFill>
+            </a:endParaRPr>
+          </a:p>
+          <a:p>
+            <a:pPr indent="-342900" lvl="0" marL="457200" rtl="0" algn="l">
+              <a:lnSpc>
+                <a:spcPct val="150000"/>
+              </a:lnSpc>
+              <a:spcBef>
+                <a:spcPts val="0"/>
+              </a:spcBef>
+              <a:spcAft>
+                <a:spcPts val="0"/>
+              </a:spcAft>
+              <a:buClr>
+                <a:srgbClr val="000000"/>
+              </a:buClr>
+              <a:buSzPts val="1800"/>
+              <a:buChar char="●"/>
+            </a:pPr>
+            <a:r>
+              <a:rPr lang="en">
+                <a:solidFill>
+                  <a:srgbClr val="000000"/>
+                </a:solidFill>
+              </a:rPr>
+              <a:t>Increasing our model to include a wider range of ages.</a:t>
+            </a:r>
+            <a:endParaRPr>
+              <a:solidFill>
+                <a:srgbClr val="000000"/>
+              </a:solidFill>
+            </a:endParaRPr>
+          </a:p>
+          <a:p>
+            <a:pPr indent="-342900" lvl="0" marL="457200" rtl="0" algn="l">
+              <a:lnSpc>
+                <a:spcPct val="150000"/>
+              </a:lnSpc>
+              <a:spcBef>
+                <a:spcPts val="0"/>
+              </a:spcBef>
+              <a:spcAft>
+                <a:spcPts val="0"/>
+              </a:spcAft>
+              <a:buClr>
+                <a:srgbClr val="000000"/>
+              </a:buClr>
+              <a:buSzPts val="1800"/>
+              <a:buChar char="●"/>
+            </a:pPr>
+            <a:r>
+              <a:rPr lang="en">
+                <a:solidFill>
+                  <a:srgbClr val="000000"/>
+                </a:solidFill>
+              </a:rPr>
+              <a:t>There is always more to learn and advances in medical science mean that what is important in a diagnostic tool will change with each advance.</a:t>
+            </a:r>
+            <a:endParaRPr>
+              <a:solidFill>
+                <a:srgbClr val="000000"/>
+              </a:solidFill>
+            </a:endParaRPr>
+          </a:p>
+          <a:p>
+            <a:pPr indent="-342900" lvl="0" marL="457200" rtl="0" algn="l">
+              <a:lnSpc>
+                <a:spcPct val="150000"/>
+              </a:lnSpc>
+              <a:spcBef>
+                <a:spcPts val="0"/>
+              </a:spcBef>
+              <a:spcAft>
+                <a:spcPts val="0"/>
+              </a:spcAft>
+              <a:buClr>
+                <a:srgbClr val="000000"/>
+              </a:buClr>
+              <a:buSzPts val="1800"/>
+              <a:buChar char="●"/>
+            </a:pPr>
+            <a:r>
+              <a:rPr lang="en">
+                <a:solidFill>
+                  <a:srgbClr val="000000"/>
+                </a:solidFill>
+              </a:rPr>
+              <a:t>We had a significant gender imbalance in our dataset which may cause over or under diagnosis for men and women respectively.</a:t>
+            </a:r>
+            <a:endParaRPr>
+              <a:solidFill>
+                <a:srgbClr val="000000"/>
+              </a:solidFill>
+            </a:endParaRPr>
+          </a:p>
+        </p:txBody>
+      </p:sp>
+      <p:sp>
+        <p:nvSpPr>
+          <p:cNvPr id="170" name="Google Shape;170;p24"/>
           <p:cNvSpPr txBox="1"/>
           <p:nvPr>
             <p:ph type="title"/>
@@ -9422,8 +8511,8 @@
         </p:nvSpPr>
         <p:spPr>
           <a:xfrm>
-            <a:off x="471900" y="738725"/>
-            <a:ext cx="8222100" cy="767700"/>
+            <a:off x="0" y="578825"/>
+            <a:ext cx="8222100" cy="492300"/>
           </a:xfrm>
           <a:prstGeom prst="rect">
             <a:avLst/>
@@ -9445,24 +8534,69 @@
               <a:buNone/>
             </a:pPr>
             <a:r>
-              <a:rPr lang="en" sz="2900">
-                <a:solidFill>
-                  <a:srgbClr val="85200C"/>
-                </a:solidFill>
-              </a:rPr>
-              <a:t>Although we are pleased with our results several additional factors should be taken into account for a medical diagnosis.</a:t>
+              <a:rPr lang="en" sz="2900"/>
+              <a:t>Further Dives </a:t>
             </a:r>
-            <a:endParaRPr sz="2900">
-              <a:solidFill>
-                <a:srgbClr val="85200C"/>
-              </a:solidFill>
-            </a:endParaRPr>
+            <a:endParaRPr sz="2900"/>
           </a:p>
         </p:txBody>
       </p:sp>
+    </p:spTree>
+  </p:cSld>
+  <p:clrMapOvr>
+    <a:masterClrMapping/>
+  </p:clrMapOvr>
+</p:sld>
+</file>
+
+<file path=ppt/slides/slide13.xml><?xml version="1.0" encoding="utf-8"?>
+<p:sld xmlns:a="http://schemas.openxmlformats.org/drawingml/2006/main" xmlns:r="http://schemas.openxmlformats.org/officeDocument/2006/relationships" xmlns:mc="http://schemas.openxmlformats.org/markup-compatibility/2006" xmlns:mv="urn:schemas-microsoft-com:mac:vml" xmlns:p="http://schemas.openxmlformats.org/presentationml/2006/main" xmlns:c="http://schemas.openxmlformats.org/drawingml/2006/chart" xmlns:dgm="http://schemas.openxmlformats.org/drawingml/2006/diagram" xmlns:o="urn:schemas-microsoft-com:office:office" xmlns:v="urn:schemas-microsoft-com:vml" xmlns:pvml="urn:schemas-microsoft-com:office:powerpoint" xmlns:com="http://schemas.openxmlformats.org/drawingml/2006/compatibility" xmlns:p14="http://schemas.microsoft.com/office/powerpoint/2010/main" xmlns:p15="http://schemas.microsoft.com/office/powerpoint/2012/main" xmlns:ahyp="http://schemas.microsoft.com/office/drawing/2018/hyperlinkcolor">
+  <p:cSld>
+    <p:spTree>
+      <p:nvGrpSpPr>
+        <p:cNvPr id="174" name="Shape 174"/>
+        <p:cNvGrpSpPr/>
+        <p:nvPr/>
+      </p:nvGrpSpPr>
+      <p:grpSpPr>
+        <a:xfrm>
+          <a:off x="0" y="0"/>
+          <a:ext cx="0" cy="0"/>
+          <a:chOff x="0" y="0"/>
+          <a:chExt cx="0" cy="0"/>
+        </a:xfrm>
+      </p:grpSpPr>
+      <p:pic>
+        <p:nvPicPr>
+          <p:cNvPr id="175" name="Google Shape;175;p25"/>
+          <p:cNvPicPr preferRelativeResize="0"/>
+          <p:nvPr/>
+        </p:nvPicPr>
+        <p:blipFill>
+          <a:blip r:embed="rId3">
+            <a:alphaModFix/>
+          </a:blip>
+          <a:stretch>
+            <a:fillRect/>
+          </a:stretch>
+        </p:blipFill>
+        <p:spPr>
+          <a:xfrm>
+            <a:off x="0" y="0"/>
+            <a:ext cx="9144000" cy="1709950"/>
+          </a:xfrm>
+          <a:prstGeom prst="rect">
+            <a:avLst/>
+          </a:prstGeom>
+          <a:noFill/>
+          <a:ln>
+            <a:noFill/>
+          </a:ln>
+        </p:spPr>
+      </p:pic>
       <p:sp>
         <p:nvSpPr>
-          <p:cNvPr id="170" name="Google Shape;170;p28"/>
+          <p:cNvPr id="176" name="Google Shape;176;p25"/>
           <p:cNvSpPr txBox="1"/>
           <p:nvPr>
             <p:ph idx="1" type="body"/>
@@ -9470,8 +8604,8 @@
         </p:nvSpPr>
         <p:spPr>
           <a:xfrm>
-            <a:off x="471900" y="1919075"/>
-            <a:ext cx="8222100" cy="2710200"/>
+            <a:off x="0" y="1709950"/>
+            <a:ext cx="9144000" cy="3143400"/>
           </a:xfrm>
           <a:prstGeom prst="rect">
             <a:avLst/>
@@ -9484,6 +8618,9 @@
           <a:lstStyle/>
           <a:p>
             <a:pPr indent="-342900" lvl="0" marL="457200" rtl="0" algn="l">
+              <a:lnSpc>
+                <a:spcPct val="150000"/>
+              </a:lnSpc>
               <a:spcBef>
                 <a:spcPts val="0"/>
               </a:spcBef>
@@ -9491,7 +8628,7 @@
                 <a:spcPts val="0"/>
               </a:spcAft>
               <a:buClr>
-                <a:schemeClr val="dk2"/>
+                <a:srgbClr val="000000"/>
               </a:buClr>
               <a:buSzPts val="1800"/>
               <a:buChar char="●"/>
@@ -9499,27 +8636,30 @@
             <a:r>
               <a:rPr lang="en">
                 <a:solidFill>
-                  <a:schemeClr val="dk2"/>
+                  <a:srgbClr val="000000"/>
                 </a:solidFill>
               </a:rPr>
-              <a:t>Family history of heart disease is a major predictor. </a:t>
+              <a:t>In future improved models additional factors laid out could improve the accuracy of our model. That is an area we had trouble improving within the bounds of our dataset.</a:t>
             </a:r>
             <a:endParaRPr>
               <a:solidFill>
-                <a:schemeClr val="dk2"/>
+                <a:srgbClr val="000000"/>
               </a:solidFill>
             </a:endParaRPr>
           </a:p>
           <a:p>
             <a:pPr indent="-342900" lvl="0" marL="457200" rtl="0" algn="l">
-              <a:spcBef>
-                <a:spcPts val="0"/>
+              <a:lnSpc>
+                <a:spcPct val="150000"/>
+              </a:lnSpc>
+              <a:spcBef>
+                <a:spcPts val="1600"/>
               </a:spcBef>
               <a:spcAft>
                 <a:spcPts val="0"/>
               </a:spcAft>
               <a:buClr>
-                <a:schemeClr val="dk2"/>
+                <a:srgbClr val="000000"/>
               </a:buClr>
               <a:buSzPts val="1800"/>
               <a:buChar char="●"/>
@@ -9527,27 +8667,30 @@
             <a:r>
               <a:rPr lang="en">
                 <a:solidFill>
-                  <a:schemeClr val="dk2"/>
+                  <a:srgbClr val="000000"/>
                 </a:solidFill>
               </a:rPr>
-              <a:t>Socioeconomic factors can play heavily into health</a:t>
+              <a:t>Binary data is limiting and dealing with data in more open categories might offer a more accurate model. </a:t>
             </a:r>
             <a:endParaRPr>
               <a:solidFill>
-                <a:schemeClr val="dk2"/>
+                <a:srgbClr val="000000"/>
               </a:solidFill>
             </a:endParaRPr>
           </a:p>
           <a:p>
             <a:pPr indent="-342900" lvl="0" marL="457200" rtl="0" algn="l">
-              <a:spcBef>
-                <a:spcPts val="0"/>
-              </a:spcBef>
-              <a:spcAft>
-                <a:spcPts val="0"/>
+              <a:lnSpc>
+                <a:spcPct val="150000"/>
+              </a:lnSpc>
+              <a:spcBef>
+                <a:spcPts val="1600"/>
+              </a:spcBef>
+              <a:spcAft>
+                <a:spcPts val="1600"/>
               </a:spcAft>
               <a:buClr>
-                <a:schemeClr val="dk2"/>
+                <a:srgbClr val="000000"/>
               </a:buClr>
               <a:buSzPts val="1800"/>
               <a:buChar char="●"/>
@@ -9555,76 +8698,60 @@
             <a:r>
               <a:rPr lang="en">
                 <a:solidFill>
-                  <a:schemeClr val="dk2"/>
+                  <a:srgbClr val="000000"/>
                 </a:solidFill>
               </a:rPr>
-              <a:t>Age is also a likely predictor</a:t>
+              <a:t>Understanding and exploring the data is a challenge for non-medical professionals </a:t>
             </a:r>
             <a:endParaRPr>
               <a:solidFill>
-                <a:schemeClr val="dk2"/>
+                <a:srgbClr val="000000"/>
               </a:solidFill>
             </a:endParaRPr>
           </a:p>
+        </p:txBody>
+      </p:sp>
+      <p:sp>
+        <p:nvSpPr>
+          <p:cNvPr id="177" name="Google Shape;177;p25"/>
+          <p:cNvSpPr txBox="1"/>
+          <p:nvPr>
+            <p:ph type="title"/>
+          </p:nvPr>
+        </p:nvSpPr>
+        <p:spPr>
+          <a:xfrm>
+            <a:off x="0" y="578825"/>
+            <a:ext cx="9144000" cy="492300"/>
+          </a:xfrm>
+          <a:prstGeom prst="rect">
+            <a:avLst/>
+          </a:prstGeom>
+        </p:spPr>
+        <p:txBody>
+          <a:bodyPr anchorCtr="0" anchor="b" bIns="91425" lIns="91425" spcFirstLastPara="1" rIns="91425" wrap="square" tIns="91425">
+            <a:noAutofit/>
+          </a:bodyPr>
+          <a:lstStyle/>
           <a:p>
-            <a:pPr indent="-342900" lvl="0" marL="457200" rtl="0" algn="l">
-              <a:spcBef>
-                <a:spcPts val="0"/>
-              </a:spcBef>
-              <a:spcAft>
-                <a:spcPts val="0"/>
-              </a:spcAft>
-              <a:buClr>
-                <a:schemeClr val="dk2"/>
-              </a:buClr>
-              <a:buSzPts val="1800"/>
-              <a:buChar char="●"/>
+            <a:pPr indent="0" lvl="0" marL="0" rtl="0" algn="l">
+              <a:spcBef>
+                <a:spcPts val="0"/>
+              </a:spcBef>
+              <a:spcAft>
+                <a:spcPts val="0"/>
+              </a:spcAft>
+              <a:buNone/>
             </a:pPr>
             <a:r>
-              <a:rPr lang="en">
-                <a:solidFill>
-                  <a:schemeClr val="dk2"/>
-                </a:solidFill>
-              </a:rPr>
-              <a:t>There is always more to learn</a:t>
-            </a:r>
-            <a:endParaRPr>
-              <a:solidFill>
-                <a:schemeClr val="dk2"/>
-              </a:solidFill>
-            </a:endParaRPr>
-          </a:p>
-          <a:p>
-            <a:pPr indent="0" lvl="0" marL="0" rtl="0" algn="l">
-              <a:spcBef>
-                <a:spcPts val="1600"/>
-              </a:spcBef>
-              <a:spcAft>
-                <a:spcPts val="1600"/>
-              </a:spcAft>
-              <a:buNone/>
-            </a:pPr>
-            <a:r>
-              <a:rPr lang="en">
-                <a:solidFill>
-                  <a:schemeClr val="dk2"/>
-                </a:solidFill>
-              </a:rPr>
-              <a:t>In future improved models these factors would be important to consider, in a more advanced diagnosis we would also look at degrees of many of our </a:t>
+              <a:rPr lang="en" sz="2900"/>
+              <a:t>Improvements and Drawbacks</a:t>
             </a:r>
             <a:r>
-              <a:rPr lang="en">
-                <a:solidFill>
-                  <a:schemeClr val="dk2"/>
-                </a:solidFill>
-              </a:rPr>
-              <a:t>binary columns. </a:t>
+              <a:rPr lang="en" sz="2900"/>
+              <a:t> </a:t>
             </a:r>
-            <a:endParaRPr>
-              <a:solidFill>
-                <a:schemeClr val="dk2"/>
-              </a:solidFill>
-            </a:endParaRPr>
+            <a:endParaRPr sz="2900"/>
           </a:p>
         </p:txBody>
       </p:sp>
@@ -9658,20 +8785,20 @@
           <p:cNvPr id="74" name="Google Shape;74;p14"/>
           <p:cNvSpPr txBox="1"/>
           <p:nvPr>
-            <p:ph type="title"/>
+            <p:ph idx="1" type="body"/>
           </p:nvPr>
         </p:nvSpPr>
         <p:spPr>
           <a:xfrm>
-            <a:off x="460950" y="2065350"/>
-            <a:ext cx="8222100" cy="1012800"/>
+            <a:off x="0" y="2657850"/>
+            <a:ext cx="9144000" cy="2485800"/>
           </a:xfrm>
           <a:prstGeom prst="rect">
             <a:avLst/>
           </a:prstGeom>
         </p:spPr>
         <p:txBody>
-          <a:bodyPr anchorCtr="0" anchor="ctr" bIns="91425" lIns="91425" spcFirstLastPara="1" rIns="91425" wrap="square" tIns="91425">
+          <a:bodyPr anchorCtr="0" anchor="t" bIns="91425" lIns="91425" spcFirstLastPara="1" rIns="91425" wrap="square" tIns="91425">
             <a:noAutofit/>
           </a:bodyPr>
           <a:lstStyle/>
@@ -9686,17 +8813,315 @@
               <a:buNone/>
             </a:pPr>
             <a:r>
-              <a:rPr lang="en">
-                <a:solidFill>
-                  <a:srgbClr val="A61C00"/>
-                </a:solidFill>
+              <a:rPr lang="en" sz="1600">
+                <a:solidFill>
+                  <a:srgbClr val="000000"/>
+                </a:solidFill>
+              </a:rPr>
+              <a:t>As per the WHO </a:t>
+            </a:r>
+            <a:endParaRPr sz="1600">
+              <a:solidFill>
+                <a:srgbClr val="000000"/>
+              </a:solidFill>
+            </a:endParaRPr>
+          </a:p>
+          <a:p>
+            <a:pPr indent="-330200" lvl="0" marL="457200" rtl="0" algn="l">
+              <a:spcBef>
+                <a:spcPts val="1600"/>
+              </a:spcBef>
+              <a:spcAft>
+                <a:spcPts val="0"/>
+              </a:spcAft>
+              <a:buClr>
+                <a:srgbClr val="000000"/>
+              </a:buClr>
+              <a:buSzPts val="1600"/>
+              <a:buFont typeface="Arial"/>
+              <a:buChar char="●"/>
+            </a:pPr>
+            <a:r>
+              <a:rPr lang="en" sz="1600">
+                <a:solidFill>
+                  <a:srgbClr val="000000"/>
+                </a:solidFill>
+              </a:rPr>
+              <a:t>An estimated 17.9 million people died from CVDs in 2019, representing 32% of all global deaths. Of these deaths, 85% were due to heart attack and stroke.</a:t>
+            </a:r>
+            <a:endParaRPr sz="1600">
+              <a:solidFill>
+                <a:srgbClr val="000000"/>
+              </a:solidFill>
+            </a:endParaRPr>
+          </a:p>
+          <a:p>
+            <a:pPr indent="-330200" lvl="0" marL="457200" rtl="0" algn="l">
+              <a:spcBef>
+                <a:spcPts val="0"/>
+              </a:spcBef>
+              <a:spcAft>
+                <a:spcPts val="0"/>
+              </a:spcAft>
+              <a:buClr>
+                <a:srgbClr val="000000"/>
+              </a:buClr>
+              <a:buSzPts val="1600"/>
+              <a:buFont typeface="Arial"/>
+              <a:buChar char="●"/>
+            </a:pPr>
+            <a:r>
+              <a:rPr lang="en" sz="1600">
+                <a:solidFill>
+                  <a:srgbClr val="000000"/>
+                </a:solidFill>
+              </a:rPr>
+              <a:t>Most cardiovascular diseases can be prevented by addressing behavioural risk factors.</a:t>
+            </a:r>
+            <a:endParaRPr sz="1600">
+              <a:solidFill>
+                <a:srgbClr val="000000"/>
+              </a:solidFill>
+            </a:endParaRPr>
+          </a:p>
+          <a:p>
+            <a:pPr indent="-330200" lvl="0" marL="457200" rtl="0" algn="l">
+              <a:spcBef>
+                <a:spcPts val="0"/>
+              </a:spcBef>
+              <a:spcAft>
+                <a:spcPts val="0"/>
+              </a:spcAft>
+              <a:buClr>
+                <a:srgbClr val="000000"/>
+              </a:buClr>
+              <a:buSzPts val="1600"/>
+              <a:buFont typeface="Arial"/>
+              <a:buChar char="●"/>
+            </a:pPr>
+            <a:r>
+              <a:rPr lang="en" sz="1600">
+                <a:solidFill>
+                  <a:srgbClr val="000000"/>
+                </a:solidFill>
+              </a:rPr>
+              <a:t>It is important to detect cardiovascular disease as early as possible so that management with counselling and medicines can begin.</a:t>
+            </a:r>
+            <a:endParaRPr sz="1600">
+              <a:solidFill>
+                <a:srgbClr val="000000"/>
+              </a:solidFill>
+            </a:endParaRPr>
+          </a:p>
+          <a:p>
+            <a:pPr indent="0" lvl="0" marL="0" rtl="0" algn="l">
+              <a:spcBef>
+                <a:spcPts val="1200"/>
+              </a:spcBef>
+              <a:spcAft>
+                <a:spcPts val="1600"/>
+              </a:spcAft>
+              <a:buNone/>
+            </a:pPr>
+            <a:r>
+              <a:t/>
+            </a:r>
+            <a:endParaRPr sz="1700"/>
+          </a:p>
+        </p:txBody>
+      </p:sp>
+      <p:pic>
+        <p:nvPicPr>
+          <p:cNvPr id="75" name="Google Shape;75;p14"/>
+          <p:cNvPicPr preferRelativeResize="0"/>
+          <p:nvPr/>
+        </p:nvPicPr>
+        <p:blipFill>
+          <a:blip r:embed="rId3">
+            <a:alphaModFix/>
+          </a:blip>
+          <a:stretch>
+            <a:fillRect/>
+          </a:stretch>
+        </p:blipFill>
+        <p:spPr>
+          <a:xfrm>
+            <a:off x="0" y="0"/>
+            <a:ext cx="9144000" cy="1720950"/>
+          </a:xfrm>
+          <a:prstGeom prst="rect">
+            <a:avLst/>
+          </a:prstGeom>
+          <a:noFill/>
+          <a:ln>
+            <a:noFill/>
+          </a:ln>
+        </p:spPr>
+      </p:pic>
+      <p:sp>
+        <p:nvSpPr>
+          <p:cNvPr id="76" name="Google Shape;76;p14"/>
+          <p:cNvSpPr txBox="1"/>
+          <p:nvPr>
+            <p:ph type="title"/>
+          </p:nvPr>
+        </p:nvSpPr>
+        <p:spPr>
+          <a:xfrm>
+            <a:off x="0" y="1826550"/>
+            <a:ext cx="9144000" cy="831300"/>
+          </a:xfrm>
+          <a:prstGeom prst="rect">
+            <a:avLst/>
+          </a:prstGeom>
+        </p:spPr>
+        <p:txBody>
+          <a:bodyPr anchorCtr="0" anchor="b" bIns="91425" lIns="91425" spcFirstLastPara="1" rIns="91425" wrap="square" tIns="91425">
+            <a:noAutofit/>
+          </a:bodyPr>
+          <a:lstStyle/>
+          <a:p>
+            <a:pPr indent="0" lvl="0" marL="0" rtl="0" algn="l">
+              <a:spcBef>
+                <a:spcPts val="0"/>
+              </a:spcBef>
+              <a:spcAft>
+                <a:spcPts val="0"/>
+              </a:spcAft>
+              <a:buNone/>
+            </a:pPr>
+            <a:r>
+              <a:rPr b="1" lang="en" sz="2900">
+                <a:solidFill>
+                  <a:srgbClr val="1155CC"/>
+                </a:solidFill>
+              </a:rPr>
+              <a:t>Cardiovascular Disease is the Worldwide Leading Cause of Death.</a:t>
+            </a:r>
+            <a:endParaRPr b="1" sz="2900">
+              <a:solidFill>
+                <a:srgbClr val="1155CC"/>
+              </a:solidFill>
+            </a:endParaRPr>
+          </a:p>
+        </p:txBody>
+      </p:sp>
+      <p:sp>
+        <p:nvSpPr>
+          <p:cNvPr id="77" name="Google Shape;77;p14"/>
+          <p:cNvSpPr txBox="1"/>
+          <p:nvPr/>
+        </p:nvSpPr>
+        <p:spPr>
+          <a:xfrm>
+            <a:off x="0" y="467925"/>
+            <a:ext cx="9144000" cy="831300"/>
+          </a:xfrm>
+          <a:prstGeom prst="rect">
+            <a:avLst/>
+          </a:prstGeom>
+          <a:noFill/>
+          <a:ln>
+            <a:noFill/>
+          </a:ln>
+        </p:spPr>
+        <p:txBody>
+          <a:bodyPr anchorCtr="0" anchor="t" bIns="91425" lIns="91425" spcFirstLastPara="1" rIns="91425" wrap="square" tIns="91425">
+            <a:spAutoFit/>
+          </a:bodyPr>
+          <a:lstStyle/>
+          <a:p>
+            <a:pPr indent="0" lvl="0" marL="0" rtl="0" algn="l">
+              <a:spcBef>
+                <a:spcPts val="0"/>
+              </a:spcBef>
+              <a:spcAft>
+                <a:spcPts val="0"/>
+              </a:spcAft>
+              <a:buNone/>
+            </a:pPr>
+            <a:r>
+              <a:rPr lang="en" sz="4200">
+                <a:solidFill>
+                  <a:schemeClr val="lt1"/>
+                </a:solidFill>
+                <a:latin typeface="Roboto"/>
+                <a:ea typeface="Roboto"/>
+                <a:cs typeface="Roboto"/>
+                <a:sym typeface="Roboto"/>
               </a:rPr>
               <a:t>Why Heart Disease? </a:t>
             </a:r>
             <a:endParaRPr>
-              <a:solidFill>
-                <a:srgbClr val="A61C00"/>
-              </a:solidFill>
+              <a:latin typeface="Roboto"/>
+              <a:ea typeface="Roboto"/>
+              <a:cs typeface="Roboto"/>
+              <a:sym typeface="Roboto"/>
+            </a:endParaRPr>
+          </a:p>
+        </p:txBody>
+      </p:sp>
+      <p:sp>
+        <p:nvSpPr>
+          <p:cNvPr id="78" name="Google Shape;78;p14"/>
+          <p:cNvSpPr txBox="1"/>
+          <p:nvPr/>
+        </p:nvSpPr>
+        <p:spPr>
+          <a:xfrm>
+            <a:off x="6101075" y="4697100"/>
+            <a:ext cx="2954700" cy="446400"/>
+          </a:xfrm>
+          <a:prstGeom prst="rect">
+            <a:avLst/>
+          </a:prstGeom>
+          <a:noFill/>
+          <a:ln>
+            <a:noFill/>
+          </a:ln>
+        </p:spPr>
+        <p:txBody>
+          <a:bodyPr anchorCtr="0" anchor="t" bIns="91425" lIns="91425" spcFirstLastPara="1" rIns="91425" wrap="square" tIns="91425">
+            <a:spAutoFit/>
+          </a:bodyPr>
+          <a:lstStyle/>
+          <a:p>
+            <a:pPr indent="0" lvl="0" marL="0" rtl="0" algn="l">
+              <a:lnSpc>
+                <a:spcPct val="115000"/>
+              </a:lnSpc>
+              <a:spcBef>
+                <a:spcPts val="0"/>
+              </a:spcBef>
+              <a:spcAft>
+                <a:spcPts val="1600"/>
+              </a:spcAft>
+              <a:buNone/>
+            </a:pPr>
+            <a:r>
+              <a:rPr lang="en" sz="1700" u="sng">
+                <a:solidFill>
+                  <a:schemeClr val="accent5"/>
+                </a:solidFill>
+                <a:latin typeface="Roboto"/>
+                <a:ea typeface="Roboto"/>
+                <a:cs typeface="Roboto"/>
+                <a:sym typeface="Roboto"/>
+                <a:hlinkClick r:id="rId4">
+                  <a:extLst>
+                    <a:ext uri="{A12FA001-AC4F-418D-AE19-62706E023703}">
+                      <ahyp:hlinkClr val="tx"/>
+                    </a:ext>
+                  </a:extLst>
+                </a:hlinkClick>
+              </a:rPr>
+              <a:t>WHO CVD Fact Sheet</a:t>
+            </a:r>
+            <a:endParaRPr>
+              <a:latin typeface="Roboto"/>
+              <a:ea typeface="Roboto"/>
+              <a:cs typeface="Roboto"/>
+              <a:sym typeface="Roboto"/>
             </a:endParaRPr>
           </a:p>
         </p:txBody>
@@ -9714,7 +9139,7 @@
   <p:cSld>
     <p:spTree>
       <p:nvGrpSpPr>
-        <p:cNvPr id="78" name="Shape 78"/>
+        <p:cNvPr id="82" name="Shape 82"/>
         <p:cNvGrpSpPr/>
         <p:nvPr/>
       </p:nvGrpSpPr>
@@ -9728,7 +9153,123 @@
       </p:grpSpPr>
       <p:sp>
         <p:nvSpPr>
-          <p:cNvPr id="79" name="Google Shape;79;p15"/>
+          <p:cNvPr id="83" name="Google Shape;83;p15"/>
+          <p:cNvSpPr txBox="1"/>
+          <p:nvPr>
+            <p:ph idx="1" type="body"/>
+          </p:nvPr>
+        </p:nvSpPr>
+        <p:spPr>
+          <a:xfrm>
+            <a:off x="245075" y="1955198"/>
+            <a:ext cx="8222100" cy="2386200"/>
+          </a:xfrm>
+          <a:prstGeom prst="rect">
+            <a:avLst/>
+          </a:prstGeom>
+        </p:spPr>
+        <p:txBody>
+          <a:bodyPr anchorCtr="0" anchor="t" bIns="91425" lIns="91425" spcFirstLastPara="1" rIns="91425" wrap="square" tIns="91425">
+            <a:noAutofit/>
+          </a:bodyPr>
+          <a:lstStyle/>
+          <a:p>
+            <a:pPr indent="0" lvl="0" marL="0" rtl="0" algn="l">
+              <a:spcBef>
+                <a:spcPts val="0"/>
+              </a:spcBef>
+              <a:spcAft>
+                <a:spcPts val="0"/>
+              </a:spcAft>
+              <a:buNone/>
+            </a:pPr>
+            <a:r>
+              <a:rPr lang="en" sz="1700">
+                <a:solidFill>
+                  <a:srgbClr val="212121"/>
+                </a:solidFill>
+              </a:rPr>
+              <a:t>Cardiovascular disease (CVD) makes our heart and blood vessels dysfunctional and often leads to death or physical paralysis. Therefore, early and automatic detection of CVD can save many human lives.</a:t>
+            </a:r>
+            <a:endParaRPr sz="2000">
+              <a:solidFill>
+                <a:srgbClr val="212121"/>
+              </a:solidFill>
+            </a:endParaRPr>
+          </a:p>
+          <a:p>
+            <a:pPr indent="0" lvl="0" marL="0" rtl="0" algn="l">
+              <a:spcBef>
+                <a:spcPts val="1600"/>
+              </a:spcBef>
+              <a:spcAft>
+                <a:spcPts val="1600"/>
+              </a:spcAft>
+              <a:buNone/>
+            </a:pPr>
+            <a:r>
+              <a:rPr lang="en" sz="1700">
+                <a:solidFill>
+                  <a:srgbClr val="212121"/>
+                </a:solidFill>
+              </a:rPr>
+              <a:t>If we consider cardiovascular diseases as preventable by changes in lifestyle factors, it makes it a ripe project for machine learning. If those factors can be analyzed and risk </a:t>
+            </a:r>
+            <a:r>
+              <a:rPr lang="en" sz="1700">
+                <a:solidFill>
+                  <a:srgbClr val="212121"/>
+                </a:solidFill>
+              </a:rPr>
+              <a:t>assessed, we can create a warning system to encourage lifestyle changes or further medical interventions</a:t>
+            </a:r>
+            <a:r>
+              <a:rPr lang="en" sz="1600">
+                <a:solidFill>
+                  <a:srgbClr val="212121"/>
+                </a:solidFill>
+              </a:rPr>
+              <a:t>. </a:t>
+            </a:r>
+            <a:endParaRPr sz="2000">
+              <a:solidFill>
+                <a:srgbClr val="212121"/>
+              </a:solidFill>
+            </a:endParaRPr>
+          </a:p>
+        </p:txBody>
+      </p:sp>
+      <p:pic>
+        <p:nvPicPr>
+          <p:cNvPr id="84" name="Google Shape;84;p15"/>
+          <p:cNvPicPr preferRelativeResize="0"/>
+          <p:nvPr/>
+        </p:nvPicPr>
+        <p:blipFill>
+          <a:blip r:embed="rId3">
+            <a:alphaModFix/>
+          </a:blip>
+          <a:stretch>
+            <a:fillRect/>
+          </a:stretch>
+        </p:blipFill>
+        <p:spPr>
+          <a:xfrm>
+            <a:off x="0" y="0"/>
+            <a:ext cx="9144000" cy="1709950"/>
+          </a:xfrm>
+          <a:prstGeom prst="rect">
+            <a:avLst/>
+          </a:prstGeom>
+          <a:noFill/>
+          <a:ln>
+            <a:noFill/>
+          </a:ln>
+        </p:spPr>
+      </p:pic>
+      <p:sp>
+        <p:nvSpPr>
+          <p:cNvPr id="85" name="Google Shape;85;p15"/>
           <p:cNvSpPr txBox="1"/>
           <p:nvPr>
             <p:ph type="title"/>
@@ -9736,8 +9277,8 @@
         </p:nvSpPr>
         <p:spPr>
           <a:xfrm>
-            <a:off x="471900" y="383850"/>
-            <a:ext cx="8222100" cy="1122600"/>
+            <a:off x="0" y="471125"/>
+            <a:ext cx="8222100" cy="767700"/>
           </a:xfrm>
           <a:prstGeom prst="rect">
             <a:avLst/>
@@ -9759,172 +9300,8 @@
               <a:buNone/>
             </a:pPr>
             <a:r>
-              <a:rPr lang="en">
-                <a:solidFill>
-                  <a:srgbClr val="85200C"/>
-                </a:solidFill>
-              </a:rPr>
-              <a:t>Cardiovascular Disease is the Worldwide Leading Cause of Death.</a:t>
-            </a:r>
-            <a:endParaRPr>
-              <a:solidFill>
-                <a:srgbClr val="85200C"/>
-              </a:solidFill>
-            </a:endParaRPr>
-          </a:p>
-        </p:txBody>
-      </p:sp>
-      <p:sp>
-        <p:nvSpPr>
-          <p:cNvPr id="80" name="Google Shape;80;p15"/>
-          <p:cNvSpPr txBox="1"/>
-          <p:nvPr>
-            <p:ph idx="1" type="body"/>
-          </p:nvPr>
-        </p:nvSpPr>
-        <p:spPr>
-          <a:xfrm>
-            <a:off x="272300" y="2011175"/>
-            <a:ext cx="8222100" cy="3347400"/>
-          </a:xfrm>
-          <a:prstGeom prst="rect">
-            <a:avLst/>
-          </a:prstGeom>
-        </p:spPr>
-        <p:txBody>
-          <a:bodyPr anchorCtr="0" anchor="t" bIns="91425" lIns="91425" spcFirstLastPara="1" rIns="91425" wrap="square" tIns="91425">
-            <a:noAutofit/>
-          </a:bodyPr>
-          <a:lstStyle/>
-          <a:p>
-            <a:pPr indent="0" lvl="0" marL="0" rtl="0" algn="l">
-              <a:spcBef>
-                <a:spcPts val="0"/>
-              </a:spcBef>
-              <a:spcAft>
-                <a:spcPts val="0"/>
-              </a:spcAft>
-              <a:buNone/>
-            </a:pPr>
-            <a:r>
-              <a:rPr lang="en" sz="1700">
-                <a:solidFill>
-                  <a:srgbClr val="000000"/>
-                </a:solidFill>
-              </a:rPr>
-              <a:t>As per the WHO </a:t>
-            </a:r>
-            <a:endParaRPr sz="1700">
-              <a:solidFill>
-                <a:srgbClr val="000000"/>
-              </a:solidFill>
-            </a:endParaRPr>
-          </a:p>
-          <a:p>
-            <a:pPr indent="-292100" lvl="0" marL="457200" rtl="0" algn="l">
-              <a:spcBef>
-                <a:spcPts val="1600"/>
-              </a:spcBef>
-              <a:spcAft>
-                <a:spcPts val="0"/>
-              </a:spcAft>
-              <a:buClr>
-                <a:srgbClr val="000000"/>
-              </a:buClr>
-              <a:buSzPts val="1000"/>
-              <a:buFont typeface="Arial"/>
-              <a:buChar char="●"/>
-            </a:pPr>
-            <a:r>
-              <a:rPr lang="en" sz="1700">
-                <a:solidFill>
-                  <a:srgbClr val="000000"/>
-                </a:solidFill>
-              </a:rPr>
-              <a:t>An estimated 17.9 million people died from CVDs in 2019, representing 32% of all global deaths. Of these deaths, 85% were due to heart attack and stroke.</a:t>
-            </a:r>
-            <a:endParaRPr sz="1700">
-              <a:solidFill>
-                <a:srgbClr val="000000"/>
-              </a:solidFill>
-            </a:endParaRPr>
-          </a:p>
-          <a:p>
-            <a:pPr indent="-292100" lvl="0" marL="457200" rtl="0" algn="l">
-              <a:spcBef>
-                <a:spcPts val="0"/>
-              </a:spcBef>
-              <a:spcAft>
-                <a:spcPts val="0"/>
-              </a:spcAft>
-              <a:buClr>
-                <a:srgbClr val="000000"/>
-              </a:buClr>
-              <a:buSzPts val="1000"/>
-              <a:buFont typeface="Arial"/>
-              <a:buChar char="●"/>
-            </a:pPr>
-            <a:r>
-              <a:rPr lang="en" sz="1700">
-                <a:solidFill>
-                  <a:srgbClr val="000000"/>
-                </a:solidFill>
-              </a:rPr>
-              <a:t>Most cardiovascular diseases can be prevented by addressing behavioural risk factors.</a:t>
-            </a:r>
-            <a:endParaRPr sz="1700">
-              <a:solidFill>
-                <a:srgbClr val="000000"/>
-              </a:solidFill>
-            </a:endParaRPr>
-          </a:p>
-          <a:p>
-            <a:pPr indent="-292100" lvl="0" marL="457200" rtl="0" algn="l">
-              <a:spcBef>
-                <a:spcPts val="0"/>
-              </a:spcBef>
-              <a:spcAft>
-                <a:spcPts val="0"/>
-              </a:spcAft>
-              <a:buClr>
-                <a:srgbClr val="000000"/>
-              </a:buClr>
-              <a:buSzPts val="1000"/>
-              <a:buFont typeface="Arial"/>
-              <a:buChar char="●"/>
-            </a:pPr>
-            <a:r>
-              <a:rPr lang="en" sz="1700">
-                <a:solidFill>
-                  <a:srgbClr val="000000"/>
-                </a:solidFill>
-              </a:rPr>
-              <a:t>It is important to detect cardiovascular disease as early as possible so that management with counselling and medicines can begin.</a:t>
-            </a:r>
-            <a:endParaRPr sz="1700">
-              <a:solidFill>
-                <a:srgbClr val="000000"/>
-              </a:solidFill>
-            </a:endParaRPr>
-          </a:p>
-          <a:p>
-            <a:pPr indent="0" lvl="0" marL="0" rtl="0" algn="l">
-              <a:spcBef>
-                <a:spcPts val="1200"/>
-              </a:spcBef>
-              <a:spcAft>
-                <a:spcPts val="1600"/>
-              </a:spcAft>
-              <a:buNone/>
-            </a:pPr>
-            <a:r>
-              <a:rPr lang="en" u="sng">
-                <a:solidFill>
-                  <a:schemeClr val="hlink"/>
-                </a:solidFill>
-                <a:hlinkClick r:id="rId3"/>
-              </a:rPr>
-              <a:t>WHO CVD Fact Sheet</a:t>
+              <a:rPr lang="en"/>
+              <a:t>Preventable Disease</a:t>
             </a:r>
             <a:endParaRPr/>
           </a:p>
@@ -9943,7 +9320,7 @@
   <p:cSld>
     <p:spTree>
       <p:nvGrpSpPr>
-        <p:cNvPr id="84" name="Shape 84"/>
+        <p:cNvPr id="89" name="Shape 89"/>
         <p:cNvGrpSpPr/>
         <p:nvPr/>
       </p:nvGrpSpPr>
@@ -9957,55 +9334,7 @@
       </p:grpSpPr>
       <p:sp>
         <p:nvSpPr>
-          <p:cNvPr id="85" name="Google Shape;85;p16"/>
-          <p:cNvSpPr txBox="1"/>
-          <p:nvPr>
-            <p:ph type="title"/>
-          </p:nvPr>
-        </p:nvSpPr>
-        <p:spPr>
-          <a:xfrm>
-            <a:off x="471900" y="738725"/>
-            <a:ext cx="8222100" cy="767700"/>
-          </a:xfrm>
-          <a:prstGeom prst="rect">
-            <a:avLst/>
-          </a:prstGeom>
-        </p:spPr>
-        <p:txBody>
-          <a:bodyPr anchorCtr="0" anchor="b" bIns="91425" lIns="91425" spcFirstLastPara="1" rIns="91425" wrap="square" tIns="91425">
-            <a:noAutofit/>
-          </a:bodyPr>
-          <a:lstStyle/>
-          <a:p>
-            <a:pPr indent="0" lvl="0" marL="0" rtl="0" algn="l">
-              <a:spcBef>
-                <a:spcPts val="0"/>
-              </a:spcBef>
-              <a:spcAft>
-                <a:spcPts val="0"/>
-              </a:spcAft>
-              <a:buNone/>
-            </a:pPr>
-            <a:r>
-              <a:rPr lang="en">
-                <a:solidFill>
-                  <a:srgbClr val="85200C"/>
-                </a:solidFill>
-              </a:rPr>
-              <a:t>Preventable Disease</a:t>
-            </a:r>
-            <a:endParaRPr>
-              <a:solidFill>
-                <a:srgbClr val="85200C"/>
-              </a:solidFill>
-            </a:endParaRPr>
-          </a:p>
-        </p:txBody>
-      </p:sp>
-      <p:sp>
-        <p:nvSpPr>
-          <p:cNvPr id="86" name="Google Shape;86;p16"/>
+          <p:cNvPr id="90" name="Google Shape;90;p16"/>
           <p:cNvSpPr txBox="1"/>
           <p:nvPr>
             <p:ph idx="1" type="body"/>
@@ -10013,8 +9342,8 @@
         </p:nvSpPr>
         <p:spPr>
           <a:xfrm>
-            <a:off x="299775" y="1794500"/>
-            <a:ext cx="8222100" cy="2710200"/>
+            <a:off x="-177875" y="1842875"/>
+            <a:ext cx="5748900" cy="2656500"/>
           </a:xfrm>
           <a:prstGeom prst="rect">
             <a:avLst/>
@@ -10026,34 +9355,191 @@
           </a:bodyPr>
           <a:lstStyle/>
           <a:p>
-            <a:pPr indent="0" lvl="0" marL="0" rtl="0" algn="l">
-              <a:spcBef>
-                <a:spcPts val="0"/>
-              </a:spcBef>
-              <a:spcAft>
-                <a:spcPts val="1600"/>
-              </a:spcAft>
-              <a:buNone/>
+            <a:pPr indent="-330200" lvl="0" marL="914400" rtl="0" algn="l">
+              <a:lnSpc>
+                <a:spcPct val="115000"/>
+              </a:lnSpc>
+              <a:spcBef>
+                <a:spcPts val="0"/>
+              </a:spcBef>
+              <a:spcAft>
+                <a:spcPts val="0"/>
+              </a:spcAft>
+              <a:buClr>
+                <a:srgbClr val="000000"/>
+              </a:buClr>
+              <a:buSzPts val="1600"/>
+              <a:buChar char="●"/>
             </a:pPr>
             <a:r>
-              <a:rPr lang="en">
-                <a:solidFill>
-                  <a:schemeClr val="dk2"/>
+              <a:rPr lang="en" sz="1600">
+                <a:solidFill>
+                  <a:srgbClr val="000000"/>
                 </a:solidFill>
               </a:rPr>
-              <a:t>If we consider cardiovascular diseases as preventable by changes in lifestyle factors, it makes it a ripe project for machine learning. If those factors can be analyzed and risk </a:t>
+              <a:t>To explore a dataset related to cardiac health</a:t>
+            </a:r>
+            <a:endParaRPr sz="1600">
+              <a:solidFill>
+                <a:srgbClr val="000000"/>
+              </a:solidFill>
+            </a:endParaRPr>
+          </a:p>
+          <a:p>
+            <a:pPr indent="0" lvl="0" marL="0" rtl="0" algn="l">
+              <a:lnSpc>
+                <a:spcPct val="115000"/>
+              </a:lnSpc>
+              <a:spcBef>
+                <a:spcPts val="0"/>
+              </a:spcBef>
+              <a:spcAft>
+                <a:spcPts val="0"/>
+              </a:spcAft>
+              <a:buNone/>
+            </a:pPr>
+            <a:r>
+              <a:t/>
+            </a:r>
+            <a:endParaRPr sz="1600">
+              <a:solidFill>
+                <a:srgbClr val="000000"/>
+              </a:solidFill>
+            </a:endParaRPr>
+          </a:p>
+          <a:p>
+            <a:pPr indent="0" lvl="0" marL="0" rtl="0" algn="l">
+              <a:lnSpc>
+                <a:spcPct val="115000"/>
+              </a:lnSpc>
+              <a:spcBef>
+                <a:spcPts val="0"/>
+              </a:spcBef>
+              <a:spcAft>
+                <a:spcPts val="0"/>
+              </a:spcAft>
+              <a:buNone/>
+            </a:pPr>
+            <a:r>
+              <a:t/>
+            </a:r>
+            <a:endParaRPr sz="1600">
+              <a:solidFill>
+                <a:srgbClr val="000000"/>
+              </a:solidFill>
+            </a:endParaRPr>
+          </a:p>
+          <a:p>
+            <a:pPr indent="-330200" lvl="0" marL="914400" rtl="0" algn="l">
+              <a:lnSpc>
+                <a:spcPct val="115000"/>
+              </a:lnSpc>
+              <a:spcBef>
+                <a:spcPts val="0"/>
+              </a:spcBef>
+              <a:spcAft>
+                <a:spcPts val="0"/>
+              </a:spcAft>
+              <a:buClr>
+                <a:srgbClr val="000000"/>
+              </a:buClr>
+              <a:buSzPts val="1600"/>
+              <a:buChar char="●"/>
+            </a:pPr>
+            <a:r>
+              <a:rPr lang="en" sz="1600">
+                <a:solidFill>
+                  <a:srgbClr val="000000"/>
+                </a:solidFill>
+              </a:rPr>
+              <a:t>To better understand the contributing factors in heart disease risk</a:t>
+            </a:r>
+            <a:endParaRPr sz="1600">
+              <a:solidFill>
+                <a:srgbClr val="000000"/>
+              </a:solidFill>
+            </a:endParaRPr>
+          </a:p>
+          <a:p>
+            <a:pPr indent="0" lvl="0" marL="0" rtl="0" algn="l">
+              <a:lnSpc>
+                <a:spcPct val="115000"/>
+              </a:lnSpc>
+              <a:spcBef>
+                <a:spcPts val="0"/>
+              </a:spcBef>
+              <a:spcAft>
+                <a:spcPts val="0"/>
+              </a:spcAft>
+              <a:buNone/>
+            </a:pPr>
+            <a:r>
+              <a:t/>
+            </a:r>
+            <a:endParaRPr sz="1600">
+              <a:solidFill>
+                <a:srgbClr val="000000"/>
+              </a:solidFill>
+            </a:endParaRPr>
+          </a:p>
+          <a:p>
+            <a:pPr indent="0" lvl="0" marL="0" rtl="0" algn="l">
+              <a:lnSpc>
+                <a:spcPct val="115000"/>
+              </a:lnSpc>
+              <a:spcBef>
+                <a:spcPts val="0"/>
+              </a:spcBef>
+              <a:spcAft>
+                <a:spcPts val="0"/>
+              </a:spcAft>
+              <a:buNone/>
+            </a:pPr>
+            <a:r>
+              <a:t/>
+            </a:r>
+            <a:endParaRPr sz="1600">
+              <a:solidFill>
+                <a:srgbClr val="000000"/>
+              </a:solidFill>
+            </a:endParaRPr>
+          </a:p>
+          <a:p>
+            <a:pPr indent="-330200" lvl="0" marL="914400" rtl="0" algn="l">
+              <a:lnSpc>
+                <a:spcPct val="115000"/>
+              </a:lnSpc>
+              <a:spcBef>
+                <a:spcPts val="0"/>
+              </a:spcBef>
+              <a:spcAft>
+                <a:spcPts val="0"/>
+              </a:spcAft>
+              <a:buClr>
+                <a:srgbClr val="000000"/>
+              </a:buClr>
+              <a:buSzPts val="1600"/>
+              <a:buChar char="●"/>
+            </a:pPr>
+            <a:r>
+              <a:rPr lang="en" sz="1600">
+                <a:solidFill>
+                  <a:srgbClr val="000000"/>
+                </a:solidFill>
+              </a:rPr>
+              <a:t>To create a viable tool that </a:t>
             </a:r>
             <a:r>
-              <a:rPr lang="en">
-                <a:solidFill>
-                  <a:schemeClr val="dk2"/>
+              <a:rPr lang="en" sz="1600">
+                <a:solidFill>
+                  <a:srgbClr val="000000"/>
                 </a:solidFill>
               </a:rPr>
-              <a:t>assessed, we can create a warning system to encourage lifestyle changes or further medical interventions. </a:t>
+              <a:t>can enhance cardiovascular risk prediction accuracy in population primary care at large .</a:t>
             </a:r>
             <a:endParaRPr>
               <a:solidFill>
-                <a:schemeClr val="dk2"/>
+                <a:srgbClr val="000000"/>
               </a:solidFill>
             </a:endParaRPr>
           </a:p>
@@ -10061,7 +9547,7 @@
       </p:sp>
       <p:pic>
         <p:nvPicPr>
-          <p:cNvPr id="87" name="Google Shape;87;p16"/>
+          <p:cNvPr id="91" name="Google Shape;91;p16"/>
           <p:cNvPicPr preferRelativeResize="0"/>
           <p:nvPr/>
         </p:nvPicPr>
@@ -10075,8 +9561,8 @@
         </p:blipFill>
         <p:spPr>
           <a:xfrm>
-            <a:off x="5253425" y="3157000"/>
-            <a:ext cx="3531576" cy="1986501"/>
+            <a:off x="0" y="0"/>
+            <a:ext cx="9144000" cy="1709950"/>
           </a:xfrm>
           <a:prstGeom prst="rect">
             <a:avLst/>
@@ -10089,14 +9575,62 @@
       </p:pic>
       <p:sp>
         <p:nvSpPr>
-          <p:cNvPr id="88" name="Google Shape;88;p16"/>
+          <p:cNvPr id="92" name="Google Shape;92;p16"/>
           <p:cNvSpPr txBox="1"/>
-          <p:nvPr/>
+          <p:nvPr>
+            <p:ph type="title"/>
+          </p:nvPr>
         </p:nvSpPr>
         <p:spPr>
           <a:xfrm>
-            <a:off x="608125" y="4586650"/>
-            <a:ext cx="4007700" cy="615600"/>
+            <a:off x="0" y="381375"/>
+            <a:ext cx="8222100" cy="767700"/>
+          </a:xfrm>
+          <a:prstGeom prst="rect">
+            <a:avLst/>
+          </a:prstGeom>
+        </p:spPr>
+        <p:txBody>
+          <a:bodyPr anchorCtr="0" anchor="b" bIns="91425" lIns="91425" spcFirstLastPara="1" rIns="91425" wrap="square" tIns="91425">
+            <a:noAutofit/>
+          </a:bodyPr>
+          <a:lstStyle/>
+          <a:p>
+            <a:pPr indent="0" lvl="0" marL="457200" rtl="0" algn="l">
+              <a:spcBef>
+                <a:spcPts val="0"/>
+              </a:spcBef>
+              <a:spcAft>
+                <a:spcPts val="0"/>
+              </a:spcAft>
+              <a:buNone/>
+            </a:pPr>
+            <a:r>
+              <a:rPr lang="en"/>
+              <a:t>Our Goals </a:t>
+            </a:r>
+            <a:endParaRPr/>
+          </a:p>
+        </p:txBody>
+      </p:sp>
+      <p:pic>
+        <p:nvPicPr>
+          <p:cNvPr id="93" name="Google Shape;93;p16"/>
+          <p:cNvPicPr preferRelativeResize="0"/>
+          <p:nvPr/>
+        </p:nvPicPr>
+        <p:blipFill>
+          <a:blip r:embed="rId4">
+            <a:alphaModFix/>
+          </a:blip>
+          <a:stretch>
+            <a:fillRect/>
+          </a:stretch>
+        </p:blipFill>
+        <p:spPr>
+          <a:xfrm>
+            <a:off x="5228988" y="1896438"/>
+            <a:ext cx="3915012" cy="3050223"/>
           </a:xfrm>
           <a:prstGeom prst="rect">
             <a:avLst/>
@@ -10106,43 +9640,7 @@
             <a:noFill/>
           </a:ln>
         </p:spPr>
-        <p:txBody>
-          <a:bodyPr anchorCtr="0" anchor="t" bIns="91425" lIns="91425" spcFirstLastPara="1" rIns="91425" wrap="square" tIns="91425">
-            <a:spAutoFit/>
-          </a:bodyPr>
-          <a:lstStyle/>
-          <a:p>
-            <a:pPr indent="0" lvl="0" marL="0" rtl="0" algn="l">
-              <a:spcBef>
-                <a:spcPts val="0"/>
-              </a:spcBef>
-              <a:spcAft>
-                <a:spcPts val="0"/>
-              </a:spcAft>
-              <a:buNone/>
-            </a:pPr>
-            <a:r>
-              <a:rPr lang="en" u="sng">
-                <a:solidFill>
-                  <a:schemeClr val="hlink"/>
-                </a:solidFill>
-                <a:latin typeface="Roboto"/>
-                <a:ea typeface="Roboto"/>
-                <a:cs typeface="Roboto"/>
-                <a:sym typeface="Roboto"/>
-                <a:hlinkClick r:id="rId4"/>
-              </a:rPr>
-              <a:t>http://www.scientificanimations.com/wiki-images/</a:t>
-            </a:r>
-            <a:endParaRPr>
-              <a:latin typeface="Roboto"/>
-              <a:ea typeface="Roboto"/>
-              <a:cs typeface="Roboto"/>
-              <a:sym typeface="Roboto"/>
-            </a:endParaRPr>
-          </a:p>
-        </p:txBody>
-      </p:sp>
+      </p:pic>
     </p:spTree>
   </p:cSld>
   <p:clrMapOvr>
@@ -10154,9 +9652,16 @@
 <file path=ppt/slides/slide5.xml><?xml version="1.0" encoding="utf-8"?>
 <p:sld xmlns:a="http://schemas.openxmlformats.org/drawingml/2006/main" xmlns:r="http://schemas.openxmlformats.org/officeDocument/2006/relationships" xmlns:mc="http://schemas.openxmlformats.org/markup-compatibility/2006" xmlns:mv="urn:schemas-microsoft-com:mac:vml" xmlns:p="http://schemas.openxmlformats.org/presentationml/2006/main" xmlns:c="http://schemas.openxmlformats.org/drawingml/2006/chart" xmlns:dgm="http://schemas.openxmlformats.org/drawingml/2006/diagram" xmlns:o="urn:schemas-microsoft-com:office:office" xmlns:v="urn:schemas-microsoft-com:vml" xmlns:pvml="urn:schemas-microsoft-com:office:powerpoint" xmlns:com="http://schemas.openxmlformats.org/drawingml/2006/compatibility" xmlns:p14="http://schemas.microsoft.com/office/powerpoint/2010/main" xmlns:p15="http://schemas.microsoft.com/office/powerpoint/2012/main" xmlns:ahyp="http://schemas.microsoft.com/office/drawing/2018/hyperlinkcolor">
   <p:cSld>
+    <p:bg>
+      <p:bgPr>
+        <a:solidFill>
+          <a:srgbClr val="411326"/>
+        </a:solidFill>
+      </p:bgPr>
+    </p:bg>
     <p:spTree>
       <p:nvGrpSpPr>
-        <p:cNvPr id="92" name="Shape 92"/>
+        <p:cNvPr id="97" name="Shape 97"/>
         <p:cNvGrpSpPr/>
         <p:nvPr/>
       </p:nvGrpSpPr>
@@ -10170,7 +9675,7 @@
       </p:grpSpPr>
       <p:sp>
         <p:nvSpPr>
-          <p:cNvPr id="93" name="Google Shape;93;p17"/>
+          <p:cNvPr id="98" name="Google Shape;98;p17"/>
           <p:cNvSpPr txBox="1"/>
           <p:nvPr>
             <p:ph type="title"/>
@@ -10178,190 +9683,31 @@
         </p:nvSpPr>
         <p:spPr>
           <a:xfrm>
-            <a:off x="471900" y="738725"/>
-            <a:ext cx="8222100" cy="767700"/>
+            <a:off x="-150" y="123075"/>
+            <a:ext cx="9144000" cy="1012800"/>
           </a:xfrm>
           <a:prstGeom prst="rect">
             <a:avLst/>
           </a:prstGeom>
         </p:spPr>
         <p:txBody>
-          <a:bodyPr anchorCtr="0" anchor="b" bIns="91425" lIns="91425" spcFirstLastPara="1" rIns="91425" wrap="square" tIns="91425">
+          <a:bodyPr anchorCtr="0" anchor="ctr" bIns="91425" lIns="91425" spcFirstLastPara="1" rIns="91425" wrap="square" tIns="91425">
             <a:noAutofit/>
           </a:bodyPr>
           <a:lstStyle/>
           <a:p>
-            <a:pPr indent="0" lvl="0" marL="0" rtl="0" algn="l">
-              <a:spcBef>
-                <a:spcPts val="0"/>
-              </a:spcBef>
-              <a:spcAft>
-                <a:spcPts val="0"/>
-              </a:spcAft>
-              <a:buNone/>
-            </a:pPr>
-            <a:r>
-              <a:rPr lang="en">
-                <a:solidFill>
-                  <a:srgbClr val="85200C"/>
-                </a:solidFill>
-              </a:rPr>
-              <a:t>Our Data </a:t>
-            </a:r>
-            <a:endParaRPr>
-              <a:solidFill>
-                <a:srgbClr val="85200C"/>
-              </a:solidFill>
-            </a:endParaRPr>
-          </a:p>
-        </p:txBody>
-      </p:sp>
-      <p:sp>
-        <p:nvSpPr>
-          <p:cNvPr id="94" name="Google Shape;94;p17"/>
-          <p:cNvSpPr txBox="1"/>
-          <p:nvPr>
-            <p:ph idx="1" type="body"/>
-          </p:nvPr>
-        </p:nvSpPr>
-        <p:spPr>
-          <a:xfrm>
-            <a:off x="471900" y="1919075"/>
-            <a:ext cx="3999900" cy="2710200"/>
-          </a:xfrm>
-          <a:prstGeom prst="rect">
-            <a:avLst/>
-          </a:prstGeom>
-        </p:spPr>
-        <p:txBody>
-          <a:bodyPr anchorCtr="0" anchor="t" bIns="91425" lIns="91425" spcFirstLastPara="1" rIns="91425" wrap="square" tIns="91425">
-            <a:noAutofit/>
-          </a:bodyPr>
-          <a:lstStyle/>
-          <a:p>
-            <a:pPr indent="0" lvl="0" marL="0" rtl="0" algn="l">
-              <a:spcBef>
-                <a:spcPts val="0"/>
-              </a:spcBef>
-              <a:spcAft>
-                <a:spcPts val="0"/>
-              </a:spcAft>
-              <a:buNone/>
-            </a:pPr>
-            <a:r>
-              <a:rPr lang="en">
-                <a:solidFill>
-                  <a:srgbClr val="000000"/>
-                </a:solidFill>
-              </a:rPr>
-              <a:t>We used a data set of anonymized adult participants covering ages 29-64. With columns for Diastolic and Systolic blood pressures, lifestyle factors, age, gender, cholesterol, and presence of heart disease. </a:t>
-            </a:r>
-            <a:endParaRPr>
-              <a:solidFill>
-                <a:srgbClr val="000000"/>
-              </a:solidFill>
-            </a:endParaRPr>
-          </a:p>
-          <a:p>
-            <a:pPr indent="0" lvl="0" marL="0" rtl="0" algn="l">
-              <a:spcBef>
-                <a:spcPts val="1600"/>
-              </a:spcBef>
-              <a:spcAft>
-                <a:spcPts val="0"/>
-              </a:spcAft>
-              <a:buNone/>
-            </a:pPr>
-            <a:r>
-              <a:t/>
-            </a:r>
-            <a:endParaRPr>
-              <a:solidFill>
-                <a:srgbClr val="000000"/>
-              </a:solidFill>
-            </a:endParaRPr>
-          </a:p>
-          <a:p>
-            <a:pPr indent="0" lvl="0" marL="0" rtl="0" algn="l">
-              <a:spcBef>
-                <a:spcPts val="1600"/>
-              </a:spcBef>
-              <a:spcAft>
-                <a:spcPts val="0"/>
-              </a:spcAft>
-              <a:buNone/>
-            </a:pPr>
-            <a:r>
-              <a:t/>
-            </a:r>
-            <a:endParaRPr>
-              <a:solidFill>
-                <a:srgbClr val="000000"/>
-              </a:solidFill>
-            </a:endParaRPr>
-          </a:p>
-          <a:p>
-            <a:pPr indent="0" lvl="0" marL="0" rtl="0" algn="l">
-              <a:spcBef>
-                <a:spcPts val="1600"/>
-              </a:spcBef>
-              <a:spcAft>
-                <a:spcPts val="1600"/>
-              </a:spcAft>
-              <a:buNone/>
-            </a:pPr>
-            <a:r>
-              <a:rPr lang="en" u="sng">
-                <a:solidFill>
-                  <a:schemeClr val="hlink"/>
-                </a:solidFill>
-                <a:hlinkClick r:id="rId3"/>
-              </a:rPr>
-              <a:t>Cardiovascular Disease dataset</a:t>
-            </a:r>
-            <a:endParaRPr>
-              <a:solidFill>
-                <a:srgbClr val="000000"/>
-              </a:solidFill>
-            </a:endParaRPr>
-          </a:p>
-        </p:txBody>
-      </p:sp>
-      <p:sp>
-        <p:nvSpPr>
-          <p:cNvPr id="95" name="Google Shape;95;p17"/>
-          <p:cNvSpPr txBox="1"/>
-          <p:nvPr>
-            <p:ph idx="2" type="body"/>
-          </p:nvPr>
-        </p:nvSpPr>
-        <p:spPr>
-          <a:xfrm>
-            <a:off x="4694250" y="1919075"/>
-            <a:ext cx="3999900" cy="2710200"/>
-          </a:xfrm>
-          <a:prstGeom prst="rect">
-            <a:avLst/>
-          </a:prstGeom>
-        </p:spPr>
-        <p:txBody>
-          <a:bodyPr anchorCtr="0" anchor="t" bIns="91425" lIns="91425" spcFirstLastPara="1" rIns="91425" wrap="square" tIns="91425">
-            <a:noAutofit/>
-          </a:bodyPr>
-          <a:lstStyle/>
-          <a:p>
-            <a:pPr indent="0" lvl="0" marL="0" rtl="0" algn="l">
-              <a:spcBef>
-                <a:spcPts val="0"/>
-              </a:spcBef>
-              <a:spcAft>
-                <a:spcPts val="1600"/>
+            <a:pPr indent="0" lvl="0" marL="0" rtl="0" algn="ctr">
+              <a:spcBef>
+                <a:spcPts val="0"/>
+              </a:spcBef>
+              <a:spcAft>
+                <a:spcPts val="0"/>
               </a:spcAft>
               <a:buNone/>
             </a:pPr>
             <a:r>
               <a:rPr lang="en"/>
-              <a:t>Lorem ipsum dolor sit amet, consectetur adipiscing elit, sed do eiusmod tempor incididunt ut labore et dolore magna aliqua</a:t>
+              <a:t>Data and Methodology </a:t>
             </a:r>
             <a:endParaRPr/>
           </a:p>
@@ -10369,12 +9715,12 @@
       </p:sp>
       <p:pic>
         <p:nvPicPr>
-          <p:cNvPr id="96" name="Google Shape;96;p17"/>
+          <p:cNvPr id="99" name="Google Shape;99;p17"/>
           <p:cNvPicPr preferRelativeResize="0"/>
           <p:nvPr/>
         </p:nvPicPr>
         <p:blipFill>
-          <a:blip r:embed="rId4">
+          <a:blip r:embed="rId3">
             <a:alphaModFix/>
           </a:blip>
           <a:stretch>
@@ -10383,8 +9729,8 @@
         </p:blipFill>
         <p:spPr>
           <a:xfrm>
-            <a:off x="4779125" y="1919075"/>
-            <a:ext cx="3915025" cy="3050223"/>
+            <a:off x="1603100" y="1468475"/>
+            <a:ext cx="5937502" cy="3069925"/>
           </a:xfrm>
           <a:prstGeom prst="rect">
             <a:avLst/>
@@ -10408,7 +9754,7 @@
   <p:cSld>
     <p:spTree>
       <p:nvGrpSpPr>
-        <p:cNvPr id="100" name="Shape 100"/>
+        <p:cNvPr id="103" name="Shape 103"/>
         <p:cNvGrpSpPr/>
         <p:nvPr/>
       </p:nvGrpSpPr>
@@ -10422,7 +9768,289 @@
       </p:grpSpPr>
       <p:sp>
         <p:nvSpPr>
-          <p:cNvPr id="101" name="Google Shape;101;p18"/>
+          <p:cNvPr id="104" name="Google Shape;104;p18"/>
+          <p:cNvSpPr txBox="1"/>
+          <p:nvPr>
+            <p:ph idx="1" type="body"/>
+          </p:nvPr>
+        </p:nvSpPr>
+        <p:spPr>
+          <a:xfrm>
+            <a:off x="-82075" y="1805713"/>
+            <a:ext cx="5410200" cy="3228300"/>
+          </a:xfrm>
+          <a:prstGeom prst="rect">
+            <a:avLst/>
+          </a:prstGeom>
+        </p:spPr>
+        <p:txBody>
+          <a:bodyPr anchorCtr="0" anchor="t" bIns="91425" lIns="91425" spcFirstLastPara="1" rIns="91425" wrap="square" tIns="91425">
+            <a:noAutofit/>
+          </a:bodyPr>
+          <a:lstStyle/>
+          <a:p>
+            <a:pPr indent="-330200" lvl="0" marL="914400" rtl="0" algn="l">
+              <a:spcBef>
+                <a:spcPts val="0"/>
+              </a:spcBef>
+              <a:spcAft>
+                <a:spcPts val="0"/>
+              </a:spcAft>
+              <a:buClr>
+                <a:srgbClr val="000000"/>
+              </a:buClr>
+              <a:buSzPts val="1600"/>
+              <a:buChar char="●"/>
+            </a:pPr>
+            <a:r>
+              <a:rPr lang="en" sz="1800">
+                <a:solidFill>
+                  <a:srgbClr val="000000"/>
+                </a:solidFill>
+              </a:rPr>
+              <a:t>An anonymized data set that tracks the presence of heart disease.</a:t>
+            </a:r>
+            <a:endParaRPr sz="1800">
+              <a:solidFill>
+                <a:srgbClr val="000000"/>
+              </a:solidFill>
+            </a:endParaRPr>
+          </a:p>
+          <a:p>
+            <a:pPr indent="-330200" lvl="0" marL="914400" rtl="0" algn="l">
+              <a:spcBef>
+                <a:spcPts val="0"/>
+              </a:spcBef>
+              <a:spcAft>
+                <a:spcPts val="0"/>
+              </a:spcAft>
+              <a:buClr>
+                <a:srgbClr val="000000"/>
+              </a:buClr>
+              <a:buSzPts val="1600"/>
+              <a:buChar char="●"/>
+            </a:pPr>
+            <a:r>
+              <a:rPr lang="en" sz="1800">
+                <a:solidFill>
+                  <a:srgbClr val="000000"/>
+                </a:solidFill>
+              </a:rPr>
+              <a:t>Has metrics for cholesterol, diastolic and systolic blood pressure, height and weight</a:t>
+            </a:r>
+            <a:endParaRPr sz="1800">
+              <a:solidFill>
+                <a:srgbClr val="000000"/>
+              </a:solidFill>
+            </a:endParaRPr>
+          </a:p>
+          <a:p>
+            <a:pPr indent="-330200" lvl="0" marL="914400" rtl="0" algn="l">
+              <a:spcBef>
+                <a:spcPts val="0"/>
+              </a:spcBef>
+              <a:spcAft>
+                <a:spcPts val="0"/>
+              </a:spcAft>
+              <a:buClr>
+                <a:srgbClr val="000000"/>
+              </a:buClr>
+              <a:buSzPts val="1600"/>
+              <a:buChar char="●"/>
+            </a:pPr>
+            <a:r>
+              <a:rPr lang="en" sz="1800">
+                <a:solidFill>
+                  <a:srgbClr val="000000"/>
+                </a:solidFill>
+              </a:rPr>
+              <a:t>Tracks several lifestyle factors such as smoking and alcohol consumption.</a:t>
+            </a:r>
+            <a:endParaRPr sz="1800">
+              <a:solidFill>
+                <a:srgbClr val="000000"/>
+              </a:solidFill>
+            </a:endParaRPr>
+          </a:p>
+          <a:p>
+            <a:pPr indent="-330200" lvl="0" marL="914400" rtl="0" algn="l">
+              <a:spcBef>
+                <a:spcPts val="0"/>
+              </a:spcBef>
+              <a:spcAft>
+                <a:spcPts val="0"/>
+              </a:spcAft>
+              <a:buClr>
+                <a:srgbClr val="000000"/>
+              </a:buClr>
+              <a:buSzPts val="1600"/>
+              <a:buChar char="●"/>
+            </a:pPr>
+            <a:r>
+              <a:rPr lang="en" sz="1800">
+                <a:solidFill>
+                  <a:srgbClr val="000000"/>
+                </a:solidFill>
+              </a:rPr>
+              <a:t>All participants are adults between 29 and 65.</a:t>
+            </a:r>
+            <a:endParaRPr sz="1800">
+              <a:solidFill>
+                <a:srgbClr val="000000"/>
+              </a:solidFill>
+            </a:endParaRPr>
+          </a:p>
+          <a:p>
+            <a:pPr indent="0" lvl="0" marL="2286000" rtl="0" algn="l">
+              <a:spcBef>
+                <a:spcPts val="0"/>
+              </a:spcBef>
+              <a:spcAft>
+                <a:spcPts val="0"/>
+              </a:spcAft>
+              <a:buNone/>
+            </a:pPr>
+            <a:r>
+              <a:t/>
+            </a:r>
+            <a:endParaRPr sz="1800">
+              <a:solidFill>
+                <a:srgbClr val="000000"/>
+              </a:solidFill>
+            </a:endParaRPr>
+          </a:p>
+          <a:p>
+            <a:pPr indent="0" lvl="0" marL="2286000" rtl="0" algn="l">
+              <a:spcBef>
+                <a:spcPts val="0"/>
+              </a:spcBef>
+              <a:spcAft>
+                <a:spcPts val="0"/>
+              </a:spcAft>
+              <a:buNone/>
+            </a:pPr>
+            <a:r>
+              <a:rPr lang="en" sz="1500" u="sng">
+                <a:solidFill>
+                  <a:schemeClr val="accent5"/>
+                </a:solidFill>
+                <a:hlinkClick r:id="rId3">
+                  <a:extLst>
+                    <a:ext uri="{A12FA001-AC4F-418D-AE19-62706E023703}">
+                      <ahyp:hlinkClr val="tx"/>
+                    </a:ext>
+                  </a:extLst>
+                </a:hlinkClick>
+              </a:rPr>
+              <a:t>Cardiovascular Disease dataset</a:t>
+            </a:r>
+            <a:endParaRPr sz="1500">
+              <a:solidFill>
+                <a:srgbClr val="000000"/>
+              </a:solidFill>
+            </a:endParaRPr>
+          </a:p>
+        </p:txBody>
+      </p:sp>
+      <p:sp>
+        <p:nvSpPr>
+          <p:cNvPr id="105" name="Google Shape;105;p18"/>
+          <p:cNvSpPr txBox="1"/>
+          <p:nvPr>
+            <p:ph idx="2" type="body"/>
+          </p:nvPr>
+        </p:nvSpPr>
+        <p:spPr>
+          <a:xfrm>
+            <a:off x="6005300" y="2790625"/>
+            <a:ext cx="2688900" cy="1838700"/>
+          </a:xfrm>
+          <a:prstGeom prst="rect">
+            <a:avLst/>
+          </a:prstGeom>
+        </p:spPr>
+        <p:txBody>
+          <a:bodyPr anchorCtr="0" anchor="t" bIns="91425" lIns="91425" spcFirstLastPara="1" rIns="91425" wrap="square" tIns="91425">
+            <a:noAutofit/>
+          </a:bodyPr>
+          <a:lstStyle/>
+          <a:p>
+            <a:pPr indent="0" lvl="0" marL="0" rtl="0" algn="l">
+              <a:spcBef>
+                <a:spcPts val="0"/>
+              </a:spcBef>
+              <a:spcAft>
+                <a:spcPts val="1600"/>
+              </a:spcAft>
+              <a:buNone/>
+            </a:pPr>
+            <a:r>
+              <a:rPr lang="en"/>
+              <a:t>Lorem ipsum dolor sit amet, consectetur adipiscing elit, sed do eiusmod tempor incididunt ut labore et dolore magna aliqua</a:t>
+            </a:r>
+            <a:endParaRPr/>
+          </a:p>
+        </p:txBody>
+      </p:sp>
+      <p:pic>
+        <p:nvPicPr>
+          <p:cNvPr id="106" name="Google Shape;106;p18"/>
+          <p:cNvPicPr preferRelativeResize="0"/>
+          <p:nvPr/>
+        </p:nvPicPr>
+        <p:blipFill>
+          <a:blip r:embed="rId4">
+            <a:alphaModFix/>
+          </a:blip>
+          <a:stretch>
+            <a:fillRect/>
+          </a:stretch>
+        </p:blipFill>
+        <p:spPr>
+          <a:xfrm>
+            <a:off x="5625350" y="1805675"/>
+            <a:ext cx="3068849" cy="3228374"/>
+          </a:xfrm>
+          <a:prstGeom prst="rect">
+            <a:avLst/>
+          </a:prstGeom>
+          <a:noFill/>
+          <a:ln>
+            <a:noFill/>
+          </a:ln>
+        </p:spPr>
+      </p:pic>
+      <p:pic>
+        <p:nvPicPr>
+          <p:cNvPr id="107" name="Google Shape;107;p18"/>
+          <p:cNvPicPr preferRelativeResize="0"/>
+          <p:nvPr/>
+        </p:nvPicPr>
+        <p:blipFill>
+          <a:blip r:embed="rId5">
+            <a:alphaModFix/>
+          </a:blip>
+          <a:stretch>
+            <a:fillRect/>
+          </a:stretch>
+        </p:blipFill>
+        <p:spPr>
+          <a:xfrm>
+            <a:off x="10950" y="0"/>
+            <a:ext cx="9144000" cy="1723625"/>
+          </a:xfrm>
+          <a:prstGeom prst="rect">
+            <a:avLst/>
+          </a:prstGeom>
+          <a:noFill/>
+          <a:ln>
+            <a:noFill/>
+          </a:ln>
+        </p:spPr>
+      </p:pic>
+      <p:sp>
+        <p:nvSpPr>
+          <p:cNvPr id="108" name="Google Shape;108;p18"/>
           <p:cNvSpPr txBox="1"/>
           <p:nvPr>
             <p:ph type="title"/>
@@ -10430,7 +10058,7 @@
         </p:nvSpPr>
         <p:spPr>
           <a:xfrm>
-            <a:off x="471900" y="738725"/>
+            <a:off x="460950" y="314650"/>
             <a:ext cx="8222100" cy="767700"/>
           </a:xfrm>
           <a:prstGeom prst="rect">
@@ -10453,255 +10081,8 @@
               <a:buNone/>
             </a:pPr>
             <a:r>
-              <a:rPr lang="en">
-                <a:solidFill>
-                  <a:srgbClr val="85200C"/>
-                </a:solidFill>
-              </a:rPr>
-              <a:t>Our Goals </a:t>
-            </a:r>
-            <a:endParaRPr>
-              <a:solidFill>
-                <a:srgbClr val="85200C"/>
-              </a:solidFill>
-            </a:endParaRPr>
-          </a:p>
-        </p:txBody>
-      </p:sp>
-      <p:sp>
-        <p:nvSpPr>
-          <p:cNvPr id="102" name="Google Shape;102;p18"/>
-          <p:cNvSpPr txBox="1"/>
-          <p:nvPr>
-            <p:ph idx="1" type="body"/>
-          </p:nvPr>
-        </p:nvSpPr>
-        <p:spPr>
-          <a:xfrm>
-            <a:off x="471900" y="1919075"/>
-            <a:ext cx="6329700" cy="2710200"/>
-          </a:xfrm>
-          <a:prstGeom prst="rect">
-            <a:avLst/>
-          </a:prstGeom>
-        </p:spPr>
-        <p:txBody>
-          <a:bodyPr anchorCtr="0" anchor="t" bIns="91425" lIns="91425" spcFirstLastPara="1" rIns="91425" wrap="square" tIns="91425">
-            <a:noAutofit/>
-          </a:bodyPr>
-          <a:lstStyle/>
-          <a:p>
-            <a:pPr indent="-330200" lvl="0" marL="914400" rtl="0" algn="l">
-              <a:spcBef>
-                <a:spcPts val="0"/>
-              </a:spcBef>
-              <a:spcAft>
-                <a:spcPts val="0"/>
-              </a:spcAft>
-              <a:buClr>
-                <a:srgbClr val="000000"/>
-              </a:buClr>
-              <a:buSzPts val="1600"/>
-              <a:buFont typeface="Arial"/>
-              <a:buChar char="●"/>
-            </a:pPr>
-            <a:r>
-              <a:rPr lang="en" sz="1600">
-                <a:solidFill>
-                  <a:srgbClr val="000000"/>
-                </a:solidFill>
-                <a:latin typeface="Arial"/>
-                <a:ea typeface="Arial"/>
-                <a:cs typeface="Arial"/>
-                <a:sym typeface="Arial"/>
-              </a:rPr>
-              <a:t>To explore a dataset related to cardiac health</a:t>
-            </a:r>
-            <a:endParaRPr sz="1600">
-              <a:solidFill>
-                <a:srgbClr val="000000"/>
-              </a:solidFill>
-              <a:latin typeface="Arial"/>
-              <a:ea typeface="Arial"/>
-              <a:cs typeface="Arial"/>
-              <a:sym typeface="Arial"/>
-            </a:endParaRPr>
-          </a:p>
-          <a:p>
-            <a:pPr indent="0" lvl="0" marL="0" rtl="0" algn="l">
-              <a:spcBef>
-                <a:spcPts val="0"/>
-              </a:spcBef>
-              <a:spcAft>
-                <a:spcPts val="0"/>
-              </a:spcAft>
-              <a:buNone/>
-            </a:pPr>
-            <a:r>
-              <a:t/>
-            </a:r>
-            <a:endParaRPr sz="1600">
-              <a:solidFill>
-                <a:srgbClr val="000000"/>
-              </a:solidFill>
-              <a:latin typeface="Arial"/>
-              <a:ea typeface="Arial"/>
-              <a:cs typeface="Arial"/>
-              <a:sym typeface="Arial"/>
-            </a:endParaRPr>
-          </a:p>
-          <a:p>
-            <a:pPr indent="-330200" lvl="0" marL="914400" rtl="0" algn="l">
-              <a:spcBef>
-                <a:spcPts val="0"/>
-              </a:spcBef>
-              <a:spcAft>
-                <a:spcPts val="0"/>
-              </a:spcAft>
-              <a:buClr>
-                <a:srgbClr val="000000"/>
-              </a:buClr>
-              <a:buSzPts val="1600"/>
-              <a:buFont typeface="Arial"/>
-              <a:buChar char="●"/>
-            </a:pPr>
-            <a:r>
-              <a:rPr lang="en" sz="1600">
-                <a:solidFill>
-                  <a:srgbClr val="000000"/>
-                </a:solidFill>
-                <a:latin typeface="Arial"/>
-                <a:ea typeface="Arial"/>
-                <a:cs typeface="Arial"/>
-                <a:sym typeface="Arial"/>
-              </a:rPr>
-              <a:t>To create a viable tool for predicting heart disease risk.</a:t>
-            </a:r>
-            <a:endParaRPr sz="1600">
-              <a:solidFill>
-                <a:srgbClr val="000000"/>
-              </a:solidFill>
-              <a:latin typeface="Arial"/>
-              <a:ea typeface="Arial"/>
-              <a:cs typeface="Arial"/>
-              <a:sym typeface="Arial"/>
-            </a:endParaRPr>
-          </a:p>
-          <a:p>
-            <a:pPr indent="0" lvl="0" marL="0" rtl="0" algn="l">
-              <a:spcBef>
-                <a:spcPts val="0"/>
-              </a:spcBef>
-              <a:spcAft>
-                <a:spcPts val="0"/>
-              </a:spcAft>
-              <a:buNone/>
-            </a:pPr>
-            <a:r>
-              <a:t/>
-            </a:r>
-            <a:endParaRPr sz="1600">
-              <a:solidFill>
-                <a:srgbClr val="000000"/>
-              </a:solidFill>
-              <a:latin typeface="Arial"/>
-              <a:ea typeface="Arial"/>
-              <a:cs typeface="Arial"/>
-              <a:sym typeface="Arial"/>
-            </a:endParaRPr>
-          </a:p>
-          <a:p>
-            <a:pPr indent="-330200" lvl="0" marL="914400" rtl="0" algn="l">
-              <a:spcBef>
-                <a:spcPts val="0"/>
-              </a:spcBef>
-              <a:spcAft>
-                <a:spcPts val="0"/>
-              </a:spcAft>
-              <a:buClr>
-                <a:srgbClr val="000000"/>
-              </a:buClr>
-              <a:buSzPts val="1600"/>
-              <a:buFont typeface="Arial"/>
-              <a:buChar char="●"/>
-            </a:pPr>
-            <a:r>
-              <a:rPr lang="en" sz="1600">
-                <a:solidFill>
-                  <a:srgbClr val="000000"/>
-                </a:solidFill>
-                <a:latin typeface="Arial"/>
-                <a:ea typeface="Arial"/>
-                <a:cs typeface="Arial"/>
-                <a:sym typeface="Arial"/>
-              </a:rPr>
-              <a:t>To better understand the contributing factors in heart disease risk	</a:t>
-            </a:r>
-            <a:endParaRPr sz="1600">
-              <a:solidFill>
-                <a:srgbClr val="000000"/>
-              </a:solidFill>
-              <a:latin typeface="Arial"/>
-              <a:ea typeface="Arial"/>
-              <a:cs typeface="Arial"/>
-              <a:sym typeface="Arial"/>
-            </a:endParaRPr>
-          </a:p>
-          <a:p>
-            <a:pPr indent="0" lvl="0" marL="0" rtl="0" algn="l">
-              <a:spcBef>
-                <a:spcPts val="0"/>
-              </a:spcBef>
-              <a:spcAft>
-                <a:spcPts val="1600"/>
-              </a:spcAft>
-              <a:buNone/>
-            </a:pPr>
-            <a:r>
-              <a:t/>
-            </a:r>
-            <a:endParaRPr>
-              <a:solidFill>
-                <a:srgbClr val="000000"/>
-              </a:solidFill>
-            </a:endParaRPr>
-          </a:p>
-        </p:txBody>
-      </p:sp>
-      <p:sp>
-        <p:nvSpPr>
-          <p:cNvPr id="103" name="Google Shape;103;p18"/>
-          <p:cNvSpPr txBox="1"/>
-          <p:nvPr>
-            <p:ph idx="2" type="body"/>
-          </p:nvPr>
-        </p:nvSpPr>
-        <p:spPr>
-          <a:xfrm>
-            <a:off x="7615450" y="3792375"/>
-            <a:ext cx="956400" cy="837000"/>
-          </a:xfrm>
-          <a:prstGeom prst="rect">
-            <a:avLst/>
-          </a:prstGeom>
-        </p:spPr>
-        <p:txBody>
-          <a:bodyPr anchorCtr="0" anchor="t" bIns="91425" lIns="91425" spcFirstLastPara="1" rIns="91425" wrap="square" tIns="91425">
-            <a:noAutofit/>
-          </a:bodyPr>
-          <a:lstStyle/>
-          <a:p>
-            <a:pPr indent="0" lvl="0" marL="0" rtl="0" algn="l">
-              <a:spcBef>
-                <a:spcPts val="0"/>
-              </a:spcBef>
-              <a:spcAft>
-                <a:spcPts val="1600"/>
-              </a:spcAft>
-              <a:buNone/>
-            </a:pPr>
-            <a:r>
-              <a:t/>
+              <a:rPr lang="en"/>
+              <a:t>Our Data </a:t>
             </a:r>
             <a:endParaRPr/>
           </a:p>
@@ -10720,7 +10101,7 @@
   <p:cSld>
     <p:spTree>
       <p:nvGrpSpPr>
-        <p:cNvPr id="107" name="Shape 107"/>
+        <p:cNvPr id="112" name="Shape 112"/>
         <p:cNvGrpSpPr/>
         <p:nvPr/>
       </p:nvGrpSpPr>
@@ -10734,55 +10115,221 @@
       </p:grpSpPr>
       <p:sp>
         <p:nvSpPr>
-          <p:cNvPr id="108" name="Google Shape;108;p19"/>
+          <p:cNvPr id="113" name="Google Shape;113;p19"/>
           <p:cNvSpPr txBox="1"/>
           <p:nvPr>
-            <p:ph type="title"/>
+            <p:ph idx="1" type="body"/>
           </p:nvPr>
         </p:nvSpPr>
         <p:spPr>
           <a:xfrm>
-            <a:off x="849250" y="834425"/>
-            <a:ext cx="8222100" cy="1012800"/>
+            <a:off x="0" y="1709950"/>
+            <a:ext cx="8474400" cy="3433500"/>
           </a:xfrm>
           <a:prstGeom prst="rect">
             <a:avLst/>
           </a:prstGeom>
         </p:spPr>
         <p:txBody>
-          <a:bodyPr anchorCtr="0" anchor="ctr" bIns="91425" lIns="91425" spcFirstLastPara="1" rIns="91425" wrap="square" tIns="91425">
+          <a:bodyPr anchorCtr="0" anchor="t" bIns="91425" lIns="91425" spcFirstLastPara="1" rIns="91425" wrap="square" tIns="91425">
             <a:noAutofit/>
           </a:bodyPr>
           <a:lstStyle/>
           <a:p>
-            <a:pPr indent="0" lvl="0" marL="0" rtl="0" algn="l">
-              <a:spcBef>
-                <a:spcPts val="0"/>
-              </a:spcBef>
-              <a:spcAft>
-                <a:spcPts val="0"/>
-              </a:spcAft>
-              <a:buNone/>
+            <a:pPr indent="-330200" lvl="0" marL="457200" rtl="0" algn="l">
+              <a:lnSpc>
+                <a:spcPct val="150000"/>
+              </a:lnSpc>
+              <a:spcBef>
+                <a:spcPts val="0"/>
+              </a:spcBef>
+              <a:spcAft>
+                <a:spcPts val="0"/>
+              </a:spcAft>
+              <a:buClr>
+                <a:srgbClr val="000000"/>
+              </a:buClr>
+              <a:buSzPts val="1600"/>
+              <a:buChar char="●"/>
             </a:pPr>
             <a:r>
-              <a:rPr lang="en">
-                <a:solidFill>
-                  <a:srgbClr val="A61C00"/>
+              <a:rPr lang="en" sz="1600">
+                <a:solidFill>
+                  <a:srgbClr val="000000"/>
                 </a:solidFill>
               </a:rPr>
-              <a:t>Data and Methodology </a:t>
+              <a:t>To date, no large-scale study has used routine clinical data and machine learning (ML) in prognostic CVD assessment. </a:t>
             </a:r>
-            <a:endParaRPr>
+            <a:endParaRPr sz="1600">
               <a:solidFill>
-                <a:srgbClr val="A61C00"/>
+                <a:srgbClr val="000000"/>
               </a:solidFill>
             </a:endParaRPr>
+          </a:p>
+          <a:p>
+            <a:pPr indent="-330200" lvl="0" marL="457200" rtl="0" algn="l">
+              <a:lnSpc>
+                <a:spcPct val="150000"/>
+              </a:lnSpc>
+              <a:spcBef>
+                <a:spcPts val="0"/>
+              </a:spcBef>
+              <a:spcAft>
+                <a:spcPts val="0"/>
+              </a:spcAft>
+              <a:buClr>
+                <a:srgbClr val="000000"/>
+              </a:buClr>
+              <a:buSzPts val="1600"/>
+              <a:buChar char="●"/>
+            </a:pPr>
+            <a:r>
+              <a:rPr lang="en" sz="1600">
+                <a:solidFill>
+                  <a:srgbClr val="000000"/>
+                </a:solidFill>
+              </a:rPr>
+              <a:t>Machine learning helps a cardiologist to predict diseases at an early stage and treat the patient accordingly.</a:t>
+            </a:r>
+            <a:endParaRPr sz="1600">
+              <a:solidFill>
+                <a:srgbClr val="000000"/>
+              </a:solidFill>
+            </a:endParaRPr>
+          </a:p>
+          <a:p>
+            <a:pPr indent="-330200" lvl="0" marL="457200" rtl="0" algn="l">
+              <a:lnSpc>
+                <a:spcPct val="150000"/>
+              </a:lnSpc>
+              <a:spcBef>
+                <a:spcPts val="0"/>
+              </a:spcBef>
+              <a:spcAft>
+                <a:spcPts val="0"/>
+              </a:spcAft>
+              <a:buClr>
+                <a:srgbClr val="000000"/>
+              </a:buClr>
+              <a:buSzPts val="1600"/>
+              <a:buChar char="●"/>
+            </a:pPr>
+            <a:r>
+              <a:rPr lang="en" sz="1600">
+                <a:solidFill>
+                  <a:srgbClr val="000000"/>
+                </a:solidFill>
+              </a:rPr>
+              <a:t>After testing several machine learning models we chose </a:t>
+            </a:r>
+            <a:r>
+              <a:rPr b="1" lang="en" sz="1600">
+                <a:solidFill>
+                  <a:srgbClr val="000000"/>
+                </a:solidFill>
+              </a:rPr>
+              <a:t>Gradient Boosting Classifier</a:t>
+            </a:r>
+            <a:r>
+              <a:rPr lang="en" sz="1600">
+                <a:solidFill>
+                  <a:srgbClr val="000000"/>
+                </a:solidFill>
+              </a:rPr>
+              <a:t> as it had the highest accuracy score for this dataset.</a:t>
+            </a:r>
+            <a:endParaRPr sz="1600">
+              <a:solidFill>
+                <a:srgbClr val="000000"/>
+              </a:solidFill>
+            </a:endParaRPr>
+          </a:p>
+          <a:p>
+            <a:pPr indent="-311150" lvl="0" marL="457200" rtl="0" algn="l">
+              <a:lnSpc>
+                <a:spcPct val="150000"/>
+              </a:lnSpc>
+              <a:spcBef>
+                <a:spcPts val="0"/>
+              </a:spcBef>
+              <a:spcAft>
+                <a:spcPts val="0"/>
+              </a:spcAft>
+              <a:buClr>
+                <a:srgbClr val="000000"/>
+              </a:buClr>
+              <a:buSzPts val="1300"/>
+              <a:buChar char="●"/>
+            </a:pPr>
+            <a:r>
+              <a:rPr lang="en" sz="1600">
+                <a:solidFill>
+                  <a:srgbClr val="000000"/>
+                </a:solidFill>
+              </a:rPr>
+              <a:t>This project allows us to gain substantial information, </a:t>
+            </a:r>
+            <a:endParaRPr sz="1600">
+              <a:solidFill>
+                <a:srgbClr val="000000"/>
+              </a:solidFill>
+            </a:endParaRPr>
+          </a:p>
+          <a:p>
+            <a:pPr indent="457200" lvl="0" marL="0" rtl="0" algn="l">
+              <a:lnSpc>
+                <a:spcPct val="150000"/>
+              </a:lnSpc>
+              <a:spcBef>
+                <a:spcPts val="0"/>
+              </a:spcBef>
+              <a:spcAft>
+                <a:spcPts val="0"/>
+              </a:spcAft>
+              <a:buNone/>
+            </a:pPr>
+            <a:r>
+              <a:rPr lang="en" sz="1600">
+                <a:solidFill>
+                  <a:srgbClr val="000000"/>
+                </a:solidFill>
+              </a:rPr>
+              <a:t>health causes, relationships linked to heart disease, and trends </a:t>
+            </a:r>
+            <a:endParaRPr sz="1600">
+              <a:solidFill>
+                <a:srgbClr val="000000"/>
+              </a:solidFill>
+            </a:endParaRPr>
+          </a:p>
+          <a:p>
+            <a:pPr indent="457200" lvl="0" marL="0" rtl="0" algn="l">
+              <a:lnSpc>
+                <a:spcPct val="150000"/>
+              </a:lnSpc>
+              <a:spcBef>
+                <a:spcPts val="0"/>
+              </a:spcBef>
+              <a:spcAft>
+                <a:spcPts val="0"/>
+              </a:spcAft>
+              <a:buNone/>
+            </a:pPr>
+            <a:r>
+              <a:rPr lang="en" sz="1600">
+                <a:solidFill>
+                  <a:srgbClr val="000000"/>
+                </a:solidFill>
+              </a:rPr>
+              <a:t>to be identified.</a:t>
+            </a:r>
+            <a:endParaRPr sz="1200"/>
           </a:p>
         </p:txBody>
       </p:sp>
       <p:pic>
         <p:nvPicPr>
-          <p:cNvPr id="109" name="Google Shape;109;p19"/>
+          <p:cNvPr id="114" name="Google Shape;114;p19"/>
           <p:cNvPicPr preferRelativeResize="0"/>
           <p:nvPr/>
         </p:nvPicPr>
@@ -10796,8 +10343,76 @@
         </p:blipFill>
         <p:spPr>
           <a:xfrm>
-            <a:off x="430825" y="1948350"/>
-            <a:ext cx="8218211" cy="3006124"/>
+            <a:off x="0" y="0"/>
+            <a:ext cx="9144000" cy="1709950"/>
+          </a:xfrm>
+          <a:prstGeom prst="rect">
+            <a:avLst/>
+          </a:prstGeom>
+          <a:noFill/>
+          <a:ln>
+            <a:noFill/>
+          </a:ln>
+        </p:spPr>
+      </p:pic>
+      <p:sp>
+        <p:nvSpPr>
+          <p:cNvPr id="115" name="Google Shape;115;p19"/>
+          <p:cNvSpPr txBox="1"/>
+          <p:nvPr>
+            <p:ph type="title"/>
+          </p:nvPr>
+        </p:nvSpPr>
+        <p:spPr>
+          <a:xfrm>
+            <a:off x="0" y="471125"/>
+            <a:ext cx="9144000" cy="767700"/>
+          </a:xfrm>
+          <a:prstGeom prst="rect">
+            <a:avLst/>
+          </a:prstGeom>
+        </p:spPr>
+        <p:txBody>
+          <a:bodyPr anchorCtr="0" anchor="b" bIns="91425" lIns="91425" spcFirstLastPara="1" rIns="91425" wrap="square" tIns="91425">
+            <a:noAutofit/>
+          </a:bodyPr>
+          <a:lstStyle/>
+          <a:p>
+            <a:pPr indent="0" lvl="0" marL="0" rtl="0" algn="l">
+              <a:spcBef>
+                <a:spcPts val="0"/>
+              </a:spcBef>
+              <a:spcAft>
+                <a:spcPts val="0"/>
+              </a:spcAft>
+              <a:buNone/>
+            </a:pPr>
+            <a:r>
+              <a:rPr lang="en"/>
+              <a:t>Our Crystal Ball</a:t>
+            </a:r>
+            <a:endParaRPr/>
+          </a:p>
+        </p:txBody>
+      </p:sp>
+      <p:pic>
+        <p:nvPicPr>
+          <p:cNvPr id="116" name="Google Shape;116;p19"/>
+          <p:cNvPicPr preferRelativeResize="0"/>
+          <p:nvPr/>
+        </p:nvPicPr>
+        <p:blipFill>
+          <a:blip r:embed="rId4">
+            <a:alphaModFix/>
+          </a:blip>
+          <a:stretch>
+            <a:fillRect/>
+          </a:stretch>
+        </p:blipFill>
+        <p:spPr>
+          <a:xfrm>
+            <a:off x="7033250" y="3742950"/>
+            <a:ext cx="1812026" cy="1319924"/>
           </a:xfrm>
           <a:prstGeom prst="rect">
             <a:avLst/>
@@ -10821,7 +10436,7 @@
   <p:cSld>
     <p:spTree>
       <p:nvGrpSpPr>
-        <p:cNvPr id="113" name="Shape 113"/>
+        <p:cNvPr id="120" name="Shape 120"/>
         <p:cNvGrpSpPr/>
         <p:nvPr/>
       </p:nvGrpSpPr>
@@ -10833,307 +10448,9 @@
           <a:chExt cx="0" cy="0"/>
         </a:xfrm>
       </p:grpSpPr>
-      <p:sp>
-        <p:nvSpPr>
-          <p:cNvPr id="114" name="Google Shape;114;p20"/>
-          <p:cNvSpPr txBox="1"/>
-          <p:nvPr>
-            <p:ph type="title"/>
-          </p:nvPr>
-        </p:nvSpPr>
-        <p:spPr>
-          <a:xfrm>
-            <a:off x="471900" y="738725"/>
-            <a:ext cx="8222100" cy="767700"/>
-          </a:xfrm>
-          <a:prstGeom prst="rect">
-            <a:avLst/>
-          </a:prstGeom>
-        </p:spPr>
-        <p:txBody>
-          <a:bodyPr anchorCtr="0" anchor="b" bIns="91425" lIns="91425" spcFirstLastPara="1" rIns="91425" wrap="square" tIns="91425">
-            <a:noAutofit/>
-          </a:bodyPr>
-          <a:lstStyle/>
-          <a:p>
-            <a:pPr indent="0" lvl="0" marL="0" rtl="0" algn="l">
-              <a:spcBef>
-                <a:spcPts val="0"/>
-              </a:spcBef>
-              <a:spcAft>
-                <a:spcPts val="0"/>
-              </a:spcAft>
-              <a:buNone/>
-            </a:pPr>
-            <a:r>
-              <a:rPr lang="en">
-                <a:solidFill>
-                  <a:srgbClr val="85200C"/>
-                </a:solidFill>
-              </a:rPr>
-              <a:t>Our Data </a:t>
-            </a:r>
-            <a:r>
-              <a:rPr lang="en">
-                <a:solidFill>
-                  <a:srgbClr val="85200C"/>
-                </a:solidFill>
-              </a:rPr>
-              <a:t> </a:t>
-            </a:r>
-            <a:endParaRPr>
-              <a:solidFill>
-                <a:srgbClr val="85200C"/>
-              </a:solidFill>
-            </a:endParaRPr>
-          </a:p>
-        </p:txBody>
-      </p:sp>
-      <p:sp>
-        <p:nvSpPr>
-          <p:cNvPr id="115" name="Google Shape;115;p20"/>
-          <p:cNvSpPr txBox="1"/>
-          <p:nvPr>
-            <p:ph idx="1" type="body"/>
-          </p:nvPr>
-        </p:nvSpPr>
-        <p:spPr>
-          <a:xfrm>
-            <a:off x="471900" y="1994050"/>
-            <a:ext cx="6329700" cy="2710200"/>
-          </a:xfrm>
-          <a:prstGeom prst="rect">
-            <a:avLst/>
-          </a:prstGeom>
-        </p:spPr>
-        <p:txBody>
-          <a:bodyPr anchorCtr="0" anchor="t" bIns="91425" lIns="91425" spcFirstLastPara="1" rIns="91425" wrap="square" tIns="91425">
-            <a:noAutofit/>
-          </a:bodyPr>
-          <a:lstStyle/>
-          <a:p>
-            <a:pPr indent="-330200" lvl="0" marL="914400" rtl="0" algn="l">
-              <a:spcBef>
-                <a:spcPts val="0"/>
-              </a:spcBef>
-              <a:spcAft>
-                <a:spcPts val="0"/>
-              </a:spcAft>
-              <a:buClr>
-                <a:srgbClr val="000000"/>
-              </a:buClr>
-              <a:buSzPts val="1600"/>
-              <a:buFont typeface="Arial"/>
-              <a:buChar char="●"/>
-            </a:pPr>
-            <a:r>
-              <a:rPr lang="en" sz="1600">
-                <a:solidFill>
-                  <a:srgbClr val="000000"/>
-                </a:solidFill>
-                <a:latin typeface="Arial"/>
-                <a:ea typeface="Arial"/>
-                <a:cs typeface="Arial"/>
-                <a:sym typeface="Arial"/>
-              </a:rPr>
-              <a:t>An anonymized data set that tracks the presence of heart disease.</a:t>
-            </a:r>
-            <a:endParaRPr sz="1600">
-              <a:solidFill>
-                <a:srgbClr val="000000"/>
-              </a:solidFill>
-              <a:latin typeface="Arial"/>
-              <a:ea typeface="Arial"/>
-              <a:cs typeface="Arial"/>
-              <a:sym typeface="Arial"/>
-            </a:endParaRPr>
-          </a:p>
-          <a:p>
-            <a:pPr indent="-330200" lvl="0" marL="914400" rtl="0" algn="l">
-              <a:spcBef>
-                <a:spcPts val="0"/>
-              </a:spcBef>
-              <a:spcAft>
-                <a:spcPts val="0"/>
-              </a:spcAft>
-              <a:buClr>
-                <a:srgbClr val="000000"/>
-              </a:buClr>
-              <a:buSzPts val="1600"/>
-              <a:buFont typeface="Arial"/>
-              <a:buChar char="●"/>
-            </a:pPr>
-            <a:r>
-              <a:rPr lang="en" sz="1600">
-                <a:solidFill>
-                  <a:srgbClr val="000000"/>
-                </a:solidFill>
-                <a:latin typeface="Arial"/>
-                <a:ea typeface="Arial"/>
-                <a:cs typeface="Arial"/>
-                <a:sym typeface="Arial"/>
-              </a:rPr>
-              <a:t>Has metrics for </a:t>
-            </a:r>
-            <a:r>
-              <a:rPr lang="en" sz="1600">
-                <a:solidFill>
-                  <a:srgbClr val="000000"/>
-                </a:solidFill>
-                <a:latin typeface="Arial"/>
-                <a:ea typeface="Arial"/>
-                <a:cs typeface="Arial"/>
-                <a:sym typeface="Arial"/>
-              </a:rPr>
-              <a:t>cholesterol, diastolic and systolic blood pressure, height and weight</a:t>
-            </a:r>
-            <a:endParaRPr sz="1600">
-              <a:solidFill>
-                <a:srgbClr val="000000"/>
-              </a:solidFill>
-              <a:latin typeface="Arial"/>
-              <a:ea typeface="Arial"/>
-              <a:cs typeface="Arial"/>
-              <a:sym typeface="Arial"/>
-            </a:endParaRPr>
-          </a:p>
-          <a:p>
-            <a:pPr indent="-330200" lvl="0" marL="914400" rtl="0" algn="l">
-              <a:spcBef>
-                <a:spcPts val="0"/>
-              </a:spcBef>
-              <a:spcAft>
-                <a:spcPts val="0"/>
-              </a:spcAft>
-              <a:buClr>
-                <a:srgbClr val="000000"/>
-              </a:buClr>
-              <a:buSzPts val="1600"/>
-              <a:buFont typeface="Arial"/>
-              <a:buChar char="●"/>
-            </a:pPr>
-            <a:r>
-              <a:rPr lang="en" sz="1600">
-                <a:solidFill>
-                  <a:srgbClr val="000000"/>
-                </a:solidFill>
-                <a:latin typeface="Arial"/>
-                <a:ea typeface="Arial"/>
-                <a:cs typeface="Arial"/>
-                <a:sym typeface="Arial"/>
-              </a:rPr>
-              <a:t>Tracks several lifestyle factors such as smoking and alcohol consumption.</a:t>
-            </a:r>
-            <a:endParaRPr sz="1600">
-              <a:solidFill>
-                <a:srgbClr val="000000"/>
-              </a:solidFill>
-              <a:latin typeface="Arial"/>
-              <a:ea typeface="Arial"/>
-              <a:cs typeface="Arial"/>
-              <a:sym typeface="Arial"/>
-            </a:endParaRPr>
-          </a:p>
-          <a:p>
-            <a:pPr indent="-330200" lvl="0" marL="914400" rtl="0" algn="l">
-              <a:spcBef>
-                <a:spcPts val="0"/>
-              </a:spcBef>
-              <a:spcAft>
-                <a:spcPts val="0"/>
-              </a:spcAft>
-              <a:buClr>
-                <a:srgbClr val="000000"/>
-              </a:buClr>
-              <a:buSzPts val="1600"/>
-              <a:buFont typeface="Arial"/>
-              <a:buChar char="●"/>
-            </a:pPr>
-            <a:r>
-              <a:rPr lang="en" sz="1600">
-                <a:solidFill>
-                  <a:srgbClr val="000000"/>
-                </a:solidFill>
-                <a:latin typeface="Arial"/>
-                <a:ea typeface="Arial"/>
-                <a:cs typeface="Arial"/>
-                <a:sym typeface="Arial"/>
-              </a:rPr>
-              <a:t>All participants are adults between 29 and 65.</a:t>
-            </a:r>
-            <a:endParaRPr sz="1600">
-              <a:solidFill>
-                <a:srgbClr val="000000"/>
-              </a:solidFill>
-              <a:latin typeface="Arial"/>
-              <a:ea typeface="Arial"/>
-              <a:cs typeface="Arial"/>
-              <a:sym typeface="Arial"/>
-            </a:endParaRPr>
-          </a:p>
-          <a:p>
-            <a:pPr indent="0" lvl="0" marL="0" rtl="0" algn="l">
-              <a:spcBef>
-                <a:spcPts val="0"/>
-              </a:spcBef>
-              <a:spcAft>
-                <a:spcPts val="1600"/>
-              </a:spcAft>
-              <a:buNone/>
-            </a:pPr>
-            <a:r>
-              <a:t/>
-            </a:r>
-            <a:endParaRPr>
-              <a:solidFill>
-                <a:srgbClr val="000000"/>
-              </a:solidFill>
-            </a:endParaRPr>
-          </a:p>
-        </p:txBody>
-      </p:sp>
-      <p:sp>
-        <p:nvSpPr>
-          <p:cNvPr id="116" name="Google Shape;116;p20"/>
-          <p:cNvSpPr txBox="1"/>
-          <p:nvPr>
-            <p:ph idx="2" type="body"/>
-          </p:nvPr>
-        </p:nvSpPr>
-        <p:spPr>
-          <a:xfrm>
-            <a:off x="7615450" y="3792375"/>
-            <a:ext cx="956400" cy="837000"/>
-          </a:xfrm>
-          <a:prstGeom prst="rect">
-            <a:avLst/>
-          </a:prstGeom>
-        </p:spPr>
-        <p:txBody>
-          <a:bodyPr anchorCtr="0" anchor="t" bIns="91425" lIns="91425" spcFirstLastPara="1" rIns="91425" wrap="square" tIns="91425">
-            <a:noAutofit/>
-          </a:bodyPr>
-          <a:lstStyle/>
-          <a:p>
-            <a:pPr indent="0" lvl="0" marL="0" rtl="0" algn="l">
-              <a:spcBef>
-                <a:spcPts val="0"/>
-              </a:spcBef>
-              <a:spcAft>
-                <a:spcPts val="1600"/>
-              </a:spcAft>
-              <a:buNone/>
-            </a:pPr>
-            <a:r>
-              <a:t/>
-            </a:r>
-            <a:endParaRPr/>
-          </a:p>
-        </p:txBody>
-      </p:sp>
       <p:pic>
         <p:nvPicPr>
-          <p:cNvPr id="117" name="Google Shape;117;p20"/>
+          <p:cNvPr id="121" name="Google Shape;121;p20"/>
           <p:cNvPicPr preferRelativeResize="0"/>
           <p:nvPr/>
         </p:nvPicPr>
@@ -11147,8 +10464,8 @@
         </p:blipFill>
         <p:spPr>
           <a:xfrm>
-            <a:off x="6440375" y="2337300"/>
-            <a:ext cx="2667551" cy="2806200"/>
+            <a:off x="0" y="0"/>
+            <a:ext cx="9144000" cy="1709950"/>
           </a:xfrm>
           <a:prstGeom prst="rect">
             <a:avLst/>
@@ -11159,34 +10476,9 @@
           </a:ln>
         </p:spPr>
       </p:pic>
-    </p:spTree>
-  </p:cSld>
-  <p:clrMapOvr>
-    <a:masterClrMapping/>
-  </p:clrMapOvr>
-</p:sld>
-</file>
-
-<file path=ppt/slides/slide9.xml><?xml version="1.0" encoding="utf-8"?>
-<p:sld xmlns:a="http://schemas.openxmlformats.org/drawingml/2006/main" xmlns:r="http://schemas.openxmlformats.org/officeDocument/2006/relationships" xmlns:mc="http://schemas.openxmlformats.org/markup-compatibility/2006" xmlns:mv="urn:schemas-microsoft-com:mac:vml" xmlns:p="http://schemas.openxmlformats.org/presentationml/2006/main" xmlns:c="http://schemas.openxmlformats.org/drawingml/2006/chart" xmlns:dgm="http://schemas.openxmlformats.org/drawingml/2006/diagram" xmlns:o="urn:schemas-microsoft-com:office:office" xmlns:v="urn:schemas-microsoft-com:vml" xmlns:pvml="urn:schemas-microsoft-com:office:powerpoint" xmlns:com="http://schemas.openxmlformats.org/drawingml/2006/compatibility" xmlns:p14="http://schemas.microsoft.com/office/powerpoint/2010/main" xmlns:p15="http://schemas.microsoft.com/office/powerpoint/2012/main" xmlns:ahyp="http://schemas.microsoft.com/office/drawing/2018/hyperlinkcolor">
-  <p:cSld>
-    <p:spTree>
-      <p:nvGrpSpPr>
-        <p:cNvPr id="121" name="Shape 121"/>
-        <p:cNvGrpSpPr/>
-        <p:nvPr/>
-      </p:nvGrpSpPr>
-      <p:grpSpPr>
-        <a:xfrm>
-          <a:off x="0" y="0"/>
-          <a:ext cx="0" cy="0"/>
-          <a:chOff x="0" y="0"/>
-          <a:chExt cx="0" cy="0"/>
-        </a:xfrm>
-      </p:grpSpPr>
       <p:sp>
         <p:nvSpPr>
-          <p:cNvPr id="122" name="Google Shape;122;p21"/>
+          <p:cNvPr id="122" name="Google Shape;122;p20"/>
           <p:cNvSpPr txBox="1"/>
           <p:nvPr>
             <p:ph type="title"/>
@@ -11194,8 +10486,8 @@
         </p:nvSpPr>
         <p:spPr>
           <a:xfrm>
-            <a:off x="276950" y="108900"/>
-            <a:ext cx="8222100" cy="767700"/>
+            <a:off x="0" y="471125"/>
+            <a:ext cx="9144000" cy="767700"/>
           </a:xfrm>
           <a:prstGeom prst="rect">
             <a:avLst/>
@@ -11217,12 +10509,590 @@
               <a:buNone/>
             </a:pPr>
             <a:r>
-              <a:rPr lang="en">
-                <a:solidFill>
-                  <a:srgbClr val="85200C"/>
-                </a:solidFill>
+              <a:rPr lang="en"/>
+              <a:t>Risks and Results</a:t>
+            </a:r>
+            <a:endParaRPr/>
+          </a:p>
+        </p:txBody>
+      </p:sp>
+      <p:pic>
+        <p:nvPicPr>
+          <p:cNvPr id="123" name="Google Shape;123;p20"/>
+          <p:cNvPicPr preferRelativeResize="0"/>
+          <p:nvPr/>
+        </p:nvPicPr>
+        <p:blipFill>
+          <a:blip r:embed="rId4">
+            <a:alphaModFix/>
+          </a:blip>
+          <a:stretch>
+            <a:fillRect/>
+          </a:stretch>
+        </p:blipFill>
+        <p:spPr>
+          <a:xfrm>
+            <a:off x="73387" y="2633350"/>
+            <a:ext cx="3004425" cy="2529425"/>
+          </a:xfrm>
+          <a:prstGeom prst="rect">
+            <a:avLst/>
+          </a:prstGeom>
+          <a:noFill/>
+          <a:ln>
+            <a:noFill/>
+          </a:ln>
+        </p:spPr>
+      </p:pic>
+      <p:sp>
+        <p:nvSpPr>
+          <p:cNvPr id="124" name="Google Shape;124;p20"/>
+          <p:cNvSpPr txBox="1"/>
+          <p:nvPr/>
+        </p:nvSpPr>
+        <p:spPr>
+          <a:xfrm>
+            <a:off x="0" y="1709950"/>
+            <a:ext cx="4117500" cy="923400"/>
+          </a:xfrm>
+          <a:prstGeom prst="rect">
+            <a:avLst/>
+          </a:prstGeom>
+          <a:noFill/>
+          <a:ln>
+            <a:noFill/>
+          </a:ln>
+        </p:spPr>
+        <p:txBody>
+          <a:bodyPr anchorCtr="0" anchor="t" bIns="91425" lIns="91425" spcFirstLastPara="1" rIns="91425" wrap="square" tIns="91425">
+            <a:spAutoFit/>
+          </a:bodyPr>
+          <a:lstStyle/>
+          <a:p>
+            <a:pPr indent="0" lvl="0" marL="0" rtl="0" algn="l">
+              <a:spcBef>
+                <a:spcPts val="0"/>
+              </a:spcBef>
+              <a:spcAft>
+                <a:spcPts val="0"/>
+              </a:spcAft>
+              <a:buNone/>
+            </a:pPr>
+            <a:r>
+              <a:rPr lang="en" sz="1600">
+                <a:latin typeface="Roboto"/>
+                <a:ea typeface="Roboto"/>
+                <a:cs typeface="Roboto"/>
+                <a:sym typeface="Roboto"/>
               </a:rPr>
-              <a:t>Our Methods and Technology Part 1</a:t>
+              <a:t>Model evaluation criteria:</a:t>
+            </a:r>
+            <a:endParaRPr sz="1600">
+              <a:latin typeface="Roboto"/>
+              <a:ea typeface="Roboto"/>
+              <a:cs typeface="Roboto"/>
+              <a:sym typeface="Roboto"/>
+            </a:endParaRPr>
+          </a:p>
+          <a:p>
+            <a:pPr indent="-330200" lvl="0" marL="457200" rtl="0" algn="l">
+              <a:spcBef>
+                <a:spcPts val="0"/>
+              </a:spcBef>
+              <a:spcAft>
+                <a:spcPts val="0"/>
+              </a:spcAft>
+              <a:buSzPts val="1600"/>
+              <a:buFont typeface="Roboto"/>
+              <a:buChar char="●"/>
+            </a:pPr>
+            <a:r>
+              <a:rPr lang="en" sz="1600">
+                <a:latin typeface="Roboto"/>
+                <a:ea typeface="Roboto"/>
+                <a:cs typeface="Roboto"/>
+                <a:sym typeface="Roboto"/>
+              </a:rPr>
+              <a:t>Overall accuracy of predicting CVD</a:t>
+            </a:r>
+            <a:endParaRPr sz="1600">
+              <a:latin typeface="Roboto"/>
+              <a:ea typeface="Roboto"/>
+              <a:cs typeface="Roboto"/>
+              <a:sym typeface="Roboto"/>
+            </a:endParaRPr>
+          </a:p>
+          <a:p>
+            <a:pPr indent="-330200" lvl="0" marL="457200" rtl="0" algn="l">
+              <a:spcBef>
+                <a:spcPts val="0"/>
+              </a:spcBef>
+              <a:spcAft>
+                <a:spcPts val="0"/>
+              </a:spcAft>
+              <a:buSzPts val="1600"/>
+              <a:buFont typeface="Roboto"/>
+              <a:buChar char="●"/>
+            </a:pPr>
+            <a:r>
+              <a:rPr lang="en" sz="1600">
+                <a:latin typeface="Roboto"/>
+                <a:ea typeface="Roboto"/>
+                <a:cs typeface="Roboto"/>
+                <a:sym typeface="Roboto"/>
+              </a:rPr>
+              <a:t>Reducing false negatives </a:t>
+            </a:r>
+            <a:endParaRPr sz="1600">
+              <a:latin typeface="Roboto"/>
+              <a:ea typeface="Roboto"/>
+              <a:cs typeface="Roboto"/>
+              <a:sym typeface="Roboto"/>
+            </a:endParaRPr>
+          </a:p>
+        </p:txBody>
+      </p:sp>
+      <p:sp>
+        <p:nvSpPr>
+          <p:cNvPr id="125" name="Google Shape;125;p20"/>
+          <p:cNvSpPr txBox="1"/>
+          <p:nvPr/>
+        </p:nvSpPr>
+        <p:spPr>
+          <a:xfrm>
+            <a:off x="5341200" y="1764675"/>
+            <a:ext cx="3802800" cy="431100"/>
+          </a:xfrm>
+          <a:prstGeom prst="rect">
+            <a:avLst/>
+          </a:prstGeom>
+          <a:noFill/>
+          <a:ln>
+            <a:noFill/>
+          </a:ln>
+        </p:spPr>
+        <p:txBody>
+          <a:bodyPr anchorCtr="0" anchor="t" bIns="91425" lIns="91425" spcFirstLastPara="1" rIns="91425" wrap="square" tIns="91425">
+            <a:spAutoFit/>
+          </a:bodyPr>
+          <a:lstStyle/>
+          <a:p>
+            <a:pPr indent="0" lvl="0" marL="0" rtl="0" algn="l">
+              <a:spcBef>
+                <a:spcPts val="0"/>
+              </a:spcBef>
+              <a:spcAft>
+                <a:spcPts val="0"/>
+              </a:spcAft>
+              <a:buNone/>
+            </a:pPr>
+            <a:r>
+              <a:rPr lang="en" sz="1600">
+                <a:latin typeface="Roboto"/>
+                <a:ea typeface="Roboto"/>
+                <a:cs typeface="Roboto"/>
+                <a:sym typeface="Roboto"/>
+              </a:rPr>
+              <a:t>Contributing factors for CVD prediction</a:t>
+            </a:r>
+            <a:endParaRPr sz="1600">
+              <a:latin typeface="Roboto"/>
+              <a:ea typeface="Roboto"/>
+              <a:cs typeface="Roboto"/>
+              <a:sym typeface="Roboto"/>
+            </a:endParaRPr>
+          </a:p>
+        </p:txBody>
+      </p:sp>
+      <p:pic>
+        <p:nvPicPr>
+          <p:cNvPr id="126" name="Google Shape;126;p20"/>
+          <p:cNvPicPr preferRelativeResize="0"/>
+          <p:nvPr/>
+        </p:nvPicPr>
+        <p:blipFill>
+          <a:blip r:embed="rId5">
+            <a:alphaModFix/>
+          </a:blip>
+          <a:stretch>
+            <a:fillRect/>
+          </a:stretch>
+        </p:blipFill>
+        <p:spPr>
+          <a:xfrm>
+            <a:off x="6073500" y="2250491"/>
+            <a:ext cx="3004449" cy="2850659"/>
+          </a:xfrm>
+          <a:prstGeom prst="rect">
+            <a:avLst/>
+          </a:prstGeom>
+          <a:noFill/>
+          <a:ln>
+            <a:noFill/>
+          </a:ln>
+        </p:spPr>
+      </p:pic>
+      <p:sp>
+        <p:nvSpPr>
+          <p:cNvPr id="127" name="Google Shape;127;p20"/>
+          <p:cNvSpPr txBox="1"/>
+          <p:nvPr/>
+        </p:nvSpPr>
+        <p:spPr>
+          <a:xfrm>
+            <a:off x="3351475" y="2872700"/>
+            <a:ext cx="2479200" cy="1539300"/>
+          </a:xfrm>
+          <a:prstGeom prst="rect">
+            <a:avLst/>
+          </a:prstGeom>
+          <a:solidFill>
+            <a:srgbClr val="FFF2CC"/>
+          </a:solidFill>
+          <a:ln cap="flat" cmpd="sng" w="9525">
+            <a:solidFill>
+              <a:srgbClr val="5B0F00"/>
+            </a:solidFill>
+            <a:prstDash val="solid"/>
+            <a:round/>
+            <a:headEnd len="sm" w="sm" type="none"/>
+            <a:tailEnd len="sm" w="sm" type="none"/>
+          </a:ln>
+        </p:spPr>
+        <p:txBody>
+          <a:bodyPr anchorCtr="0" anchor="t" bIns="91425" lIns="91425" spcFirstLastPara="1" rIns="91425" wrap="square" tIns="91425">
+            <a:spAutoFit/>
+          </a:bodyPr>
+          <a:lstStyle/>
+          <a:p>
+            <a:pPr indent="0" lvl="0" marL="0" rtl="0" algn="ctr">
+              <a:lnSpc>
+                <a:spcPct val="150000"/>
+              </a:lnSpc>
+              <a:spcBef>
+                <a:spcPts val="0"/>
+              </a:spcBef>
+              <a:spcAft>
+                <a:spcPts val="0"/>
+              </a:spcAft>
+              <a:buNone/>
+            </a:pPr>
+            <a:r>
+              <a:rPr b="1" lang="en" sz="1600" u="sng">
+                <a:solidFill>
+                  <a:srgbClr val="980000"/>
+                </a:solidFill>
+                <a:highlight>
+                  <a:srgbClr val="FFF2CC"/>
+                </a:highlight>
+                <a:latin typeface="Roboto"/>
+                <a:ea typeface="Roboto"/>
+                <a:cs typeface="Roboto"/>
+                <a:sym typeface="Roboto"/>
+              </a:rPr>
+              <a:t>Results</a:t>
+            </a:r>
+            <a:endParaRPr b="1" sz="1600" u="sng">
+              <a:solidFill>
+                <a:srgbClr val="980000"/>
+              </a:solidFill>
+              <a:highlight>
+                <a:srgbClr val="FFF2CC"/>
+              </a:highlight>
+              <a:latin typeface="Roboto"/>
+              <a:ea typeface="Roboto"/>
+              <a:cs typeface="Roboto"/>
+              <a:sym typeface="Roboto"/>
+            </a:endParaRPr>
+          </a:p>
+          <a:p>
+            <a:pPr indent="0" lvl="0" marL="0" rtl="0" algn="ctr">
+              <a:lnSpc>
+                <a:spcPct val="150000"/>
+              </a:lnSpc>
+              <a:spcBef>
+                <a:spcPts val="0"/>
+              </a:spcBef>
+              <a:spcAft>
+                <a:spcPts val="0"/>
+              </a:spcAft>
+              <a:buNone/>
+            </a:pPr>
+            <a:r>
+              <a:rPr b="1" lang="en" sz="1600">
+                <a:solidFill>
+                  <a:srgbClr val="980000"/>
+                </a:solidFill>
+                <a:highlight>
+                  <a:srgbClr val="FFF2CC"/>
+                </a:highlight>
+                <a:latin typeface="Roboto"/>
+                <a:ea typeface="Roboto"/>
+                <a:cs typeface="Roboto"/>
+                <a:sym typeface="Roboto"/>
+              </a:rPr>
+              <a:t>Overall Accuracy: 74%</a:t>
+            </a:r>
+            <a:endParaRPr b="1" sz="1600">
+              <a:solidFill>
+                <a:srgbClr val="980000"/>
+              </a:solidFill>
+              <a:highlight>
+                <a:srgbClr val="FFF2CC"/>
+              </a:highlight>
+              <a:latin typeface="Roboto"/>
+              <a:ea typeface="Roboto"/>
+              <a:cs typeface="Roboto"/>
+              <a:sym typeface="Roboto"/>
+            </a:endParaRPr>
+          </a:p>
+          <a:p>
+            <a:pPr indent="0" lvl="0" marL="0" rtl="0" algn="ctr">
+              <a:lnSpc>
+                <a:spcPct val="150000"/>
+              </a:lnSpc>
+              <a:spcBef>
+                <a:spcPts val="0"/>
+              </a:spcBef>
+              <a:spcAft>
+                <a:spcPts val="0"/>
+              </a:spcAft>
+              <a:buNone/>
+            </a:pPr>
+            <a:r>
+              <a:rPr b="1" lang="en" sz="1600">
+                <a:solidFill>
+                  <a:srgbClr val="980000"/>
+                </a:solidFill>
+                <a:highlight>
+                  <a:srgbClr val="FFF2CC"/>
+                </a:highlight>
+                <a:latin typeface="Roboto"/>
+                <a:ea typeface="Roboto"/>
+                <a:cs typeface="Roboto"/>
+                <a:sym typeface="Roboto"/>
+              </a:rPr>
+              <a:t>Low Risk Accuracy: 80%</a:t>
+            </a:r>
+            <a:endParaRPr b="1" sz="1600">
+              <a:solidFill>
+                <a:srgbClr val="980000"/>
+              </a:solidFill>
+              <a:highlight>
+                <a:srgbClr val="FFF2CC"/>
+              </a:highlight>
+              <a:latin typeface="Roboto"/>
+              <a:ea typeface="Roboto"/>
+              <a:cs typeface="Roboto"/>
+              <a:sym typeface="Roboto"/>
+            </a:endParaRPr>
+          </a:p>
+          <a:p>
+            <a:pPr indent="0" lvl="0" marL="0" rtl="0" algn="ctr">
+              <a:lnSpc>
+                <a:spcPct val="150000"/>
+              </a:lnSpc>
+              <a:spcBef>
+                <a:spcPts val="0"/>
+              </a:spcBef>
+              <a:spcAft>
+                <a:spcPts val="0"/>
+              </a:spcAft>
+              <a:buNone/>
+            </a:pPr>
+            <a:r>
+              <a:rPr b="1" lang="en" sz="1600">
+                <a:solidFill>
+                  <a:srgbClr val="980000"/>
+                </a:solidFill>
+                <a:highlight>
+                  <a:srgbClr val="FFF2CC"/>
+                </a:highlight>
+                <a:latin typeface="Roboto"/>
+                <a:ea typeface="Roboto"/>
+                <a:cs typeface="Roboto"/>
+                <a:sym typeface="Roboto"/>
+              </a:rPr>
+              <a:t>High Risk Accuracy: 68%</a:t>
+            </a:r>
+            <a:endParaRPr b="1" sz="1600">
+              <a:solidFill>
+                <a:srgbClr val="980000"/>
+              </a:solidFill>
+              <a:highlight>
+                <a:srgbClr val="FFF2CC"/>
+              </a:highlight>
+              <a:latin typeface="Roboto"/>
+              <a:ea typeface="Roboto"/>
+              <a:cs typeface="Roboto"/>
+              <a:sym typeface="Roboto"/>
+            </a:endParaRPr>
+          </a:p>
+        </p:txBody>
+      </p:sp>
+    </p:spTree>
+  </p:cSld>
+  <p:clrMapOvr>
+    <a:masterClrMapping/>
+  </p:clrMapOvr>
+  <p:timing>
+    <p:tnLst>
+      <p:par>
+        <p:cTn dur="indefinite" nodeType="tmRoot" restart="never">
+          <p:childTnLst>
+            <p:seq concurrent="1" nextAc="seek">
+              <p:cTn dur="indefinite" id="2" nodeType="mainSeq">
+                <p:childTnLst>
+                  <p:par>
+                    <p:cTn fill="hold">
+                      <p:stCondLst>
+                        <p:cond delay="indefinite"/>
+                      </p:stCondLst>
+                      <p:childTnLst>
+                        <p:par>
+                          <p:cTn fill="hold">
+                            <p:stCondLst>
+                              <p:cond delay="0"/>
+                            </p:stCondLst>
+                            <p:childTnLst>
+                              <p:par>
+                                <p:cTn fill="hold" nodeType="clickEffect" presetClass="entr" presetID="1" presetSubtype="0">
+                                  <p:stCondLst>
+                                    <p:cond delay="0"/>
+                                  </p:stCondLst>
+                                  <p:childTnLst>
+                                    <p:set>
+                                      <p:cBhvr>
+                                        <p:cTn dur="1" fill="hold">
+                                          <p:stCondLst>
+                                            <p:cond delay="0"/>
+                                          </p:stCondLst>
+                                        </p:cTn>
+                                        <p:tgtEl>
+                                          <p:spTgt spid="127"/>
+                                        </p:tgtEl>
+                                        <p:attrNameLst>
+                                          <p:attrName>style.visibility</p:attrName>
+                                        </p:attrNameLst>
+                                      </p:cBhvr>
+                                      <p:to>
+                                        <p:strVal val="visible"/>
+                                      </p:to>
+                                    </p:set>
+                                  </p:childTnLst>
+                                </p:cTn>
+                              </p:par>
+                            </p:childTnLst>
+                          </p:cTn>
+                        </p:par>
+                      </p:childTnLst>
+                    </p:cTn>
+                  </p:par>
+                </p:childTnLst>
+              </p:cTn>
+              <p:prevCondLst>
+                <p:cond evt="onPrev">
+                  <p:tgtEl>
+                    <p:sldTgt/>
+                  </p:tgtEl>
+                </p:cond>
+              </p:prevCondLst>
+              <p:nextCondLst>
+                <p:cond evt="onNext">
+                  <p:tgtEl>
+                    <p:sldTgt/>
+                  </p:tgtEl>
+                </p:cond>
+              </p:nextCondLst>
+            </p:seq>
+          </p:childTnLst>
+        </p:cTn>
+      </p:par>
+    </p:tnLst>
+  </p:timing>
+</p:sld>
+</file>
+
+<file path=ppt/slides/slide9.xml><?xml version="1.0" encoding="utf-8"?>
+<p:sld xmlns:a="http://schemas.openxmlformats.org/drawingml/2006/main" xmlns:r="http://schemas.openxmlformats.org/officeDocument/2006/relationships" xmlns:mc="http://schemas.openxmlformats.org/markup-compatibility/2006" xmlns:mv="urn:schemas-microsoft-com:mac:vml" xmlns:p="http://schemas.openxmlformats.org/presentationml/2006/main" xmlns:c="http://schemas.openxmlformats.org/drawingml/2006/chart" xmlns:dgm="http://schemas.openxmlformats.org/drawingml/2006/diagram" xmlns:o="urn:schemas-microsoft-com:office:office" xmlns:v="urn:schemas-microsoft-com:vml" xmlns:pvml="urn:schemas-microsoft-com:office:powerpoint" xmlns:com="http://schemas.openxmlformats.org/drawingml/2006/compatibility" xmlns:p14="http://schemas.microsoft.com/office/powerpoint/2010/main" xmlns:p15="http://schemas.microsoft.com/office/powerpoint/2012/main" xmlns:ahyp="http://schemas.microsoft.com/office/drawing/2018/hyperlinkcolor">
+  <p:cSld>
+    <p:spTree>
+      <p:nvGrpSpPr>
+        <p:cNvPr id="131" name="Shape 131"/>
+        <p:cNvGrpSpPr/>
+        <p:nvPr/>
+      </p:nvGrpSpPr>
+      <p:grpSpPr>
+        <a:xfrm>
+          <a:off x="0" y="0"/>
+          <a:ext cx="0" cy="0"/>
+          <a:chOff x="0" y="0"/>
+          <a:chExt cx="0" cy="0"/>
+        </a:xfrm>
+      </p:grpSpPr>
+      <p:pic>
+        <p:nvPicPr>
+          <p:cNvPr id="132" name="Google Shape;132;p21"/>
+          <p:cNvPicPr preferRelativeResize="0"/>
+          <p:nvPr/>
+        </p:nvPicPr>
+        <p:blipFill>
+          <a:blip r:embed="rId3">
+            <a:alphaModFix/>
+          </a:blip>
+          <a:stretch>
+            <a:fillRect/>
+          </a:stretch>
+        </p:blipFill>
+        <p:spPr>
+          <a:xfrm>
+            <a:off x="0" y="0"/>
+            <a:ext cx="9144000" cy="1704975"/>
+          </a:xfrm>
+          <a:prstGeom prst="rect">
+            <a:avLst/>
+          </a:prstGeom>
+          <a:noFill/>
+          <a:ln>
+            <a:noFill/>
+          </a:ln>
+        </p:spPr>
+      </p:pic>
+      <p:sp>
+        <p:nvSpPr>
+          <p:cNvPr id="133" name="Google Shape;133;p21"/>
+          <p:cNvSpPr txBox="1"/>
+          <p:nvPr>
+            <p:ph type="title"/>
+          </p:nvPr>
+        </p:nvSpPr>
+        <p:spPr>
+          <a:xfrm>
+            <a:off x="0" y="468625"/>
+            <a:ext cx="9144000" cy="767700"/>
+          </a:xfrm>
+          <a:prstGeom prst="rect">
+            <a:avLst/>
+          </a:prstGeom>
+        </p:spPr>
+        <p:txBody>
+          <a:bodyPr anchorCtr="0" anchor="b" bIns="91425" lIns="91425" spcFirstLastPara="1" rIns="91425" wrap="square" tIns="91425">
+            <a:noAutofit/>
+          </a:bodyPr>
+          <a:lstStyle/>
+          <a:p>
+            <a:pPr indent="0" lvl="0" marL="0" rtl="0" algn="l">
+              <a:spcBef>
+                <a:spcPts val="0"/>
+              </a:spcBef>
+              <a:spcAft>
+                <a:spcPts val="0"/>
+              </a:spcAft>
+              <a:buNone/>
+            </a:pPr>
+            <a:r>
+              <a:rPr lang="en"/>
+              <a:t>Tools</a:t>
             </a:r>
             <a:endParaRPr>
               <a:solidFill>
@@ -11232,276 +11102,2378 @@
           </a:p>
         </p:txBody>
       </p:sp>
-      <p:sp>
-        <p:nvSpPr>
-          <p:cNvPr id="123" name="Google Shape;123;p21"/>
-          <p:cNvSpPr txBox="1"/>
-          <p:nvPr>
-            <p:ph idx="1" type="body"/>
-          </p:nvPr>
-        </p:nvSpPr>
+      <p:graphicFrame>
+        <p:nvGraphicFramePr>
+          <p:cNvPr id="134" name="Google Shape;134;p21"/>
+          <p:cNvGraphicFramePr/>
+          <p:nvPr/>
+        </p:nvGraphicFramePr>
+        <p:xfrm>
+          <a:off x="91850" y="1907353"/>
+          <a:ext cx="3000000" cy="3000000"/>
+        </p:xfrm>
+        <a:graphic>
+          <a:graphicData uri="http://schemas.openxmlformats.org/drawingml/2006/table">
+            <a:tbl>
+              <a:tblPr>
+                <a:noFill/>
+                <a:tableStyleId>{CDA3FD41-F73F-4958-82C3-CDE7878CAC14}</a:tableStyleId>
+              </a:tblPr>
+              <a:tblGrid>
+                <a:gridCol w="1387675"/>
+                <a:gridCol w="1615850"/>
+                <a:gridCol w="1501775"/>
+                <a:gridCol w="1501775"/>
+                <a:gridCol w="1501775"/>
+                <a:gridCol w="1501775"/>
+              </a:tblGrid>
+              <a:tr h="822925">
+                <a:tc>
+                  <a:txBody>
+                    <a:bodyPr/>
+                    <a:lstStyle/>
+                    <a:p>
+                      <a:pPr indent="0" lvl="0" marL="0" rtl="0" algn="ctr">
+                        <a:spcBef>
+                          <a:spcPts val="0"/>
+                        </a:spcBef>
+                        <a:spcAft>
+                          <a:spcPts val="0"/>
+                        </a:spcAft>
+                        <a:buNone/>
+                      </a:pPr>
+                      <a:r>
+                        <a:rPr b="1" lang="en">
+                          <a:latin typeface="Roboto"/>
+                          <a:ea typeface="Roboto"/>
+                          <a:cs typeface="Roboto"/>
+                          <a:sym typeface="Roboto"/>
+                        </a:rPr>
+                        <a:t>Tools</a:t>
+                      </a:r>
+                      <a:endParaRPr b="1">
+                        <a:latin typeface="Roboto"/>
+                        <a:ea typeface="Roboto"/>
+                        <a:cs typeface="Roboto"/>
+                        <a:sym typeface="Roboto"/>
+                      </a:endParaRPr>
+                    </a:p>
+                  </a:txBody>
+                  <a:tcPr marT="91425" marB="91425" marR="91425" marL="91425" anchor="ctr">
+                    <a:lnL cap="flat" cmpd="sng" w="9525">
+                      <a:solidFill>
+                        <a:srgbClr val="000000"/>
+                      </a:solidFill>
+                      <a:prstDash val="solid"/>
+                      <a:round/>
+                      <a:headEnd len="sm" w="sm" type="none"/>
+                      <a:tailEnd len="sm" w="sm" type="none"/>
+                    </a:lnL>
+                    <a:lnR cap="flat" cmpd="sng" w="9525">
+                      <a:solidFill>
+                        <a:srgbClr val="000000"/>
+                      </a:solidFill>
+                      <a:prstDash val="solid"/>
+                      <a:round/>
+                      <a:headEnd len="sm" w="sm" type="none"/>
+                      <a:tailEnd len="sm" w="sm" type="none"/>
+                    </a:lnR>
+                    <a:lnT cap="flat" cmpd="sng" w="9525">
+                      <a:solidFill>
+                        <a:srgbClr val="000000"/>
+                      </a:solidFill>
+                      <a:prstDash val="solid"/>
+                      <a:round/>
+                      <a:headEnd len="sm" w="sm" type="none"/>
+                      <a:tailEnd len="sm" w="sm" type="none"/>
+                    </a:lnT>
+                    <a:lnB cap="flat" cmpd="sng" w="9525">
+                      <a:solidFill>
+                        <a:srgbClr val="000000"/>
+                      </a:solidFill>
+                      <a:prstDash val="solid"/>
+                      <a:round/>
+                      <a:headEnd len="sm" w="sm" type="none"/>
+                      <a:tailEnd len="sm" w="sm" type="none"/>
+                    </a:lnB>
+                  </a:tcPr>
+                </a:tc>
+                <a:tc>
+                  <a:txBody>
+                    <a:bodyPr/>
+                    <a:lstStyle/>
+                    <a:p>
+                      <a:pPr indent="0" lvl="0" marL="0" rtl="0" algn="ctr">
+                        <a:spcBef>
+                          <a:spcPts val="0"/>
+                        </a:spcBef>
+                        <a:spcAft>
+                          <a:spcPts val="0"/>
+                        </a:spcAft>
+                        <a:buNone/>
+                      </a:pPr>
+                      <a:r>
+                        <a:rPr b="1" lang="en">
+                          <a:latin typeface="Roboto"/>
+                          <a:ea typeface="Roboto"/>
+                          <a:cs typeface="Roboto"/>
+                          <a:sym typeface="Roboto"/>
+                        </a:rPr>
+                        <a:t>Data Exploration</a:t>
+                      </a:r>
+                      <a:endParaRPr b="1">
+                        <a:latin typeface="Roboto"/>
+                        <a:ea typeface="Roboto"/>
+                        <a:cs typeface="Roboto"/>
+                        <a:sym typeface="Roboto"/>
+                      </a:endParaRPr>
+                    </a:p>
+                  </a:txBody>
+                  <a:tcPr marT="91425" marB="91425" marR="91425" marL="91425" anchor="ctr">
+                    <a:lnL cap="flat" cmpd="sng" w="9525">
+                      <a:solidFill>
+                        <a:srgbClr val="000000"/>
+                      </a:solidFill>
+                      <a:prstDash val="solid"/>
+                      <a:round/>
+                      <a:headEnd len="sm" w="sm" type="none"/>
+                      <a:tailEnd len="sm" w="sm" type="none"/>
+                    </a:lnL>
+                    <a:lnR cap="flat" cmpd="sng" w="9525">
+                      <a:solidFill>
+                        <a:srgbClr val="000000"/>
+                      </a:solidFill>
+                      <a:prstDash val="solid"/>
+                      <a:round/>
+                      <a:headEnd len="sm" w="sm" type="none"/>
+                      <a:tailEnd len="sm" w="sm" type="none"/>
+                    </a:lnR>
+                    <a:lnT cap="flat" cmpd="sng" w="9525">
+                      <a:solidFill>
+                        <a:srgbClr val="000000"/>
+                      </a:solidFill>
+                      <a:prstDash val="solid"/>
+                      <a:round/>
+                      <a:headEnd len="sm" w="sm" type="none"/>
+                      <a:tailEnd len="sm" w="sm" type="none"/>
+                    </a:lnT>
+                    <a:lnB cap="flat" cmpd="sng" w="9525">
+                      <a:solidFill>
+                        <a:srgbClr val="000000"/>
+                      </a:solidFill>
+                      <a:prstDash val="solid"/>
+                      <a:round/>
+                      <a:headEnd len="sm" w="sm" type="none"/>
+                      <a:tailEnd len="sm" w="sm" type="none"/>
+                    </a:lnB>
+                  </a:tcPr>
+                </a:tc>
+                <a:tc>
+                  <a:txBody>
+                    <a:bodyPr/>
+                    <a:lstStyle/>
+                    <a:p>
+                      <a:pPr indent="0" lvl="0" marL="0" rtl="0" algn="ctr">
+                        <a:spcBef>
+                          <a:spcPts val="0"/>
+                        </a:spcBef>
+                        <a:spcAft>
+                          <a:spcPts val="0"/>
+                        </a:spcAft>
+                        <a:buNone/>
+                      </a:pPr>
+                      <a:r>
+                        <a:rPr b="1" lang="en">
+                          <a:latin typeface="Roboto"/>
+                          <a:ea typeface="Roboto"/>
+                          <a:cs typeface="Roboto"/>
+                          <a:sym typeface="Roboto"/>
+                        </a:rPr>
+                        <a:t>Extract, Transform, Load</a:t>
+                      </a:r>
+                      <a:endParaRPr b="1">
+                        <a:latin typeface="Roboto"/>
+                        <a:ea typeface="Roboto"/>
+                        <a:cs typeface="Roboto"/>
+                        <a:sym typeface="Roboto"/>
+                      </a:endParaRPr>
+                    </a:p>
+                  </a:txBody>
+                  <a:tcPr marT="91425" marB="91425" marR="91425" marL="91425" anchor="ctr">
+                    <a:lnL cap="flat" cmpd="sng" w="9525">
+                      <a:solidFill>
+                        <a:srgbClr val="000000"/>
+                      </a:solidFill>
+                      <a:prstDash val="solid"/>
+                      <a:round/>
+                      <a:headEnd len="sm" w="sm" type="none"/>
+                      <a:tailEnd len="sm" w="sm" type="none"/>
+                    </a:lnL>
+                    <a:lnR cap="flat" cmpd="sng" w="9525">
+                      <a:solidFill>
+                        <a:srgbClr val="000000"/>
+                      </a:solidFill>
+                      <a:prstDash val="solid"/>
+                      <a:round/>
+                      <a:headEnd len="sm" w="sm" type="none"/>
+                      <a:tailEnd len="sm" w="sm" type="none"/>
+                    </a:lnR>
+                    <a:lnT cap="flat" cmpd="sng" w="9525">
+                      <a:solidFill>
+                        <a:srgbClr val="000000"/>
+                      </a:solidFill>
+                      <a:prstDash val="solid"/>
+                      <a:round/>
+                      <a:headEnd len="sm" w="sm" type="none"/>
+                      <a:tailEnd len="sm" w="sm" type="none"/>
+                    </a:lnT>
+                    <a:lnB cap="flat" cmpd="sng" w="9525">
+                      <a:solidFill>
+                        <a:srgbClr val="000000"/>
+                      </a:solidFill>
+                      <a:prstDash val="solid"/>
+                      <a:round/>
+                      <a:headEnd len="sm" w="sm" type="none"/>
+                      <a:tailEnd len="sm" w="sm" type="none"/>
+                    </a:lnB>
+                  </a:tcPr>
+                </a:tc>
+                <a:tc>
+                  <a:txBody>
+                    <a:bodyPr/>
+                    <a:lstStyle/>
+                    <a:p>
+                      <a:pPr indent="0" lvl="0" marL="0" rtl="0" algn="ctr">
+                        <a:spcBef>
+                          <a:spcPts val="0"/>
+                        </a:spcBef>
+                        <a:spcAft>
+                          <a:spcPts val="0"/>
+                        </a:spcAft>
+                        <a:buNone/>
+                      </a:pPr>
+                      <a:r>
+                        <a:rPr b="1" lang="en">
+                          <a:latin typeface="Roboto"/>
+                          <a:ea typeface="Roboto"/>
+                          <a:cs typeface="Roboto"/>
+                          <a:sym typeface="Roboto"/>
+                        </a:rPr>
+                        <a:t>Machine Learning</a:t>
+                      </a:r>
+                      <a:endParaRPr b="1">
+                        <a:latin typeface="Roboto"/>
+                        <a:ea typeface="Roboto"/>
+                        <a:cs typeface="Roboto"/>
+                        <a:sym typeface="Roboto"/>
+                      </a:endParaRPr>
+                    </a:p>
+                  </a:txBody>
+                  <a:tcPr marT="91425" marB="91425" marR="91425" marL="91425" anchor="ctr">
+                    <a:lnL cap="flat" cmpd="sng" w="9525">
+                      <a:solidFill>
+                        <a:srgbClr val="000000"/>
+                      </a:solidFill>
+                      <a:prstDash val="solid"/>
+                      <a:round/>
+                      <a:headEnd len="sm" w="sm" type="none"/>
+                      <a:tailEnd len="sm" w="sm" type="none"/>
+                    </a:lnL>
+                    <a:lnR cap="flat" cmpd="sng" w="9525">
+                      <a:solidFill>
+                        <a:srgbClr val="000000"/>
+                      </a:solidFill>
+                      <a:prstDash val="solid"/>
+                      <a:round/>
+                      <a:headEnd len="sm" w="sm" type="none"/>
+                      <a:tailEnd len="sm" w="sm" type="none"/>
+                    </a:lnR>
+                    <a:lnT cap="flat" cmpd="sng" w="9525">
+                      <a:solidFill>
+                        <a:srgbClr val="000000"/>
+                      </a:solidFill>
+                      <a:prstDash val="solid"/>
+                      <a:round/>
+                      <a:headEnd len="sm" w="sm" type="none"/>
+                      <a:tailEnd len="sm" w="sm" type="none"/>
+                    </a:lnT>
+                    <a:lnB cap="flat" cmpd="sng" w="9525">
+                      <a:solidFill>
+                        <a:srgbClr val="000000"/>
+                      </a:solidFill>
+                      <a:prstDash val="solid"/>
+                      <a:round/>
+                      <a:headEnd len="sm" w="sm" type="none"/>
+                      <a:tailEnd len="sm" w="sm" type="none"/>
+                    </a:lnB>
+                  </a:tcPr>
+                </a:tc>
+                <a:tc>
+                  <a:txBody>
+                    <a:bodyPr/>
+                    <a:lstStyle/>
+                    <a:p>
+                      <a:pPr indent="0" lvl="0" marL="0" rtl="0" algn="ctr">
+                        <a:spcBef>
+                          <a:spcPts val="0"/>
+                        </a:spcBef>
+                        <a:spcAft>
+                          <a:spcPts val="0"/>
+                        </a:spcAft>
+                        <a:buNone/>
+                      </a:pPr>
+                      <a:r>
+                        <a:rPr b="1" lang="en">
+                          <a:latin typeface="Roboto"/>
+                          <a:ea typeface="Roboto"/>
+                          <a:cs typeface="Roboto"/>
+                          <a:sym typeface="Roboto"/>
+                        </a:rPr>
+                        <a:t>Visualizations</a:t>
+                      </a:r>
+                      <a:endParaRPr b="1">
+                        <a:latin typeface="Roboto"/>
+                        <a:ea typeface="Roboto"/>
+                        <a:cs typeface="Roboto"/>
+                        <a:sym typeface="Roboto"/>
+                      </a:endParaRPr>
+                    </a:p>
+                  </a:txBody>
+                  <a:tcPr marT="91425" marB="91425" marR="91425" marL="91425" anchor="ctr">
+                    <a:lnL cap="flat" cmpd="sng" w="9525">
+                      <a:solidFill>
+                        <a:srgbClr val="000000"/>
+                      </a:solidFill>
+                      <a:prstDash val="solid"/>
+                      <a:round/>
+                      <a:headEnd len="sm" w="sm" type="none"/>
+                      <a:tailEnd len="sm" w="sm" type="none"/>
+                    </a:lnL>
+                    <a:lnR cap="flat" cmpd="sng" w="9525">
+                      <a:solidFill>
+                        <a:srgbClr val="000000"/>
+                      </a:solidFill>
+                      <a:prstDash val="solid"/>
+                      <a:round/>
+                      <a:headEnd len="sm" w="sm" type="none"/>
+                      <a:tailEnd len="sm" w="sm" type="none"/>
+                    </a:lnR>
+                    <a:lnT cap="flat" cmpd="sng" w="9525">
+                      <a:solidFill>
+                        <a:srgbClr val="000000"/>
+                      </a:solidFill>
+                      <a:prstDash val="solid"/>
+                      <a:round/>
+                      <a:headEnd len="sm" w="sm" type="none"/>
+                      <a:tailEnd len="sm" w="sm" type="none"/>
+                    </a:lnT>
+                    <a:lnB cap="flat" cmpd="sng" w="9525">
+                      <a:solidFill>
+                        <a:srgbClr val="000000"/>
+                      </a:solidFill>
+                      <a:prstDash val="solid"/>
+                      <a:round/>
+                      <a:headEnd len="sm" w="sm" type="none"/>
+                      <a:tailEnd len="sm" w="sm" type="none"/>
+                    </a:lnB>
+                  </a:tcPr>
+                </a:tc>
+                <a:tc>
+                  <a:txBody>
+                    <a:bodyPr/>
+                    <a:lstStyle/>
+                    <a:p>
+                      <a:pPr indent="0" lvl="0" marL="0" rtl="0" algn="ctr">
+                        <a:spcBef>
+                          <a:spcPts val="0"/>
+                        </a:spcBef>
+                        <a:spcAft>
+                          <a:spcPts val="0"/>
+                        </a:spcAft>
+                        <a:buNone/>
+                      </a:pPr>
+                      <a:r>
+                        <a:rPr b="1" lang="en">
+                          <a:latin typeface="Roboto"/>
+                          <a:ea typeface="Roboto"/>
+                          <a:cs typeface="Roboto"/>
+                          <a:sym typeface="Roboto"/>
+                        </a:rPr>
+                        <a:t>User Interface</a:t>
+                      </a:r>
+                      <a:endParaRPr b="1">
+                        <a:latin typeface="Roboto"/>
+                        <a:ea typeface="Roboto"/>
+                        <a:cs typeface="Roboto"/>
+                        <a:sym typeface="Roboto"/>
+                      </a:endParaRPr>
+                    </a:p>
+                  </a:txBody>
+                  <a:tcPr marT="91425" marB="91425" marR="91425" marL="91425" anchor="ctr">
+                    <a:lnL cap="flat" cmpd="sng" w="9525">
+                      <a:solidFill>
+                        <a:srgbClr val="000000"/>
+                      </a:solidFill>
+                      <a:prstDash val="solid"/>
+                      <a:round/>
+                      <a:headEnd len="sm" w="sm" type="none"/>
+                      <a:tailEnd len="sm" w="sm" type="none"/>
+                    </a:lnL>
+                    <a:lnR cap="flat" cmpd="sng" w="9525">
+                      <a:solidFill>
+                        <a:srgbClr val="000000"/>
+                      </a:solidFill>
+                      <a:prstDash val="solid"/>
+                      <a:round/>
+                      <a:headEnd len="sm" w="sm" type="none"/>
+                      <a:tailEnd len="sm" w="sm" type="none"/>
+                    </a:lnR>
+                    <a:lnT cap="flat" cmpd="sng" w="9525">
+                      <a:solidFill>
+                        <a:srgbClr val="000000"/>
+                      </a:solidFill>
+                      <a:prstDash val="solid"/>
+                      <a:round/>
+                      <a:headEnd len="sm" w="sm" type="none"/>
+                      <a:tailEnd len="sm" w="sm" type="none"/>
+                    </a:lnT>
+                    <a:lnB cap="flat" cmpd="sng" w="9525">
+                      <a:solidFill>
+                        <a:srgbClr val="000000"/>
+                      </a:solidFill>
+                      <a:prstDash val="solid"/>
+                      <a:round/>
+                      <a:headEnd len="sm" w="sm" type="none"/>
+                      <a:tailEnd len="sm" w="sm" type="none"/>
+                    </a:lnB>
+                  </a:tcPr>
+                </a:tc>
+              </a:tr>
+              <a:tr h="396200">
+                <a:tc>
+                  <a:txBody>
+                    <a:bodyPr/>
+                    <a:lstStyle/>
+                    <a:p>
+                      <a:pPr indent="0" lvl="0" marL="0" rtl="0" algn="l">
+                        <a:spcBef>
+                          <a:spcPts val="0"/>
+                        </a:spcBef>
+                        <a:spcAft>
+                          <a:spcPts val="0"/>
+                        </a:spcAft>
+                        <a:buNone/>
+                      </a:pPr>
+                      <a:r>
+                        <a:t/>
+                      </a:r>
+                      <a:endParaRPr/>
+                    </a:p>
+                  </a:txBody>
+                  <a:tcPr marT="91425" marB="91425" marR="91425" marL="91425">
+                    <a:lnL cap="flat" cmpd="sng" w="9525">
+                      <a:solidFill>
+                        <a:srgbClr val="000000"/>
+                      </a:solidFill>
+                      <a:prstDash val="solid"/>
+                      <a:round/>
+                      <a:headEnd len="sm" w="sm" type="none"/>
+                      <a:tailEnd len="sm" w="sm" type="none"/>
+                    </a:lnL>
+                    <a:lnR cap="flat" cmpd="sng" w="9525">
+                      <a:solidFill>
+                        <a:srgbClr val="000000"/>
+                      </a:solidFill>
+                      <a:prstDash val="solid"/>
+                      <a:round/>
+                      <a:headEnd len="sm" w="sm" type="none"/>
+                      <a:tailEnd len="sm" w="sm" type="none"/>
+                    </a:lnR>
+                    <a:lnT cap="flat" cmpd="sng" w="9525">
+                      <a:solidFill>
+                        <a:srgbClr val="000000"/>
+                      </a:solidFill>
+                      <a:prstDash val="solid"/>
+                      <a:round/>
+                      <a:headEnd len="sm" w="sm" type="none"/>
+                      <a:tailEnd len="sm" w="sm" type="none"/>
+                    </a:lnT>
+                    <a:lnB cap="flat" cmpd="sng" w="9525">
+                      <a:solidFill>
+                        <a:srgbClr val="000000"/>
+                      </a:solidFill>
+                      <a:prstDash val="solid"/>
+                      <a:round/>
+                      <a:headEnd len="sm" w="sm" type="none"/>
+                      <a:tailEnd len="sm" w="sm" type="none"/>
+                    </a:lnB>
+                  </a:tcPr>
+                </a:tc>
+                <a:tc>
+                  <a:txBody>
+                    <a:bodyPr/>
+                    <a:lstStyle/>
+                    <a:p>
+                      <a:pPr indent="0" lvl="0" marL="0" rtl="0" algn="l">
+                        <a:spcBef>
+                          <a:spcPts val="0"/>
+                        </a:spcBef>
+                        <a:spcAft>
+                          <a:spcPts val="0"/>
+                        </a:spcAft>
+                        <a:buNone/>
+                      </a:pPr>
+                      <a:r>
+                        <a:t/>
+                      </a:r>
+                      <a:endParaRPr/>
+                    </a:p>
+                  </a:txBody>
+                  <a:tcPr marT="91425" marB="91425" marR="91425" marL="91425">
+                    <a:lnL cap="flat" cmpd="sng" w="9525">
+                      <a:solidFill>
+                        <a:srgbClr val="000000"/>
+                      </a:solidFill>
+                      <a:prstDash val="solid"/>
+                      <a:round/>
+                      <a:headEnd len="sm" w="sm" type="none"/>
+                      <a:tailEnd len="sm" w="sm" type="none"/>
+                    </a:lnL>
+                    <a:lnR cap="flat" cmpd="sng" w="9525">
+                      <a:solidFill>
+                        <a:srgbClr val="000000"/>
+                      </a:solidFill>
+                      <a:prstDash val="solid"/>
+                      <a:round/>
+                      <a:headEnd len="sm" w="sm" type="none"/>
+                      <a:tailEnd len="sm" w="sm" type="none"/>
+                    </a:lnR>
+                    <a:lnT cap="flat" cmpd="sng" w="9525">
+                      <a:solidFill>
+                        <a:srgbClr val="000000"/>
+                      </a:solidFill>
+                      <a:prstDash val="solid"/>
+                      <a:round/>
+                      <a:headEnd len="sm" w="sm" type="none"/>
+                      <a:tailEnd len="sm" w="sm" type="none"/>
+                    </a:lnT>
+                    <a:lnB cap="flat" cmpd="sng" w="9525">
+                      <a:solidFill>
+                        <a:srgbClr val="000000"/>
+                      </a:solidFill>
+                      <a:prstDash val="solid"/>
+                      <a:round/>
+                      <a:headEnd len="sm" w="sm" type="none"/>
+                      <a:tailEnd len="sm" w="sm" type="none"/>
+                    </a:lnB>
+                  </a:tcPr>
+                </a:tc>
+                <a:tc>
+                  <a:txBody>
+                    <a:bodyPr/>
+                    <a:lstStyle/>
+                    <a:p>
+                      <a:pPr indent="0" lvl="0" marL="0" rtl="0" algn="l">
+                        <a:spcBef>
+                          <a:spcPts val="0"/>
+                        </a:spcBef>
+                        <a:spcAft>
+                          <a:spcPts val="0"/>
+                        </a:spcAft>
+                        <a:buNone/>
+                      </a:pPr>
+                      <a:r>
+                        <a:t/>
+                      </a:r>
+                      <a:endParaRPr/>
+                    </a:p>
+                  </a:txBody>
+                  <a:tcPr marT="91425" marB="91425" marR="91425" marL="91425">
+                    <a:lnL cap="flat" cmpd="sng" w="9525">
+                      <a:solidFill>
+                        <a:srgbClr val="000000"/>
+                      </a:solidFill>
+                      <a:prstDash val="solid"/>
+                      <a:round/>
+                      <a:headEnd len="sm" w="sm" type="none"/>
+                      <a:tailEnd len="sm" w="sm" type="none"/>
+                    </a:lnL>
+                    <a:lnR cap="flat" cmpd="sng" w="9525">
+                      <a:solidFill>
+                        <a:srgbClr val="000000"/>
+                      </a:solidFill>
+                      <a:prstDash val="solid"/>
+                      <a:round/>
+                      <a:headEnd len="sm" w="sm" type="none"/>
+                      <a:tailEnd len="sm" w="sm" type="none"/>
+                    </a:lnR>
+                    <a:lnT cap="flat" cmpd="sng" w="9525">
+                      <a:solidFill>
+                        <a:srgbClr val="000000"/>
+                      </a:solidFill>
+                      <a:prstDash val="solid"/>
+                      <a:round/>
+                      <a:headEnd len="sm" w="sm" type="none"/>
+                      <a:tailEnd len="sm" w="sm" type="none"/>
+                    </a:lnT>
+                    <a:lnB cap="flat" cmpd="sng" w="9525">
+                      <a:solidFill>
+                        <a:srgbClr val="000000"/>
+                      </a:solidFill>
+                      <a:prstDash val="solid"/>
+                      <a:round/>
+                      <a:headEnd len="sm" w="sm" type="none"/>
+                      <a:tailEnd len="sm" w="sm" type="none"/>
+                    </a:lnB>
+                  </a:tcPr>
+                </a:tc>
+                <a:tc>
+                  <a:txBody>
+                    <a:bodyPr/>
+                    <a:lstStyle/>
+                    <a:p>
+                      <a:pPr indent="0" lvl="0" marL="0" rtl="0" algn="l">
+                        <a:spcBef>
+                          <a:spcPts val="0"/>
+                        </a:spcBef>
+                        <a:spcAft>
+                          <a:spcPts val="0"/>
+                        </a:spcAft>
+                        <a:buNone/>
+                      </a:pPr>
+                      <a:r>
+                        <a:t/>
+                      </a:r>
+                      <a:endParaRPr/>
+                    </a:p>
+                  </a:txBody>
+                  <a:tcPr marT="91425" marB="91425" marR="91425" marL="91425">
+                    <a:lnL cap="flat" cmpd="sng" w="9525">
+                      <a:solidFill>
+                        <a:srgbClr val="000000"/>
+                      </a:solidFill>
+                      <a:prstDash val="solid"/>
+                      <a:round/>
+                      <a:headEnd len="sm" w="sm" type="none"/>
+                      <a:tailEnd len="sm" w="sm" type="none"/>
+                    </a:lnL>
+                    <a:lnR cap="flat" cmpd="sng" w="9525">
+                      <a:solidFill>
+                        <a:srgbClr val="000000"/>
+                      </a:solidFill>
+                      <a:prstDash val="solid"/>
+                      <a:round/>
+                      <a:headEnd len="sm" w="sm" type="none"/>
+                      <a:tailEnd len="sm" w="sm" type="none"/>
+                    </a:lnR>
+                    <a:lnT cap="flat" cmpd="sng" w="9525">
+                      <a:solidFill>
+                        <a:srgbClr val="000000"/>
+                      </a:solidFill>
+                      <a:prstDash val="solid"/>
+                      <a:round/>
+                      <a:headEnd len="sm" w="sm" type="none"/>
+                      <a:tailEnd len="sm" w="sm" type="none"/>
+                    </a:lnT>
+                    <a:lnB cap="flat" cmpd="sng" w="9525">
+                      <a:solidFill>
+                        <a:srgbClr val="000000"/>
+                      </a:solidFill>
+                      <a:prstDash val="solid"/>
+                      <a:round/>
+                      <a:headEnd len="sm" w="sm" type="none"/>
+                      <a:tailEnd len="sm" w="sm" type="none"/>
+                    </a:lnB>
+                  </a:tcPr>
+                </a:tc>
+                <a:tc>
+                  <a:txBody>
+                    <a:bodyPr/>
+                    <a:lstStyle/>
+                    <a:p>
+                      <a:pPr indent="0" lvl="0" marL="0" rtl="0" algn="l">
+                        <a:spcBef>
+                          <a:spcPts val="0"/>
+                        </a:spcBef>
+                        <a:spcAft>
+                          <a:spcPts val="0"/>
+                        </a:spcAft>
+                        <a:buNone/>
+                      </a:pPr>
+                      <a:r>
+                        <a:t/>
+                      </a:r>
+                      <a:endParaRPr/>
+                    </a:p>
+                  </a:txBody>
+                  <a:tcPr marT="91425" marB="91425" marR="91425" marL="91425">
+                    <a:lnL cap="flat" cmpd="sng" w="9525">
+                      <a:solidFill>
+                        <a:srgbClr val="000000"/>
+                      </a:solidFill>
+                      <a:prstDash val="solid"/>
+                      <a:round/>
+                      <a:headEnd len="sm" w="sm" type="none"/>
+                      <a:tailEnd len="sm" w="sm" type="none"/>
+                    </a:lnL>
+                    <a:lnR cap="flat" cmpd="sng" w="9525">
+                      <a:solidFill>
+                        <a:srgbClr val="000000"/>
+                      </a:solidFill>
+                      <a:prstDash val="solid"/>
+                      <a:round/>
+                      <a:headEnd len="sm" w="sm" type="none"/>
+                      <a:tailEnd len="sm" w="sm" type="none"/>
+                    </a:lnR>
+                    <a:lnT cap="flat" cmpd="sng" w="9525">
+                      <a:solidFill>
+                        <a:srgbClr val="000000"/>
+                      </a:solidFill>
+                      <a:prstDash val="solid"/>
+                      <a:round/>
+                      <a:headEnd len="sm" w="sm" type="none"/>
+                      <a:tailEnd len="sm" w="sm" type="none"/>
+                    </a:lnT>
+                    <a:lnB cap="flat" cmpd="sng" w="9525">
+                      <a:solidFill>
+                        <a:srgbClr val="000000"/>
+                      </a:solidFill>
+                      <a:prstDash val="solid"/>
+                      <a:round/>
+                      <a:headEnd len="sm" w="sm" type="none"/>
+                      <a:tailEnd len="sm" w="sm" type="none"/>
+                    </a:lnB>
+                  </a:tcPr>
+                </a:tc>
+                <a:tc>
+                  <a:txBody>
+                    <a:bodyPr/>
+                    <a:lstStyle/>
+                    <a:p>
+                      <a:pPr indent="0" lvl="0" marL="0" rtl="0" algn="l">
+                        <a:spcBef>
+                          <a:spcPts val="0"/>
+                        </a:spcBef>
+                        <a:spcAft>
+                          <a:spcPts val="0"/>
+                        </a:spcAft>
+                        <a:buNone/>
+                      </a:pPr>
+                      <a:r>
+                        <a:t/>
+                      </a:r>
+                      <a:endParaRPr/>
+                    </a:p>
+                  </a:txBody>
+                  <a:tcPr marT="91425" marB="91425" marR="91425" marL="91425">
+                    <a:lnL cap="flat" cmpd="sng" w="9525">
+                      <a:solidFill>
+                        <a:srgbClr val="000000"/>
+                      </a:solidFill>
+                      <a:prstDash val="solid"/>
+                      <a:round/>
+                      <a:headEnd len="sm" w="sm" type="none"/>
+                      <a:tailEnd len="sm" w="sm" type="none"/>
+                    </a:lnL>
+                    <a:lnR cap="flat" cmpd="sng" w="9525">
+                      <a:solidFill>
+                        <a:srgbClr val="000000"/>
+                      </a:solidFill>
+                      <a:prstDash val="solid"/>
+                      <a:round/>
+                      <a:headEnd len="sm" w="sm" type="none"/>
+                      <a:tailEnd len="sm" w="sm" type="none"/>
+                    </a:lnR>
+                    <a:lnT cap="flat" cmpd="sng" w="9525">
+                      <a:solidFill>
+                        <a:srgbClr val="000000"/>
+                      </a:solidFill>
+                      <a:prstDash val="solid"/>
+                      <a:round/>
+                      <a:headEnd len="sm" w="sm" type="none"/>
+                      <a:tailEnd len="sm" w="sm" type="none"/>
+                    </a:lnT>
+                    <a:lnB cap="flat" cmpd="sng" w="9525">
+                      <a:solidFill>
+                        <a:srgbClr val="000000"/>
+                      </a:solidFill>
+                      <a:prstDash val="solid"/>
+                      <a:round/>
+                      <a:headEnd len="sm" w="sm" type="none"/>
+                      <a:tailEnd len="sm" w="sm" type="none"/>
+                    </a:lnB>
+                  </a:tcPr>
+                </a:tc>
+              </a:tr>
+              <a:tr h="396200">
+                <a:tc>
+                  <a:txBody>
+                    <a:bodyPr/>
+                    <a:lstStyle/>
+                    <a:p>
+                      <a:pPr indent="0" lvl="0" marL="0" rtl="0" algn="l">
+                        <a:spcBef>
+                          <a:spcPts val="0"/>
+                        </a:spcBef>
+                        <a:spcAft>
+                          <a:spcPts val="0"/>
+                        </a:spcAft>
+                        <a:buNone/>
+                      </a:pPr>
+                      <a:r>
+                        <a:t/>
+                      </a:r>
+                      <a:endParaRPr/>
+                    </a:p>
+                  </a:txBody>
+                  <a:tcPr marT="91425" marB="91425" marR="91425" marL="91425">
+                    <a:lnL cap="flat" cmpd="sng" w="9525">
+                      <a:solidFill>
+                        <a:srgbClr val="000000"/>
+                      </a:solidFill>
+                      <a:prstDash val="solid"/>
+                      <a:round/>
+                      <a:headEnd len="sm" w="sm" type="none"/>
+                      <a:tailEnd len="sm" w="sm" type="none"/>
+                    </a:lnL>
+                    <a:lnR cap="flat" cmpd="sng" w="9525">
+                      <a:solidFill>
+                        <a:srgbClr val="000000"/>
+                      </a:solidFill>
+                      <a:prstDash val="solid"/>
+                      <a:round/>
+                      <a:headEnd len="sm" w="sm" type="none"/>
+                      <a:tailEnd len="sm" w="sm" type="none"/>
+                    </a:lnR>
+                    <a:lnT cap="flat" cmpd="sng" w="9525">
+                      <a:solidFill>
+                        <a:srgbClr val="000000"/>
+                      </a:solidFill>
+                      <a:prstDash val="solid"/>
+                      <a:round/>
+                      <a:headEnd len="sm" w="sm" type="none"/>
+                      <a:tailEnd len="sm" w="sm" type="none"/>
+                    </a:lnT>
+                    <a:lnB cap="flat" cmpd="sng" w="9525">
+                      <a:solidFill>
+                        <a:srgbClr val="000000"/>
+                      </a:solidFill>
+                      <a:prstDash val="solid"/>
+                      <a:round/>
+                      <a:headEnd len="sm" w="sm" type="none"/>
+                      <a:tailEnd len="sm" w="sm" type="none"/>
+                    </a:lnB>
+                  </a:tcPr>
+                </a:tc>
+                <a:tc>
+                  <a:txBody>
+                    <a:bodyPr/>
+                    <a:lstStyle/>
+                    <a:p>
+                      <a:pPr indent="0" lvl="0" marL="0" rtl="0" algn="l">
+                        <a:spcBef>
+                          <a:spcPts val="0"/>
+                        </a:spcBef>
+                        <a:spcAft>
+                          <a:spcPts val="0"/>
+                        </a:spcAft>
+                        <a:buNone/>
+                      </a:pPr>
+                      <a:r>
+                        <a:t/>
+                      </a:r>
+                      <a:endParaRPr/>
+                    </a:p>
+                  </a:txBody>
+                  <a:tcPr marT="91425" marB="91425" marR="91425" marL="91425">
+                    <a:lnL cap="flat" cmpd="sng" w="9525">
+                      <a:solidFill>
+                        <a:srgbClr val="000000"/>
+                      </a:solidFill>
+                      <a:prstDash val="solid"/>
+                      <a:round/>
+                      <a:headEnd len="sm" w="sm" type="none"/>
+                      <a:tailEnd len="sm" w="sm" type="none"/>
+                    </a:lnL>
+                    <a:lnR cap="flat" cmpd="sng" w="9525">
+                      <a:solidFill>
+                        <a:srgbClr val="000000"/>
+                      </a:solidFill>
+                      <a:prstDash val="solid"/>
+                      <a:round/>
+                      <a:headEnd len="sm" w="sm" type="none"/>
+                      <a:tailEnd len="sm" w="sm" type="none"/>
+                    </a:lnR>
+                    <a:lnT cap="flat" cmpd="sng" w="9525">
+                      <a:solidFill>
+                        <a:srgbClr val="000000"/>
+                      </a:solidFill>
+                      <a:prstDash val="solid"/>
+                      <a:round/>
+                      <a:headEnd len="sm" w="sm" type="none"/>
+                      <a:tailEnd len="sm" w="sm" type="none"/>
+                    </a:lnT>
+                    <a:lnB cap="flat" cmpd="sng" w="9525">
+                      <a:solidFill>
+                        <a:srgbClr val="000000"/>
+                      </a:solidFill>
+                      <a:prstDash val="solid"/>
+                      <a:round/>
+                      <a:headEnd len="sm" w="sm" type="none"/>
+                      <a:tailEnd len="sm" w="sm" type="none"/>
+                    </a:lnB>
+                  </a:tcPr>
+                </a:tc>
+                <a:tc>
+                  <a:txBody>
+                    <a:bodyPr/>
+                    <a:lstStyle/>
+                    <a:p>
+                      <a:pPr indent="0" lvl="0" marL="0" rtl="0" algn="l">
+                        <a:spcBef>
+                          <a:spcPts val="0"/>
+                        </a:spcBef>
+                        <a:spcAft>
+                          <a:spcPts val="0"/>
+                        </a:spcAft>
+                        <a:buNone/>
+                      </a:pPr>
+                      <a:r>
+                        <a:t/>
+                      </a:r>
+                      <a:endParaRPr/>
+                    </a:p>
+                  </a:txBody>
+                  <a:tcPr marT="91425" marB="91425" marR="91425" marL="91425">
+                    <a:lnL cap="flat" cmpd="sng" w="9525">
+                      <a:solidFill>
+                        <a:srgbClr val="000000"/>
+                      </a:solidFill>
+                      <a:prstDash val="solid"/>
+                      <a:round/>
+                      <a:headEnd len="sm" w="sm" type="none"/>
+                      <a:tailEnd len="sm" w="sm" type="none"/>
+                    </a:lnL>
+                    <a:lnR cap="flat" cmpd="sng" w="9525">
+                      <a:solidFill>
+                        <a:srgbClr val="000000"/>
+                      </a:solidFill>
+                      <a:prstDash val="solid"/>
+                      <a:round/>
+                      <a:headEnd len="sm" w="sm" type="none"/>
+                      <a:tailEnd len="sm" w="sm" type="none"/>
+                    </a:lnR>
+                    <a:lnT cap="flat" cmpd="sng" w="9525">
+                      <a:solidFill>
+                        <a:srgbClr val="000000"/>
+                      </a:solidFill>
+                      <a:prstDash val="solid"/>
+                      <a:round/>
+                      <a:headEnd len="sm" w="sm" type="none"/>
+                      <a:tailEnd len="sm" w="sm" type="none"/>
+                    </a:lnT>
+                    <a:lnB cap="flat" cmpd="sng" w="9525">
+                      <a:solidFill>
+                        <a:srgbClr val="000000"/>
+                      </a:solidFill>
+                      <a:prstDash val="solid"/>
+                      <a:round/>
+                      <a:headEnd len="sm" w="sm" type="none"/>
+                      <a:tailEnd len="sm" w="sm" type="none"/>
+                    </a:lnB>
+                  </a:tcPr>
+                </a:tc>
+                <a:tc>
+                  <a:txBody>
+                    <a:bodyPr/>
+                    <a:lstStyle/>
+                    <a:p>
+                      <a:pPr indent="0" lvl="0" marL="0" rtl="0" algn="l">
+                        <a:spcBef>
+                          <a:spcPts val="0"/>
+                        </a:spcBef>
+                        <a:spcAft>
+                          <a:spcPts val="0"/>
+                        </a:spcAft>
+                        <a:buNone/>
+                      </a:pPr>
+                      <a:r>
+                        <a:t/>
+                      </a:r>
+                      <a:endParaRPr/>
+                    </a:p>
+                  </a:txBody>
+                  <a:tcPr marT="91425" marB="91425" marR="91425" marL="91425">
+                    <a:lnL cap="flat" cmpd="sng" w="9525">
+                      <a:solidFill>
+                        <a:srgbClr val="000000"/>
+                      </a:solidFill>
+                      <a:prstDash val="solid"/>
+                      <a:round/>
+                      <a:headEnd len="sm" w="sm" type="none"/>
+                      <a:tailEnd len="sm" w="sm" type="none"/>
+                    </a:lnL>
+                    <a:lnR cap="flat" cmpd="sng" w="9525">
+                      <a:solidFill>
+                        <a:srgbClr val="000000"/>
+                      </a:solidFill>
+                      <a:prstDash val="solid"/>
+                      <a:round/>
+                      <a:headEnd len="sm" w="sm" type="none"/>
+                      <a:tailEnd len="sm" w="sm" type="none"/>
+                    </a:lnR>
+                    <a:lnT cap="flat" cmpd="sng" w="9525">
+                      <a:solidFill>
+                        <a:srgbClr val="000000"/>
+                      </a:solidFill>
+                      <a:prstDash val="solid"/>
+                      <a:round/>
+                      <a:headEnd len="sm" w="sm" type="none"/>
+                      <a:tailEnd len="sm" w="sm" type="none"/>
+                    </a:lnT>
+                    <a:lnB cap="flat" cmpd="sng" w="9525">
+                      <a:solidFill>
+                        <a:srgbClr val="000000"/>
+                      </a:solidFill>
+                      <a:prstDash val="solid"/>
+                      <a:round/>
+                      <a:headEnd len="sm" w="sm" type="none"/>
+                      <a:tailEnd len="sm" w="sm" type="none"/>
+                    </a:lnB>
+                  </a:tcPr>
+                </a:tc>
+                <a:tc>
+                  <a:txBody>
+                    <a:bodyPr/>
+                    <a:lstStyle/>
+                    <a:p>
+                      <a:pPr indent="0" lvl="0" marL="0" rtl="0" algn="l">
+                        <a:spcBef>
+                          <a:spcPts val="0"/>
+                        </a:spcBef>
+                        <a:spcAft>
+                          <a:spcPts val="0"/>
+                        </a:spcAft>
+                        <a:buNone/>
+                      </a:pPr>
+                      <a:r>
+                        <a:t/>
+                      </a:r>
+                      <a:endParaRPr/>
+                    </a:p>
+                  </a:txBody>
+                  <a:tcPr marT="91425" marB="91425" marR="91425" marL="91425">
+                    <a:lnL cap="flat" cmpd="sng" w="9525">
+                      <a:solidFill>
+                        <a:srgbClr val="000000"/>
+                      </a:solidFill>
+                      <a:prstDash val="solid"/>
+                      <a:round/>
+                      <a:headEnd len="sm" w="sm" type="none"/>
+                      <a:tailEnd len="sm" w="sm" type="none"/>
+                    </a:lnL>
+                    <a:lnR cap="flat" cmpd="sng" w="9525">
+                      <a:solidFill>
+                        <a:srgbClr val="000000"/>
+                      </a:solidFill>
+                      <a:prstDash val="solid"/>
+                      <a:round/>
+                      <a:headEnd len="sm" w="sm" type="none"/>
+                      <a:tailEnd len="sm" w="sm" type="none"/>
+                    </a:lnR>
+                    <a:lnT cap="flat" cmpd="sng" w="9525">
+                      <a:solidFill>
+                        <a:srgbClr val="000000"/>
+                      </a:solidFill>
+                      <a:prstDash val="solid"/>
+                      <a:round/>
+                      <a:headEnd len="sm" w="sm" type="none"/>
+                      <a:tailEnd len="sm" w="sm" type="none"/>
+                    </a:lnT>
+                    <a:lnB cap="flat" cmpd="sng" w="9525">
+                      <a:solidFill>
+                        <a:srgbClr val="000000"/>
+                      </a:solidFill>
+                      <a:prstDash val="solid"/>
+                      <a:round/>
+                      <a:headEnd len="sm" w="sm" type="none"/>
+                      <a:tailEnd len="sm" w="sm" type="none"/>
+                    </a:lnB>
+                  </a:tcPr>
+                </a:tc>
+                <a:tc>
+                  <a:txBody>
+                    <a:bodyPr/>
+                    <a:lstStyle/>
+                    <a:p>
+                      <a:pPr indent="0" lvl="0" marL="0" rtl="0" algn="l">
+                        <a:spcBef>
+                          <a:spcPts val="0"/>
+                        </a:spcBef>
+                        <a:spcAft>
+                          <a:spcPts val="0"/>
+                        </a:spcAft>
+                        <a:buNone/>
+                      </a:pPr>
+                      <a:r>
+                        <a:t/>
+                      </a:r>
+                      <a:endParaRPr/>
+                    </a:p>
+                  </a:txBody>
+                  <a:tcPr marT="91425" marB="91425" marR="91425" marL="91425">
+                    <a:lnL cap="flat" cmpd="sng" w="9525">
+                      <a:solidFill>
+                        <a:srgbClr val="000000"/>
+                      </a:solidFill>
+                      <a:prstDash val="solid"/>
+                      <a:round/>
+                      <a:headEnd len="sm" w="sm" type="none"/>
+                      <a:tailEnd len="sm" w="sm" type="none"/>
+                    </a:lnL>
+                    <a:lnR cap="flat" cmpd="sng" w="9525">
+                      <a:solidFill>
+                        <a:srgbClr val="000000"/>
+                      </a:solidFill>
+                      <a:prstDash val="solid"/>
+                      <a:round/>
+                      <a:headEnd len="sm" w="sm" type="none"/>
+                      <a:tailEnd len="sm" w="sm" type="none"/>
+                    </a:lnR>
+                    <a:lnT cap="flat" cmpd="sng" w="9525">
+                      <a:solidFill>
+                        <a:srgbClr val="000000"/>
+                      </a:solidFill>
+                      <a:prstDash val="solid"/>
+                      <a:round/>
+                      <a:headEnd len="sm" w="sm" type="none"/>
+                      <a:tailEnd len="sm" w="sm" type="none"/>
+                    </a:lnT>
+                    <a:lnB cap="flat" cmpd="sng" w="9525">
+                      <a:solidFill>
+                        <a:srgbClr val="000000"/>
+                      </a:solidFill>
+                      <a:prstDash val="solid"/>
+                      <a:round/>
+                      <a:headEnd len="sm" w="sm" type="none"/>
+                      <a:tailEnd len="sm" w="sm" type="none"/>
+                    </a:lnB>
+                  </a:tcPr>
+                </a:tc>
+              </a:tr>
+              <a:tr h="396200">
+                <a:tc>
+                  <a:txBody>
+                    <a:bodyPr/>
+                    <a:lstStyle/>
+                    <a:p>
+                      <a:pPr indent="0" lvl="0" marL="0" rtl="0" algn="l">
+                        <a:spcBef>
+                          <a:spcPts val="0"/>
+                        </a:spcBef>
+                        <a:spcAft>
+                          <a:spcPts val="0"/>
+                        </a:spcAft>
+                        <a:buNone/>
+                      </a:pPr>
+                      <a:r>
+                        <a:t/>
+                      </a:r>
+                      <a:endParaRPr/>
+                    </a:p>
+                  </a:txBody>
+                  <a:tcPr marT="91425" marB="91425" marR="91425" marL="91425">
+                    <a:lnL cap="flat" cmpd="sng" w="9525">
+                      <a:solidFill>
+                        <a:srgbClr val="000000"/>
+                      </a:solidFill>
+                      <a:prstDash val="solid"/>
+                      <a:round/>
+                      <a:headEnd len="sm" w="sm" type="none"/>
+                      <a:tailEnd len="sm" w="sm" type="none"/>
+                    </a:lnL>
+                    <a:lnR cap="flat" cmpd="sng" w="9525">
+                      <a:solidFill>
+                        <a:srgbClr val="000000"/>
+                      </a:solidFill>
+                      <a:prstDash val="solid"/>
+                      <a:round/>
+                      <a:headEnd len="sm" w="sm" type="none"/>
+                      <a:tailEnd len="sm" w="sm" type="none"/>
+                    </a:lnR>
+                    <a:lnT cap="flat" cmpd="sng" w="9525">
+                      <a:solidFill>
+                        <a:srgbClr val="000000"/>
+                      </a:solidFill>
+                      <a:prstDash val="solid"/>
+                      <a:round/>
+                      <a:headEnd len="sm" w="sm" type="none"/>
+                      <a:tailEnd len="sm" w="sm" type="none"/>
+                    </a:lnT>
+                    <a:lnB cap="flat" cmpd="sng" w="9525">
+                      <a:solidFill>
+                        <a:srgbClr val="000000"/>
+                      </a:solidFill>
+                      <a:prstDash val="solid"/>
+                      <a:round/>
+                      <a:headEnd len="sm" w="sm" type="none"/>
+                      <a:tailEnd len="sm" w="sm" type="none"/>
+                    </a:lnB>
+                  </a:tcPr>
+                </a:tc>
+                <a:tc>
+                  <a:txBody>
+                    <a:bodyPr/>
+                    <a:lstStyle/>
+                    <a:p>
+                      <a:pPr indent="0" lvl="0" marL="0" rtl="0" algn="l">
+                        <a:spcBef>
+                          <a:spcPts val="0"/>
+                        </a:spcBef>
+                        <a:spcAft>
+                          <a:spcPts val="0"/>
+                        </a:spcAft>
+                        <a:buNone/>
+                      </a:pPr>
+                      <a:r>
+                        <a:t/>
+                      </a:r>
+                      <a:endParaRPr/>
+                    </a:p>
+                  </a:txBody>
+                  <a:tcPr marT="91425" marB="91425" marR="91425" marL="91425">
+                    <a:lnL cap="flat" cmpd="sng" w="9525">
+                      <a:solidFill>
+                        <a:srgbClr val="000000"/>
+                      </a:solidFill>
+                      <a:prstDash val="solid"/>
+                      <a:round/>
+                      <a:headEnd len="sm" w="sm" type="none"/>
+                      <a:tailEnd len="sm" w="sm" type="none"/>
+                    </a:lnL>
+                    <a:lnR cap="flat" cmpd="sng" w="9525">
+                      <a:solidFill>
+                        <a:srgbClr val="000000"/>
+                      </a:solidFill>
+                      <a:prstDash val="solid"/>
+                      <a:round/>
+                      <a:headEnd len="sm" w="sm" type="none"/>
+                      <a:tailEnd len="sm" w="sm" type="none"/>
+                    </a:lnR>
+                    <a:lnT cap="flat" cmpd="sng" w="9525">
+                      <a:solidFill>
+                        <a:srgbClr val="000000"/>
+                      </a:solidFill>
+                      <a:prstDash val="solid"/>
+                      <a:round/>
+                      <a:headEnd len="sm" w="sm" type="none"/>
+                      <a:tailEnd len="sm" w="sm" type="none"/>
+                    </a:lnT>
+                    <a:lnB cap="flat" cmpd="sng" w="9525">
+                      <a:solidFill>
+                        <a:srgbClr val="000000"/>
+                      </a:solidFill>
+                      <a:prstDash val="solid"/>
+                      <a:round/>
+                      <a:headEnd len="sm" w="sm" type="none"/>
+                      <a:tailEnd len="sm" w="sm" type="none"/>
+                    </a:lnB>
+                  </a:tcPr>
+                </a:tc>
+                <a:tc>
+                  <a:txBody>
+                    <a:bodyPr/>
+                    <a:lstStyle/>
+                    <a:p>
+                      <a:pPr indent="0" lvl="0" marL="0" rtl="0" algn="l">
+                        <a:spcBef>
+                          <a:spcPts val="0"/>
+                        </a:spcBef>
+                        <a:spcAft>
+                          <a:spcPts val="0"/>
+                        </a:spcAft>
+                        <a:buNone/>
+                      </a:pPr>
+                      <a:r>
+                        <a:t/>
+                      </a:r>
+                      <a:endParaRPr/>
+                    </a:p>
+                  </a:txBody>
+                  <a:tcPr marT="91425" marB="91425" marR="91425" marL="91425">
+                    <a:lnL cap="flat" cmpd="sng" w="9525">
+                      <a:solidFill>
+                        <a:srgbClr val="000000"/>
+                      </a:solidFill>
+                      <a:prstDash val="solid"/>
+                      <a:round/>
+                      <a:headEnd len="sm" w="sm" type="none"/>
+                      <a:tailEnd len="sm" w="sm" type="none"/>
+                    </a:lnL>
+                    <a:lnR cap="flat" cmpd="sng" w="9525">
+                      <a:solidFill>
+                        <a:srgbClr val="000000"/>
+                      </a:solidFill>
+                      <a:prstDash val="solid"/>
+                      <a:round/>
+                      <a:headEnd len="sm" w="sm" type="none"/>
+                      <a:tailEnd len="sm" w="sm" type="none"/>
+                    </a:lnR>
+                    <a:lnT cap="flat" cmpd="sng" w="9525">
+                      <a:solidFill>
+                        <a:srgbClr val="000000"/>
+                      </a:solidFill>
+                      <a:prstDash val="solid"/>
+                      <a:round/>
+                      <a:headEnd len="sm" w="sm" type="none"/>
+                      <a:tailEnd len="sm" w="sm" type="none"/>
+                    </a:lnT>
+                    <a:lnB cap="flat" cmpd="sng" w="9525">
+                      <a:solidFill>
+                        <a:srgbClr val="000000"/>
+                      </a:solidFill>
+                      <a:prstDash val="solid"/>
+                      <a:round/>
+                      <a:headEnd len="sm" w="sm" type="none"/>
+                      <a:tailEnd len="sm" w="sm" type="none"/>
+                    </a:lnB>
+                  </a:tcPr>
+                </a:tc>
+                <a:tc>
+                  <a:txBody>
+                    <a:bodyPr/>
+                    <a:lstStyle/>
+                    <a:p>
+                      <a:pPr indent="0" lvl="0" marL="0" rtl="0" algn="l">
+                        <a:spcBef>
+                          <a:spcPts val="0"/>
+                        </a:spcBef>
+                        <a:spcAft>
+                          <a:spcPts val="0"/>
+                        </a:spcAft>
+                        <a:buNone/>
+                      </a:pPr>
+                      <a:r>
+                        <a:t/>
+                      </a:r>
+                      <a:endParaRPr/>
+                    </a:p>
+                  </a:txBody>
+                  <a:tcPr marT="91425" marB="91425" marR="91425" marL="91425">
+                    <a:lnL cap="flat" cmpd="sng" w="9525">
+                      <a:solidFill>
+                        <a:srgbClr val="000000"/>
+                      </a:solidFill>
+                      <a:prstDash val="solid"/>
+                      <a:round/>
+                      <a:headEnd len="sm" w="sm" type="none"/>
+                      <a:tailEnd len="sm" w="sm" type="none"/>
+                    </a:lnL>
+                    <a:lnR cap="flat" cmpd="sng" w="9525">
+                      <a:solidFill>
+                        <a:srgbClr val="000000"/>
+                      </a:solidFill>
+                      <a:prstDash val="solid"/>
+                      <a:round/>
+                      <a:headEnd len="sm" w="sm" type="none"/>
+                      <a:tailEnd len="sm" w="sm" type="none"/>
+                    </a:lnR>
+                    <a:lnT cap="flat" cmpd="sng" w="9525">
+                      <a:solidFill>
+                        <a:srgbClr val="000000"/>
+                      </a:solidFill>
+                      <a:prstDash val="solid"/>
+                      <a:round/>
+                      <a:headEnd len="sm" w="sm" type="none"/>
+                      <a:tailEnd len="sm" w="sm" type="none"/>
+                    </a:lnT>
+                    <a:lnB cap="flat" cmpd="sng" w="9525">
+                      <a:solidFill>
+                        <a:srgbClr val="000000"/>
+                      </a:solidFill>
+                      <a:prstDash val="solid"/>
+                      <a:round/>
+                      <a:headEnd len="sm" w="sm" type="none"/>
+                      <a:tailEnd len="sm" w="sm" type="none"/>
+                    </a:lnB>
+                  </a:tcPr>
+                </a:tc>
+                <a:tc>
+                  <a:txBody>
+                    <a:bodyPr/>
+                    <a:lstStyle/>
+                    <a:p>
+                      <a:pPr indent="0" lvl="0" marL="0" rtl="0" algn="l">
+                        <a:spcBef>
+                          <a:spcPts val="0"/>
+                        </a:spcBef>
+                        <a:spcAft>
+                          <a:spcPts val="0"/>
+                        </a:spcAft>
+                        <a:buNone/>
+                      </a:pPr>
+                      <a:r>
+                        <a:t/>
+                      </a:r>
+                      <a:endParaRPr/>
+                    </a:p>
+                  </a:txBody>
+                  <a:tcPr marT="91425" marB="91425" marR="91425" marL="91425">
+                    <a:lnL cap="flat" cmpd="sng" w="9525">
+                      <a:solidFill>
+                        <a:srgbClr val="000000"/>
+                      </a:solidFill>
+                      <a:prstDash val="solid"/>
+                      <a:round/>
+                      <a:headEnd len="sm" w="sm" type="none"/>
+                      <a:tailEnd len="sm" w="sm" type="none"/>
+                    </a:lnL>
+                    <a:lnR cap="flat" cmpd="sng" w="9525">
+                      <a:solidFill>
+                        <a:srgbClr val="000000"/>
+                      </a:solidFill>
+                      <a:prstDash val="solid"/>
+                      <a:round/>
+                      <a:headEnd len="sm" w="sm" type="none"/>
+                      <a:tailEnd len="sm" w="sm" type="none"/>
+                    </a:lnR>
+                    <a:lnT cap="flat" cmpd="sng" w="9525">
+                      <a:solidFill>
+                        <a:srgbClr val="000000"/>
+                      </a:solidFill>
+                      <a:prstDash val="solid"/>
+                      <a:round/>
+                      <a:headEnd len="sm" w="sm" type="none"/>
+                      <a:tailEnd len="sm" w="sm" type="none"/>
+                    </a:lnT>
+                    <a:lnB cap="flat" cmpd="sng" w="9525">
+                      <a:solidFill>
+                        <a:srgbClr val="000000"/>
+                      </a:solidFill>
+                      <a:prstDash val="solid"/>
+                      <a:round/>
+                      <a:headEnd len="sm" w="sm" type="none"/>
+                      <a:tailEnd len="sm" w="sm" type="none"/>
+                    </a:lnB>
+                  </a:tcPr>
+                </a:tc>
+                <a:tc>
+                  <a:txBody>
+                    <a:bodyPr/>
+                    <a:lstStyle/>
+                    <a:p>
+                      <a:pPr indent="0" lvl="0" marL="0" rtl="0" algn="l">
+                        <a:spcBef>
+                          <a:spcPts val="0"/>
+                        </a:spcBef>
+                        <a:spcAft>
+                          <a:spcPts val="0"/>
+                        </a:spcAft>
+                        <a:buNone/>
+                      </a:pPr>
+                      <a:r>
+                        <a:t/>
+                      </a:r>
+                      <a:endParaRPr/>
+                    </a:p>
+                  </a:txBody>
+                  <a:tcPr marT="91425" marB="91425" marR="91425" marL="91425">
+                    <a:lnL cap="flat" cmpd="sng" w="9525">
+                      <a:solidFill>
+                        <a:srgbClr val="000000"/>
+                      </a:solidFill>
+                      <a:prstDash val="solid"/>
+                      <a:round/>
+                      <a:headEnd len="sm" w="sm" type="none"/>
+                      <a:tailEnd len="sm" w="sm" type="none"/>
+                    </a:lnL>
+                    <a:lnR cap="flat" cmpd="sng" w="9525">
+                      <a:solidFill>
+                        <a:srgbClr val="000000"/>
+                      </a:solidFill>
+                      <a:prstDash val="solid"/>
+                      <a:round/>
+                      <a:headEnd len="sm" w="sm" type="none"/>
+                      <a:tailEnd len="sm" w="sm" type="none"/>
+                    </a:lnR>
+                    <a:lnT cap="flat" cmpd="sng" w="9525">
+                      <a:solidFill>
+                        <a:srgbClr val="000000"/>
+                      </a:solidFill>
+                      <a:prstDash val="solid"/>
+                      <a:round/>
+                      <a:headEnd len="sm" w="sm" type="none"/>
+                      <a:tailEnd len="sm" w="sm" type="none"/>
+                    </a:lnT>
+                    <a:lnB cap="flat" cmpd="sng" w="9525">
+                      <a:solidFill>
+                        <a:srgbClr val="000000"/>
+                      </a:solidFill>
+                      <a:prstDash val="solid"/>
+                      <a:round/>
+                      <a:headEnd len="sm" w="sm" type="none"/>
+                      <a:tailEnd len="sm" w="sm" type="none"/>
+                    </a:lnB>
+                  </a:tcPr>
+                </a:tc>
+              </a:tr>
+              <a:tr h="396200">
+                <a:tc>
+                  <a:txBody>
+                    <a:bodyPr/>
+                    <a:lstStyle/>
+                    <a:p>
+                      <a:pPr indent="0" lvl="0" marL="0" rtl="0" algn="l">
+                        <a:spcBef>
+                          <a:spcPts val="0"/>
+                        </a:spcBef>
+                        <a:spcAft>
+                          <a:spcPts val="0"/>
+                        </a:spcAft>
+                        <a:buNone/>
+                      </a:pPr>
+                      <a:r>
+                        <a:t/>
+                      </a:r>
+                      <a:endParaRPr/>
+                    </a:p>
+                  </a:txBody>
+                  <a:tcPr marT="91425" marB="91425" marR="91425" marL="91425">
+                    <a:lnL cap="flat" cmpd="sng" w="9525">
+                      <a:solidFill>
+                        <a:srgbClr val="000000"/>
+                      </a:solidFill>
+                      <a:prstDash val="solid"/>
+                      <a:round/>
+                      <a:headEnd len="sm" w="sm" type="none"/>
+                      <a:tailEnd len="sm" w="sm" type="none"/>
+                    </a:lnL>
+                    <a:lnR cap="flat" cmpd="sng" w="9525">
+                      <a:solidFill>
+                        <a:srgbClr val="000000"/>
+                      </a:solidFill>
+                      <a:prstDash val="solid"/>
+                      <a:round/>
+                      <a:headEnd len="sm" w="sm" type="none"/>
+                      <a:tailEnd len="sm" w="sm" type="none"/>
+                    </a:lnR>
+                    <a:lnT cap="flat" cmpd="sng" w="9525">
+                      <a:solidFill>
+                        <a:srgbClr val="000000"/>
+                      </a:solidFill>
+                      <a:prstDash val="solid"/>
+                      <a:round/>
+                      <a:headEnd len="sm" w="sm" type="none"/>
+                      <a:tailEnd len="sm" w="sm" type="none"/>
+                    </a:lnT>
+                    <a:lnB cap="flat" cmpd="sng" w="9525">
+                      <a:solidFill>
+                        <a:srgbClr val="000000"/>
+                      </a:solidFill>
+                      <a:prstDash val="solid"/>
+                      <a:round/>
+                      <a:headEnd len="sm" w="sm" type="none"/>
+                      <a:tailEnd len="sm" w="sm" type="none"/>
+                    </a:lnB>
+                  </a:tcPr>
+                </a:tc>
+                <a:tc>
+                  <a:txBody>
+                    <a:bodyPr/>
+                    <a:lstStyle/>
+                    <a:p>
+                      <a:pPr indent="0" lvl="0" marL="0" rtl="0" algn="l">
+                        <a:spcBef>
+                          <a:spcPts val="0"/>
+                        </a:spcBef>
+                        <a:spcAft>
+                          <a:spcPts val="0"/>
+                        </a:spcAft>
+                        <a:buNone/>
+                      </a:pPr>
+                      <a:r>
+                        <a:t/>
+                      </a:r>
+                      <a:endParaRPr/>
+                    </a:p>
+                  </a:txBody>
+                  <a:tcPr marT="91425" marB="91425" marR="91425" marL="91425">
+                    <a:lnL cap="flat" cmpd="sng" w="9525">
+                      <a:solidFill>
+                        <a:srgbClr val="000000"/>
+                      </a:solidFill>
+                      <a:prstDash val="solid"/>
+                      <a:round/>
+                      <a:headEnd len="sm" w="sm" type="none"/>
+                      <a:tailEnd len="sm" w="sm" type="none"/>
+                    </a:lnL>
+                    <a:lnR cap="flat" cmpd="sng" w="9525">
+                      <a:solidFill>
+                        <a:srgbClr val="000000"/>
+                      </a:solidFill>
+                      <a:prstDash val="solid"/>
+                      <a:round/>
+                      <a:headEnd len="sm" w="sm" type="none"/>
+                      <a:tailEnd len="sm" w="sm" type="none"/>
+                    </a:lnR>
+                    <a:lnT cap="flat" cmpd="sng" w="9525">
+                      <a:solidFill>
+                        <a:srgbClr val="000000"/>
+                      </a:solidFill>
+                      <a:prstDash val="solid"/>
+                      <a:round/>
+                      <a:headEnd len="sm" w="sm" type="none"/>
+                      <a:tailEnd len="sm" w="sm" type="none"/>
+                    </a:lnT>
+                    <a:lnB cap="flat" cmpd="sng" w="9525">
+                      <a:solidFill>
+                        <a:srgbClr val="000000"/>
+                      </a:solidFill>
+                      <a:prstDash val="solid"/>
+                      <a:round/>
+                      <a:headEnd len="sm" w="sm" type="none"/>
+                      <a:tailEnd len="sm" w="sm" type="none"/>
+                    </a:lnB>
+                  </a:tcPr>
+                </a:tc>
+                <a:tc>
+                  <a:txBody>
+                    <a:bodyPr/>
+                    <a:lstStyle/>
+                    <a:p>
+                      <a:pPr indent="0" lvl="0" marL="0" rtl="0" algn="l">
+                        <a:spcBef>
+                          <a:spcPts val="0"/>
+                        </a:spcBef>
+                        <a:spcAft>
+                          <a:spcPts val="0"/>
+                        </a:spcAft>
+                        <a:buNone/>
+                      </a:pPr>
+                      <a:r>
+                        <a:t/>
+                      </a:r>
+                      <a:endParaRPr/>
+                    </a:p>
+                  </a:txBody>
+                  <a:tcPr marT="91425" marB="91425" marR="91425" marL="91425">
+                    <a:lnL cap="flat" cmpd="sng" w="9525">
+                      <a:solidFill>
+                        <a:srgbClr val="000000"/>
+                      </a:solidFill>
+                      <a:prstDash val="solid"/>
+                      <a:round/>
+                      <a:headEnd len="sm" w="sm" type="none"/>
+                      <a:tailEnd len="sm" w="sm" type="none"/>
+                    </a:lnL>
+                    <a:lnR cap="flat" cmpd="sng" w="9525">
+                      <a:solidFill>
+                        <a:srgbClr val="000000"/>
+                      </a:solidFill>
+                      <a:prstDash val="solid"/>
+                      <a:round/>
+                      <a:headEnd len="sm" w="sm" type="none"/>
+                      <a:tailEnd len="sm" w="sm" type="none"/>
+                    </a:lnR>
+                    <a:lnT cap="flat" cmpd="sng" w="9525">
+                      <a:solidFill>
+                        <a:srgbClr val="000000"/>
+                      </a:solidFill>
+                      <a:prstDash val="solid"/>
+                      <a:round/>
+                      <a:headEnd len="sm" w="sm" type="none"/>
+                      <a:tailEnd len="sm" w="sm" type="none"/>
+                    </a:lnT>
+                    <a:lnB cap="flat" cmpd="sng" w="9525">
+                      <a:solidFill>
+                        <a:srgbClr val="000000"/>
+                      </a:solidFill>
+                      <a:prstDash val="solid"/>
+                      <a:round/>
+                      <a:headEnd len="sm" w="sm" type="none"/>
+                      <a:tailEnd len="sm" w="sm" type="none"/>
+                    </a:lnB>
+                  </a:tcPr>
+                </a:tc>
+                <a:tc>
+                  <a:txBody>
+                    <a:bodyPr/>
+                    <a:lstStyle/>
+                    <a:p>
+                      <a:pPr indent="0" lvl="0" marL="0" rtl="0" algn="l">
+                        <a:spcBef>
+                          <a:spcPts val="0"/>
+                        </a:spcBef>
+                        <a:spcAft>
+                          <a:spcPts val="0"/>
+                        </a:spcAft>
+                        <a:buNone/>
+                      </a:pPr>
+                      <a:r>
+                        <a:t/>
+                      </a:r>
+                      <a:endParaRPr/>
+                    </a:p>
+                  </a:txBody>
+                  <a:tcPr marT="91425" marB="91425" marR="91425" marL="91425">
+                    <a:lnL cap="flat" cmpd="sng" w="9525">
+                      <a:solidFill>
+                        <a:srgbClr val="000000"/>
+                      </a:solidFill>
+                      <a:prstDash val="solid"/>
+                      <a:round/>
+                      <a:headEnd len="sm" w="sm" type="none"/>
+                      <a:tailEnd len="sm" w="sm" type="none"/>
+                    </a:lnL>
+                    <a:lnR cap="flat" cmpd="sng" w="9525">
+                      <a:solidFill>
+                        <a:srgbClr val="000000"/>
+                      </a:solidFill>
+                      <a:prstDash val="solid"/>
+                      <a:round/>
+                      <a:headEnd len="sm" w="sm" type="none"/>
+                      <a:tailEnd len="sm" w="sm" type="none"/>
+                    </a:lnR>
+                    <a:lnT cap="flat" cmpd="sng" w="9525">
+                      <a:solidFill>
+                        <a:srgbClr val="000000"/>
+                      </a:solidFill>
+                      <a:prstDash val="solid"/>
+                      <a:round/>
+                      <a:headEnd len="sm" w="sm" type="none"/>
+                      <a:tailEnd len="sm" w="sm" type="none"/>
+                    </a:lnT>
+                    <a:lnB cap="flat" cmpd="sng" w="9525">
+                      <a:solidFill>
+                        <a:srgbClr val="000000"/>
+                      </a:solidFill>
+                      <a:prstDash val="solid"/>
+                      <a:round/>
+                      <a:headEnd len="sm" w="sm" type="none"/>
+                      <a:tailEnd len="sm" w="sm" type="none"/>
+                    </a:lnB>
+                  </a:tcPr>
+                </a:tc>
+                <a:tc>
+                  <a:txBody>
+                    <a:bodyPr/>
+                    <a:lstStyle/>
+                    <a:p>
+                      <a:pPr indent="0" lvl="0" marL="0" rtl="0" algn="l">
+                        <a:spcBef>
+                          <a:spcPts val="0"/>
+                        </a:spcBef>
+                        <a:spcAft>
+                          <a:spcPts val="0"/>
+                        </a:spcAft>
+                        <a:buNone/>
+                      </a:pPr>
+                      <a:r>
+                        <a:t/>
+                      </a:r>
+                      <a:endParaRPr/>
+                    </a:p>
+                  </a:txBody>
+                  <a:tcPr marT="91425" marB="91425" marR="91425" marL="91425">
+                    <a:lnL cap="flat" cmpd="sng" w="9525">
+                      <a:solidFill>
+                        <a:srgbClr val="000000"/>
+                      </a:solidFill>
+                      <a:prstDash val="solid"/>
+                      <a:round/>
+                      <a:headEnd len="sm" w="sm" type="none"/>
+                      <a:tailEnd len="sm" w="sm" type="none"/>
+                    </a:lnL>
+                    <a:lnR cap="flat" cmpd="sng" w="9525">
+                      <a:solidFill>
+                        <a:srgbClr val="000000"/>
+                      </a:solidFill>
+                      <a:prstDash val="solid"/>
+                      <a:round/>
+                      <a:headEnd len="sm" w="sm" type="none"/>
+                      <a:tailEnd len="sm" w="sm" type="none"/>
+                    </a:lnR>
+                    <a:lnT cap="flat" cmpd="sng" w="9525">
+                      <a:solidFill>
+                        <a:srgbClr val="000000"/>
+                      </a:solidFill>
+                      <a:prstDash val="solid"/>
+                      <a:round/>
+                      <a:headEnd len="sm" w="sm" type="none"/>
+                      <a:tailEnd len="sm" w="sm" type="none"/>
+                    </a:lnT>
+                    <a:lnB cap="flat" cmpd="sng" w="9525">
+                      <a:solidFill>
+                        <a:srgbClr val="000000"/>
+                      </a:solidFill>
+                      <a:prstDash val="solid"/>
+                      <a:round/>
+                      <a:headEnd len="sm" w="sm" type="none"/>
+                      <a:tailEnd len="sm" w="sm" type="none"/>
+                    </a:lnB>
+                  </a:tcPr>
+                </a:tc>
+                <a:tc>
+                  <a:txBody>
+                    <a:bodyPr/>
+                    <a:lstStyle/>
+                    <a:p>
+                      <a:pPr indent="0" lvl="0" marL="0" rtl="0" algn="l">
+                        <a:spcBef>
+                          <a:spcPts val="0"/>
+                        </a:spcBef>
+                        <a:spcAft>
+                          <a:spcPts val="0"/>
+                        </a:spcAft>
+                        <a:buNone/>
+                      </a:pPr>
+                      <a:r>
+                        <a:t/>
+                      </a:r>
+                      <a:endParaRPr/>
+                    </a:p>
+                  </a:txBody>
+                  <a:tcPr marT="91425" marB="91425" marR="91425" marL="91425">
+                    <a:lnL cap="flat" cmpd="sng" w="9525">
+                      <a:solidFill>
+                        <a:srgbClr val="000000"/>
+                      </a:solidFill>
+                      <a:prstDash val="solid"/>
+                      <a:round/>
+                      <a:headEnd len="sm" w="sm" type="none"/>
+                      <a:tailEnd len="sm" w="sm" type="none"/>
+                    </a:lnL>
+                    <a:lnR cap="flat" cmpd="sng" w="9525">
+                      <a:solidFill>
+                        <a:srgbClr val="000000"/>
+                      </a:solidFill>
+                      <a:prstDash val="solid"/>
+                      <a:round/>
+                      <a:headEnd len="sm" w="sm" type="none"/>
+                      <a:tailEnd len="sm" w="sm" type="none"/>
+                    </a:lnR>
+                    <a:lnT cap="flat" cmpd="sng" w="9525">
+                      <a:solidFill>
+                        <a:srgbClr val="000000"/>
+                      </a:solidFill>
+                      <a:prstDash val="solid"/>
+                      <a:round/>
+                      <a:headEnd len="sm" w="sm" type="none"/>
+                      <a:tailEnd len="sm" w="sm" type="none"/>
+                    </a:lnT>
+                    <a:lnB cap="flat" cmpd="sng" w="9525">
+                      <a:solidFill>
+                        <a:srgbClr val="000000"/>
+                      </a:solidFill>
+                      <a:prstDash val="solid"/>
+                      <a:round/>
+                      <a:headEnd len="sm" w="sm" type="none"/>
+                      <a:tailEnd len="sm" w="sm" type="none"/>
+                    </a:lnB>
+                  </a:tcPr>
+                </a:tc>
+              </a:tr>
+              <a:tr h="396200">
+                <a:tc>
+                  <a:txBody>
+                    <a:bodyPr/>
+                    <a:lstStyle/>
+                    <a:p>
+                      <a:pPr indent="0" lvl="0" marL="0" rtl="0" algn="l">
+                        <a:spcBef>
+                          <a:spcPts val="0"/>
+                        </a:spcBef>
+                        <a:spcAft>
+                          <a:spcPts val="0"/>
+                        </a:spcAft>
+                        <a:buNone/>
+                      </a:pPr>
+                      <a:r>
+                        <a:t/>
+                      </a:r>
+                      <a:endParaRPr/>
+                    </a:p>
+                  </a:txBody>
+                  <a:tcPr marT="91425" marB="91425" marR="91425" marL="91425">
+                    <a:lnL cap="flat" cmpd="sng" w="9525">
+                      <a:solidFill>
+                        <a:srgbClr val="000000"/>
+                      </a:solidFill>
+                      <a:prstDash val="solid"/>
+                      <a:round/>
+                      <a:headEnd len="sm" w="sm" type="none"/>
+                      <a:tailEnd len="sm" w="sm" type="none"/>
+                    </a:lnL>
+                    <a:lnR cap="flat" cmpd="sng" w="9525">
+                      <a:solidFill>
+                        <a:srgbClr val="000000"/>
+                      </a:solidFill>
+                      <a:prstDash val="solid"/>
+                      <a:round/>
+                      <a:headEnd len="sm" w="sm" type="none"/>
+                      <a:tailEnd len="sm" w="sm" type="none"/>
+                    </a:lnR>
+                    <a:lnT cap="flat" cmpd="sng" w="9525">
+                      <a:solidFill>
+                        <a:srgbClr val="000000"/>
+                      </a:solidFill>
+                      <a:prstDash val="solid"/>
+                      <a:round/>
+                      <a:headEnd len="sm" w="sm" type="none"/>
+                      <a:tailEnd len="sm" w="sm" type="none"/>
+                    </a:lnT>
+                    <a:lnB cap="flat" cmpd="sng" w="9525">
+                      <a:solidFill>
+                        <a:srgbClr val="000000"/>
+                      </a:solidFill>
+                      <a:prstDash val="solid"/>
+                      <a:round/>
+                      <a:headEnd len="sm" w="sm" type="none"/>
+                      <a:tailEnd len="sm" w="sm" type="none"/>
+                    </a:lnB>
+                  </a:tcPr>
+                </a:tc>
+                <a:tc>
+                  <a:txBody>
+                    <a:bodyPr/>
+                    <a:lstStyle/>
+                    <a:p>
+                      <a:pPr indent="0" lvl="0" marL="0" rtl="0" algn="l">
+                        <a:spcBef>
+                          <a:spcPts val="0"/>
+                        </a:spcBef>
+                        <a:spcAft>
+                          <a:spcPts val="0"/>
+                        </a:spcAft>
+                        <a:buNone/>
+                      </a:pPr>
+                      <a:r>
+                        <a:t/>
+                      </a:r>
+                      <a:endParaRPr/>
+                    </a:p>
+                  </a:txBody>
+                  <a:tcPr marT="91425" marB="91425" marR="91425" marL="91425">
+                    <a:lnL cap="flat" cmpd="sng" w="9525">
+                      <a:solidFill>
+                        <a:srgbClr val="000000"/>
+                      </a:solidFill>
+                      <a:prstDash val="solid"/>
+                      <a:round/>
+                      <a:headEnd len="sm" w="sm" type="none"/>
+                      <a:tailEnd len="sm" w="sm" type="none"/>
+                    </a:lnL>
+                    <a:lnR cap="flat" cmpd="sng" w="9525">
+                      <a:solidFill>
+                        <a:srgbClr val="000000"/>
+                      </a:solidFill>
+                      <a:prstDash val="solid"/>
+                      <a:round/>
+                      <a:headEnd len="sm" w="sm" type="none"/>
+                      <a:tailEnd len="sm" w="sm" type="none"/>
+                    </a:lnR>
+                    <a:lnT cap="flat" cmpd="sng" w="9525">
+                      <a:solidFill>
+                        <a:srgbClr val="000000"/>
+                      </a:solidFill>
+                      <a:prstDash val="solid"/>
+                      <a:round/>
+                      <a:headEnd len="sm" w="sm" type="none"/>
+                      <a:tailEnd len="sm" w="sm" type="none"/>
+                    </a:lnT>
+                    <a:lnB cap="flat" cmpd="sng" w="9525">
+                      <a:solidFill>
+                        <a:srgbClr val="000000"/>
+                      </a:solidFill>
+                      <a:prstDash val="solid"/>
+                      <a:round/>
+                      <a:headEnd len="sm" w="sm" type="none"/>
+                      <a:tailEnd len="sm" w="sm" type="none"/>
+                    </a:lnB>
+                  </a:tcPr>
+                </a:tc>
+                <a:tc>
+                  <a:txBody>
+                    <a:bodyPr/>
+                    <a:lstStyle/>
+                    <a:p>
+                      <a:pPr indent="0" lvl="0" marL="0" rtl="0" algn="l">
+                        <a:spcBef>
+                          <a:spcPts val="0"/>
+                        </a:spcBef>
+                        <a:spcAft>
+                          <a:spcPts val="0"/>
+                        </a:spcAft>
+                        <a:buNone/>
+                      </a:pPr>
+                      <a:r>
+                        <a:t/>
+                      </a:r>
+                      <a:endParaRPr/>
+                    </a:p>
+                  </a:txBody>
+                  <a:tcPr marT="91425" marB="91425" marR="91425" marL="91425">
+                    <a:lnL cap="flat" cmpd="sng" w="9525">
+                      <a:solidFill>
+                        <a:srgbClr val="000000"/>
+                      </a:solidFill>
+                      <a:prstDash val="solid"/>
+                      <a:round/>
+                      <a:headEnd len="sm" w="sm" type="none"/>
+                      <a:tailEnd len="sm" w="sm" type="none"/>
+                    </a:lnL>
+                    <a:lnR cap="flat" cmpd="sng" w="9525">
+                      <a:solidFill>
+                        <a:srgbClr val="000000"/>
+                      </a:solidFill>
+                      <a:prstDash val="solid"/>
+                      <a:round/>
+                      <a:headEnd len="sm" w="sm" type="none"/>
+                      <a:tailEnd len="sm" w="sm" type="none"/>
+                    </a:lnR>
+                    <a:lnT cap="flat" cmpd="sng" w="9525">
+                      <a:solidFill>
+                        <a:srgbClr val="000000"/>
+                      </a:solidFill>
+                      <a:prstDash val="solid"/>
+                      <a:round/>
+                      <a:headEnd len="sm" w="sm" type="none"/>
+                      <a:tailEnd len="sm" w="sm" type="none"/>
+                    </a:lnT>
+                    <a:lnB cap="flat" cmpd="sng" w="9525">
+                      <a:solidFill>
+                        <a:srgbClr val="000000"/>
+                      </a:solidFill>
+                      <a:prstDash val="solid"/>
+                      <a:round/>
+                      <a:headEnd len="sm" w="sm" type="none"/>
+                      <a:tailEnd len="sm" w="sm" type="none"/>
+                    </a:lnB>
+                  </a:tcPr>
+                </a:tc>
+                <a:tc>
+                  <a:txBody>
+                    <a:bodyPr/>
+                    <a:lstStyle/>
+                    <a:p>
+                      <a:pPr indent="0" lvl="0" marL="0" rtl="0" algn="l">
+                        <a:spcBef>
+                          <a:spcPts val="0"/>
+                        </a:spcBef>
+                        <a:spcAft>
+                          <a:spcPts val="0"/>
+                        </a:spcAft>
+                        <a:buNone/>
+                      </a:pPr>
+                      <a:r>
+                        <a:t/>
+                      </a:r>
+                      <a:endParaRPr/>
+                    </a:p>
+                  </a:txBody>
+                  <a:tcPr marT="91425" marB="91425" marR="91425" marL="91425">
+                    <a:lnL cap="flat" cmpd="sng" w="9525">
+                      <a:solidFill>
+                        <a:srgbClr val="000000"/>
+                      </a:solidFill>
+                      <a:prstDash val="solid"/>
+                      <a:round/>
+                      <a:headEnd len="sm" w="sm" type="none"/>
+                      <a:tailEnd len="sm" w="sm" type="none"/>
+                    </a:lnL>
+                    <a:lnR cap="flat" cmpd="sng" w="9525">
+                      <a:solidFill>
+                        <a:srgbClr val="000000"/>
+                      </a:solidFill>
+                      <a:prstDash val="solid"/>
+                      <a:round/>
+                      <a:headEnd len="sm" w="sm" type="none"/>
+                      <a:tailEnd len="sm" w="sm" type="none"/>
+                    </a:lnR>
+                    <a:lnT cap="flat" cmpd="sng" w="9525">
+                      <a:solidFill>
+                        <a:srgbClr val="000000"/>
+                      </a:solidFill>
+                      <a:prstDash val="solid"/>
+                      <a:round/>
+                      <a:headEnd len="sm" w="sm" type="none"/>
+                      <a:tailEnd len="sm" w="sm" type="none"/>
+                    </a:lnT>
+                    <a:lnB cap="flat" cmpd="sng" w="9525">
+                      <a:solidFill>
+                        <a:srgbClr val="000000"/>
+                      </a:solidFill>
+                      <a:prstDash val="solid"/>
+                      <a:round/>
+                      <a:headEnd len="sm" w="sm" type="none"/>
+                      <a:tailEnd len="sm" w="sm" type="none"/>
+                    </a:lnB>
+                  </a:tcPr>
+                </a:tc>
+                <a:tc>
+                  <a:txBody>
+                    <a:bodyPr/>
+                    <a:lstStyle/>
+                    <a:p>
+                      <a:pPr indent="0" lvl="0" marL="0" rtl="0" algn="l">
+                        <a:spcBef>
+                          <a:spcPts val="0"/>
+                        </a:spcBef>
+                        <a:spcAft>
+                          <a:spcPts val="0"/>
+                        </a:spcAft>
+                        <a:buNone/>
+                      </a:pPr>
+                      <a:r>
+                        <a:t/>
+                      </a:r>
+                      <a:endParaRPr/>
+                    </a:p>
+                  </a:txBody>
+                  <a:tcPr marT="91425" marB="91425" marR="91425" marL="91425">
+                    <a:lnL cap="flat" cmpd="sng" w="9525">
+                      <a:solidFill>
+                        <a:srgbClr val="000000"/>
+                      </a:solidFill>
+                      <a:prstDash val="solid"/>
+                      <a:round/>
+                      <a:headEnd len="sm" w="sm" type="none"/>
+                      <a:tailEnd len="sm" w="sm" type="none"/>
+                    </a:lnL>
+                    <a:lnR cap="flat" cmpd="sng" w="9525">
+                      <a:solidFill>
+                        <a:srgbClr val="000000"/>
+                      </a:solidFill>
+                      <a:prstDash val="solid"/>
+                      <a:round/>
+                      <a:headEnd len="sm" w="sm" type="none"/>
+                      <a:tailEnd len="sm" w="sm" type="none"/>
+                    </a:lnR>
+                    <a:lnT cap="flat" cmpd="sng" w="9525">
+                      <a:solidFill>
+                        <a:srgbClr val="000000"/>
+                      </a:solidFill>
+                      <a:prstDash val="solid"/>
+                      <a:round/>
+                      <a:headEnd len="sm" w="sm" type="none"/>
+                      <a:tailEnd len="sm" w="sm" type="none"/>
+                    </a:lnT>
+                    <a:lnB cap="flat" cmpd="sng" w="9525">
+                      <a:solidFill>
+                        <a:srgbClr val="000000"/>
+                      </a:solidFill>
+                      <a:prstDash val="solid"/>
+                      <a:round/>
+                      <a:headEnd len="sm" w="sm" type="none"/>
+                      <a:tailEnd len="sm" w="sm" type="none"/>
+                    </a:lnB>
+                  </a:tcPr>
+                </a:tc>
+                <a:tc>
+                  <a:txBody>
+                    <a:bodyPr/>
+                    <a:lstStyle/>
+                    <a:p>
+                      <a:pPr indent="0" lvl="0" marL="0" rtl="0" algn="l">
+                        <a:spcBef>
+                          <a:spcPts val="0"/>
+                        </a:spcBef>
+                        <a:spcAft>
+                          <a:spcPts val="0"/>
+                        </a:spcAft>
+                        <a:buNone/>
+                      </a:pPr>
+                      <a:r>
+                        <a:t/>
+                      </a:r>
+                      <a:endParaRPr/>
+                    </a:p>
+                  </a:txBody>
+                  <a:tcPr marT="91425" marB="91425" marR="91425" marL="91425">
+                    <a:lnL cap="flat" cmpd="sng" w="9525">
+                      <a:solidFill>
+                        <a:srgbClr val="000000"/>
+                      </a:solidFill>
+                      <a:prstDash val="solid"/>
+                      <a:round/>
+                      <a:headEnd len="sm" w="sm" type="none"/>
+                      <a:tailEnd len="sm" w="sm" type="none"/>
+                    </a:lnL>
+                    <a:lnR cap="flat" cmpd="sng" w="9525">
+                      <a:solidFill>
+                        <a:srgbClr val="000000"/>
+                      </a:solidFill>
+                      <a:prstDash val="solid"/>
+                      <a:round/>
+                      <a:headEnd len="sm" w="sm" type="none"/>
+                      <a:tailEnd len="sm" w="sm" type="none"/>
+                    </a:lnR>
+                    <a:lnT cap="flat" cmpd="sng" w="9525">
+                      <a:solidFill>
+                        <a:srgbClr val="000000"/>
+                      </a:solidFill>
+                      <a:prstDash val="solid"/>
+                      <a:round/>
+                      <a:headEnd len="sm" w="sm" type="none"/>
+                      <a:tailEnd len="sm" w="sm" type="none"/>
+                    </a:lnT>
+                    <a:lnB cap="flat" cmpd="sng" w="9525">
+                      <a:solidFill>
+                        <a:srgbClr val="000000"/>
+                      </a:solidFill>
+                      <a:prstDash val="solid"/>
+                      <a:round/>
+                      <a:headEnd len="sm" w="sm" type="none"/>
+                      <a:tailEnd len="sm" w="sm" type="none"/>
+                    </a:lnB>
+                  </a:tcPr>
+                </a:tc>
+              </a:tr>
+            </a:tbl>
+          </a:graphicData>
+        </a:graphic>
+      </p:graphicFrame>
+      <p:pic>
+        <p:nvPicPr>
+          <p:cNvPr id="135" name="Google Shape;135;p21"/>
+          <p:cNvPicPr preferRelativeResize="0"/>
+          <p:nvPr/>
+        </p:nvPicPr>
+        <p:blipFill>
+          <a:blip r:embed="rId4">
+            <a:alphaModFix/>
+          </a:blip>
+          <a:stretch>
+            <a:fillRect/>
+          </a:stretch>
+        </p:blipFill>
         <p:spPr>
           <a:xfrm>
-            <a:off x="471900" y="2024050"/>
-            <a:ext cx="8500500" cy="2710200"/>
+            <a:off x="177450" y="2766926"/>
+            <a:ext cx="1226975" cy="355625"/>
           </a:xfrm>
           <a:prstGeom prst="rect">
             <a:avLst/>
           </a:prstGeom>
+          <a:noFill/>
+          <a:ln>
+            <a:noFill/>
+          </a:ln>
         </p:spPr>
-        <p:txBody>
-          <a:bodyPr anchorCtr="0" anchor="t" bIns="91425" lIns="91425" spcFirstLastPara="1" rIns="91425" wrap="square" tIns="91425">
-            <a:noAutofit/>
-          </a:bodyPr>
-          <a:lstStyle/>
-          <a:p>
-            <a:pPr indent="-330200" lvl="0" marL="457200" rtl="0" algn="l">
-              <a:spcBef>
-                <a:spcPts val="0"/>
-              </a:spcBef>
-              <a:spcAft>
-                <a:spcPts val="0"/>
-              </a:spcAft>
-              <a:buClr>
-                <a:srgbClr val="000000"/>
-              </a:buClr>
-              <a:buSzPts val="1600"/>
-              <a:buFont typeface="Arial"/>
-              <a:buChar char="●"/>
-            </a:pPr>
-            <a:r>
-              <a:rPr lang="en" sz="1600">
-                <a:solidFill>
-                  <a:srgbClr val="000000"/>
-                </a:solidFill>
-                <a:latin typeface="Arial"/>
-                <a:ea typeface="Arial"/>
-                <a:cs typeface="Arial"/>
-                <a:sym typeface="Arial"/>
-              </a:rPr>
-              <a:t>Data was cleaned and transformed in Pandas from the original csv file</a:t>
-            </a:r>
-            <a:endParaRPr sz="1600">
-              <a:solidFill>
-                <a:srgbClr val="000000"/>
-              </a:solidFill>
-              <a:latin typeface="Arial"/>
-              <a:ea typeface="Arial"/>
-              <a:cs typeface="Arial"/>
-              <a:sym typeface="Arial"/>
-            </a:endParaRPr>
-          </a:p>
-          <a:p>
-            <a:pPr indent="-330200" lvl="1" marL="914400" rtl="0" algn="l">
-              <a:spcBef>
-                <a:spcPts val="0"/>
-              </a:spcBef>
-              <a:spcAft>
-                <a:spcPts val="0"/>
-              </a:spcAft>
-              <a:buClr>
-                <a:srgbClr val="000000"/>
-              </a:buClr>
-              <a:buSzPts val="1600"/>
-              <a:buFont typeface="Arial"/>
-              <a:buChar char="○"/>
-            </a:pPr>
-            <a:r>
-              <a:rPr lang="en" sz="1600">
-                <a:solidFill>
-                  <a:srgbClr val="000000"/>
-                </a:solidFill>
-                <a:latin typeface="Arial"/>
-                <a:ea typeface="Arial"/>
-                <a:cs typeface="Arial"/>
-                <a:sym typeface="Arial"/>
-              </a:rPr>
-              <a:t>This included converting height and weight to US Standard</a:t>
-            </a:r>
-            <a:endParaRPr sz="1600">
-              <a:solidFill>
-                <a:srgbClr val="000000"/>
-              </a:solidFill>
-              <a:latin typeface="Arial"/>
-              <a:ea typeface="Arial"/>
-              <a:cs typeface="Arial"/>
-              <a:sym typeface="Arial"/>
-            </a:endParaRPr>
-          </a:p>
-          <a:p>
-            <a:pPr indent="-330200" lvl="1" marL="914400" rtl="0" algn="l">
-              <a:spcBef>
-                <a:spcPts val="0"/>
-              </a:spcBef>
-              <a:spcAft>
-                <a:spcPts val="0"/>
-              </a:spcAft>
-              <a:buClr>
-                <a:srgbClr val="000000"/>
-              </a:buClr>
-              <a:buSzPts val="1600"/>
-              <a:buFont typeface="Arial"/>
-              <a:buChar char="○"/>
-            </a:pPr>
-            <a:r>
-              <a:rPr lang="en" sz="1600">
-                <a:solidFill>
-                  <a:srgbClr val="000000"/>
-                </a:solidFill>
-                <a:latin typeface="Arial"/>
-                <a:ea typeface="Arial"/>
-                <a:cs typeface="Arial"/>
-                <a:sym typeface="Arial"/>
-              </a:rPr>
-              <a:t>Adding a bmi category</a:t>
-            </a:r>
-            <a:endParaRPr sz="1600">
-              <a:solidFill>
-                <a:srgbClr val="000000"/>
-              </a:solidFill>
-              <a:latin typeface="Arial"/>
-              <a:ea typeface="Arial"/>
-              <a:cs typeface="Arial"/>
-              <a:sym typeface="Arial"/>
-            </a:endParaRPr>
-          </a:p>
-          <a:p>
-            <a:pPr indent="-330200" lvl="1" marL="914400" rtl="0" algn="l">
-              <a:spcBef>
-                <a:spcPts val="0"/>
-              </a:spcBef>
-              <a:spcAft>
-                <a:spcPts val="0"/>
-              </a:spcAft>
-              <a:buClr>
-                <a:srgbClr val="000000"/>
-              </a:buClr>
-              <a:buSzPts val="1600"/>
-              <a:buFont typeface="Arial"/>
-              <a:buChar char="○"/>
-            </a:pPr>
-            <a:r>
-              <a:rPr lang="en" sz="1600">
-                <a:solidFill>
-                  <a:srgbClr val="000000"/>
-                </a:solidFill>
-                <a:latin typeface="Arial"/>
-                <a:ea typeface="Arial"/>
-                <a:cs typeface="Arial"/>
-                <a:sym typeface="Arial"/>
-              </a:rPr>
-              <a:t>Eliminating data outliers</a:t>
-            </a:r>
-            <a:endParaRPr sz="1600">
-              <a:solidFill>
-                <a:srgbClr val="000000"/>
-              </a:solidFill>
-              <a:latin typeface="Arial"/>
-              <a:ea typeface="Arial"/>
-              <a:cs typeface="Arial"/>
-              <a:sym typeface="Arial"/>
-            </a:endParaRPr>
-          </a:p>
-          <a:p>
-            <a:pPr indent="-330200" lvl="0" marL="457200" rtl="0" algn="l">
-              <a:spcBef>
-                <a:spcPts val="0"/>
-              </a:spcBef>
-              <a:spcAft>
-                <a:spcPts val="0"/>
-              </a:spcAft>
-              <a:buClr>
-                <a:srgbClr val="000000"/>
-              </a:buClr>
-              <a:buSzPts val="1600"/>
-              <a:buFont typeface="Arial"/>
-              <a:buChar char="●"/>
-            </a:pPr>
-            <a:r>
-              <a:rPr lang="en" sz="1600">
-                <a:solidFill>
-                  <a:srgbClr val="000000"/>
-                </a:solidFill>
-                <a:latin typeface="Arial"/>
-                <a:ea typeface="Arial"/>
-                <a:cs typeface="Arial"/>
-                <a:sym typeface="Arial"/>
-              </a:rPr>
-              <a:t>After testing several machine learning models we chose Gradient Booster Classifier as it had the highest accuracy score.</a:t>
-            </a:r>
-            <a:endParaRPr sz="1600">
-              <a:solidFill>
-                <a:srgbClr val="000000"/>
-              </a:solidFill>
-              <a:latin typeface="Arial"/>
-              <a:ea typeface="Arial"/>
-              <a:cs typeface="Arial"/>
-              <a:sym typeface="Arial"/>
-            </a:endParaRPr>
-          </a:p>
-          <a:p>
-            <a:pPr indent="0" lvl="0" marL="0" rtl="0" algn="l">
-              <a:spcBef>
-                <a:spcPts val="0"/>
-              </a:spcBef>
-              <a:spcAft>
-                <a:spcPts val="0"/>
-              </a:spcAft>
-              <a:buNone/>
-            </a:pPr>
-            <a:r>
-              <a:t/>
-            </a:r>
-            <a:endParaRPr sz="1600">
-              <a:solidFill>
-                <a:srgbClr val="000000"/>
-              </a:solidFill>
-              <a:latin typeface="Arial"/>
-              <a:ea typeface="Arial"/>
-              <a:cs typeface="Arial"/>
-              <a:sym typeface="Arial"/>
-            </a:endParaRPr>
-          </a:p>
-          <a:p>
-            <a:pPr indent="0" lvl="0" marL="0" rtl="0" algn="l">
-              <a:spcBef>
-                <a:spcPts val="0"/>
-              </a:spcBef>
-              <a:spcAft>
-                <a:spcPts val="1600"/>
-              </a:spcAft>
-              <a:buNone/>
-            </a:pPr>
-            <a:r>
-              <a:t/>
-            </a:r>
-            <a:endParaRPr>
-              <a:solidFill>
-                <a:srgbClr val="000000"/>
-              </a:solidFill>
-            </a:endParaRPr>
-          </a:p>
-        </p:txBody>
-      </p:sp>
-      <p:sp>
-        <p:nvSpPr>
-          <p:cNvPr id="124" name="Google Shape;124;p21"/>
-          <p:cNvSpPr txBox="1"/>
-          <p:nvPr>
-            <p:ph idx="2" type="body"/>
-          </p:nvPr>
-        </p:nvSpPr>
+      </p:pic>
+      <p:pic>
+        <p:nvPicPr>
+          <p:cNvPr id="136" name="Google Shape;136;p21"/>
+          <p:cNvPicPr preferRelativeResize="0"/>
+          <p:nvPr/>
+        </p:nvPicPr>
+        <p:blipFill>
+          <a:blip r:embed="rId5">
+            <a:alphaModFix/>
+          </a:blip>
+          <a:stretch>
+            <a:fillRect/>
+          </a:stretch>
+        </p:blipFill>
         <p:spPr>
           <a:xfrm>
-            <a:off x="7615450" y="3792375"/>
-            <a:ext cx="956400" cy="837000"/>
+            <a:off x="174125" y="3156900"/>
+            <a:ext cx="1226976" cy="355625"/>
           </a:xfrm>
           <a:prstGeom prst="rect">
             <a:avLst/>
           </a:prstGeom>
+          <a:noFill/>
+          <a:ln>
+            <a:noFill/>
+          </a:ln>
+        </p:spPr>
+      </p:pic>
+      <p:pic>
+        <p:nvPicPr>
+          <p:cNvPr id="137" name="Google Shape;137;p21"/>
+          <p:cNvPicPr preferRelativeResize="0"/>
+          <p:nvPr/>
+        </p:nvPicPr>
+        <p:blipFill>
+          <a:blip r:embed="rId6">
+            <a:alphaModFix/>
+          </a:blip>
+          <a:stretch>
+            <a:fillRect/>
+          </a:stretch>
+        </p:blipFill>
+        <p:spPr>
+          <a:xfrm>
+            <a:off x="170800" y="4345588"/>
+            <a:ext cx="1233623" cy="355625"/>
+          </a:xfrm>
+          <a:prstGeom prst="rect">
+            <a:avLst/>
+          </a:prstGeom>
+          <a:noFill/>
+          <a:ln>
+            <a:noFill/>
+          </a:ln>
+        </p:spPr>
+      </p:pic>
+      <p:pic>
+        <p:nvPicPr>
+          <p:cNvPr id="138" name="Google Shape;138;p21"/>
+          <p:cNvPicPr preferRelativeResize="0"/>
+          <p:nvPr/>
+        </p:nvPicPr>
+        <p:blipFill>
+          <a:blip r:embed="rId7">
+            <a:alphaModFix/>
+          </a:blip>
+          <a:stretch>
+            <a:fillRect/>
+          </a:stretch>
+        </p:blipFill>
+        <p:spPr>
+          <a:xfrm>
+            <a:off x="170800" y="3934154"/>
+            <a:ext cx="1233625" cy="347871"/>
+          </a:xfrm>
+          <a:prstGeom prst="rect">
+            <a:avLst/>
+          </a:prstGeom>
+          <a:noFill/>
+          <a:ln>
+            <a:noFill/>
+          </a:ln>
+        </p:spPr>
+      </p:pic>
+      <p:sp>
+        <p:nvSpPr>
+          <p:cNvPr id="139" name="Google Shape;139;p21"/>
+          <p:cNvSpPr/>
+          <p:nvPr/>
+        </p:nvSpPr>
+        <p:spPr>
+          <a:xfrm>
+            <a:off x="2141850" y="2801025"/>
+            <a:ext cx="228600" cy="228600"/>
+          </a:xfrm>
+          <a:prstGeom prst="ellipse">
+            <a:avLst/>
+          </a:prstGeom>
+          <a:solidFill>
+            <a:srgbClr val="00FF00"/>
+          </a:solidFill>
+          <a:ln cap="flat" cmpd="sng" w="9525">
+            <a:solidFill>
+              <a:schemeClr val="dk2"/>
+            </a:solidFill>
+            <a:prstDash val="solid"/>
+            <a:round/>
+            <a:headEnd len="sm" w="sm" type="none"/>
+            <a:tailEnd len="sm" w="sm" type="none"/>
+          </a:ln>
         </p:spPr>
         <p:txBody>
-          <a:bodyPr anchorCtr="0" anchor="t" bIns="91425" lIns="91425" spcFirstLastPara="1" rIns="91425" wrap="square" tIns="91425">
+          <a:bodyPr anchorCtr="0" anchor="ctr" bIns="91425" lIns="91425" spcFirstLastPara="1" rIns="91425" wrap="square" tIns="91425">
             <a:noAutofit/>
           </a:bodyPr>
           <a:lstStyle/>
@@ -11511,7 +13483,7 @@
                 <a:spcPts val="0"/>
               </a:spcBef>
               <a:spcAft>
-                <a:spcPts val="1600"/>
+                <a:spcPts val="0"/>
               </a:spcAft>
               <a:buNone/>
             </a:pPr>
@@ -11522,6 +13494,524 @@
           </a:p>
         </p:txBody>
       </p:sp>
+      <p:sp>
+        <p:nvSpPr>
+          <p:cNvPr id="140" name="Google Shape;140;p21"/>
+          <p:cNvSpPr/>
+          <p:nvPr/>
+        </p:nvSpPr>
+        <p:spPr>
+          <a:xfrm>
+            <a:off x="3722075" y="2801013"/>
+            <a:ext cx="228600" cy="228600"/>
+          </a:xfrm>
+          <a:prstGeom prst="ellipse">
+            <a:avLst/>
+          </a:prstGeom>
+          <a:solidFill>
+            <a:srgbClr val="00FF00"/>
+          </a:solidFill>
+          <a:ln cap="flat" cmpd="sng" w="9525">
+            <a:solidFill>
+              <a:schemeClr val="dk2"/>
+            </a:solidFill>
+            <a:prstDash val="solid"/>
+            <a:round/>
+            <a:headEnd len="sm" w="sm" type="none"/>
+            <a:tailEnd len="sm" w="sm" type="none"/>
+          </a:ln>
+        </p:spPr>
+        <p:txBody>
+          <a:bodyPr anchorCtr="0" anchor="ctr" bIns="91425" lIns="91425" spcFirstLastPara="1" rIns="91425" wrap="square" tIns="91425">
+            <a:noAutofit/>
+          </a:bodyPr>
+          <a:lstStyle/>
+          <a:p>
+            <a:pPr indent="0" lvl="0" marL="0" rtl="0" algn="l">
+              <a:spcBef>
+                <a:spcPts val="0"/>
+              </a:spcBef>
+              <a:spcAft>
+                <a:spcPts val="0"/>
+              </a:spcAft>
+              <a:buNone/>
+            </a:pPr>
+            <a:r>
+              <a:t/>
+            </a:r>
+            <a:endParaRPr/>
+          </a:p>
+        </p:txBody>
+      </p:sp>
+      <p:sp>
+        <p:nvSpPr>
+          <p:cNvPr id="141" name="Google Shape;141;p21"/>
+          <p:cNvSpPr/>
+          <p:nvPr/>
+        </p:nvSpPr>
+        <p:spPr>
+          <a:xfrm>
+            <a:off x="5260550" y="2801025"/>
+            <a:ext cx="228600" cy="228600"/>
+          </a:xfrm>
+          <a:prstGeom prst="ellipse">
+            <a:avLst/>
+          </a:prstGeom>
+          <a:solidFill>
+            <a:srgbClr val="00FF00"/>
+          </a:solidFill>
+          <a:ln cap="flat" cmpd="sng" w="9525">
+            <a:solidFill>
+              <a:schemeClr val="dk2"/>
+            </a:solidFill>
+            <a:prstDash val="solid"/>
+            <a:round/>
+            <a:headEnd len="sm" w="sm" type="none"/>
+            <a:tailEnd len="sm" w="sm" type="none"/>
+          </a:ln>
+        </p:spPr>
+        <p:txBody>
+          <a:bodyPr anchorCtr="0" anchor="ctr" bIns="91425" lIns="91425" spcFirstLastPara="1" rIns="91425" wrap="square" tIns="91425">
+            <a:noAutofit/>
+          </a:bodyPr>
+          <a:lstStyle/>
+          <a:p>
+            <a:pPr indent="0" lvl="0" marL="0" rtl="0" algn="l">
+              <a:spcBef>
+                <a:spcPts val="0"/>
+              </a:spcBef>
+              <a:spcAft>
+                <a:spcPts val="0"/>
+              </a:spcAft>
+              <a:buNone/>
+            </a:pPr>
+            <a:r>
+              <a:t/>
+            </a:r>
+            <a:endParaRPr/>
+          </a:p>
+        </p:txBody>
+      </p:sp>
+      <p:sp>
+        <p:nvSpPr>
+          <p:cNvPr id="142" name="Google Shape;142;p21"/>
+          <p:cNvSpPr/>
+          <p:nvPr/>
+        </p:nvSpPr>
+        <p:spPr>
+          <a:xfrm>
+            <a:off x="2141850" y="3195038"/>
+            <a:ext cx="228600" cy="228600"/>
+          </a:xfrm>
+          <a:prstGeom prst="ellipse">
+            <a:avLst/>
+          </a:prstGeom>
+          <a:solidFill>
+            <a:srgbClr val="00FF00"/>
+          </a:solidFill>
+          <a:ln cap="flat" cmpd="sng" w="9525">
+            <a:solidFill>
+              <a:schemeClr val="dk2"/>
+            </a:solidFill>
+            <a:prstDash val="solid"/>
+            <a:round/>
+            <a:headEnd len="sm" w="sm" type="none"/>
+            <a:tailEnd len="sm" w="sm" type="none"/>
+          </a:ln>
+        </p:spPr>
+        <p:txBody>
+          <a:bodyPr anchorCtr="0" anchor="ctr" bIns="91425" lIns="91425" spcFirstLastPara="1" rIns="91425" wrap="square" tIns="91425">
+            <a:noAutofit/>
+          </a:bodyPr>
+          <a:lstStyle/>
+          <a:p>
+            <a:pPr indent="0" lvl="0" marL="0" rtl="0" algn="l">
+              <a:spcBef>
+                <a:spcPts val="0"/>
+              </a:spcBef>
+              <a:spcAft>
+                <a:spcPts val="0"/>
+              </a:spcAft>
+              <a:buNone/>
+            </a:pPr>
+            <a:r>
+              <a:t/>
+            </a:r>
+            <a:endParaRPr/>
+          </a:p>
+        </p:txBody>
+      </p:sp>
+      <p:sp>
+        <p:nvSpPr>
+          <p:cNvPr id="143" name="Google Shape;143;p21"/>
+          <p:cNvSpPr/>
+          <p:nvPr/>
+        </p:nvSpPr>
+        <p:spPr>
+          <a:xfrm>
+            <a:off x="3722075" y="3195038"/>
+            <a:ext cx="228600" cy="228600"/>
+          </a:xfrm>
+          <a:prstGeom prst="ellipse">
+            <a:avLst/>
+          </a:prstGeom>
+          <a:solidFill>
+            <a:srgbClr val="00FF00"/>
+          </a:solidFill>
+          <a:ln cap="flat" cmpd="sng" w="9525">
+            <a:solidFill>
+              <a:schemeClr val="dk2"/>
+            </a:solidFill>
+            <a:prstDash val="solid"/>
+            <a:round/>
+            <a:headEnd len="sm" w="sm" type="none"/>
+            <a:tailEnd len="sm" w="sm" type="none"/>
+          </a:ln>
+        </p:spPr>
+        <p:txBody>
+          <a:bodyPr anchorCtr="0" anchor="ctr" bIns="91425" lIns="91425" spcFirstLastPara="1" rIns="91425" wrap="square" tIns="91425">
+            <a:noAutofit/>
+          </a:bodyPr>
+          <a:lstStyle/>
+          <a:p>
+            <a:pPr indent="0" lvl="0" marL="0" rtl="0" algn="l">
+              <a:spcBef>
+                <a:spcPts val="0"/>
+              </a:spcBef>
+              <a:spcAft>
+                <a:spcPts val="0"/>
+              </a:spcAft>
+              <a:buNone/>
+            </a:pPr>
+            <a:r>
+              <a:t/>
+            </a:r>
+            <a:endParaRPr/>
+          </a:p>
+        </p:txBody>
+      </p:sp>
+      <p:sp>
+        <p:nvSpPr>
+          <p:cNvPr id="144" name="Google Shape;144;p21"/>
+          <p:cNvSpPr/>
+          <p:nvPr/>
+        </p:nvSpPr>
+        <p:spPr>
+          <a:xfrm>
+            <a:off x="5260550" y="3195038"/>
+            <a:ext cx="228600" cy="228600"/>
+          </a:xfrm>
+          <a:prstGeom prst="ellipse">
+            <a:avLst/>
+          </a:prstGeom>
+          <a:solidFill>
+            <a:srgbClr val="00FF00"/>
+          </a:solidFill>
+          <a:ln cap="flat" cmpd="sng" w="9525">
+            <a:solidFill>
+              <a:schemeClr val="dk2"/>
+            </a:solidFill>
+            <a:prstDash val="solid"/>
+            <a:round/>
+            <a:headEnd len="sm" w="sm" type="none"/>
+            <a:tailEnd len="sm" w="sm" type="none"/>
+          </a:ln>
+        </p:spPr>
+        <p:txBody>
+          <a:bodyPr anchorCtr="0" anchor="ctr" bIns="91425" lIns="91425" spcFirstLastPara="1" rIns="91425" wrap="square" tIns="91425">
+            <a:noAutofit/>
+          </a:bodyPr>
+          <a:lstStyle/>
+          <a:p>
+            <a:pPr indent="0" lvl="0" marL="0" rtl="0" algn="l">
+              <a:spcBef>
+                <a:spcPts val="0"/>
+              </a:spcBef>
+              <a:spcAft>
+                <a:spcPts val="0"/>
+              </a:spcAft>
+              <a:buNone/>
+            </a:pPr>
+            <a:r>
+              <a:t/>
+            </a:r>
+            <a:endParaRPr/>
+          </a:p>
+        </p:txBody>
+      </p:sp>
+      <p:sp>
+        <p:nvSpPr>
+          <p:cNvPr id="145" name="Google Shape;145;p21"/>
+          <p:cNvSpPr/>
+          <p:nvPr/>
+        </p:nvSpPr>
+        <p:spPr>
+          <a:xfrm>
+            <a:off x="6769825" y="3195050"/>
+            <a:ext cx="228600" cy="228600"/>
+          </a:xfrm>
+          <a:prstGeom prst="ellipse">
+            <a:avLst/>
+          </a:prstGeom>
+          <a:solidFill>
+            <a:srgbClr val="00FF00"/>
+          </a:solidFill>
+          <a:ln cap="flat" cmpd="sng" w="9525">
+            <a:solidFill>
+              <a:schemeClr val="dk2"/>
+            </a:solidFill>
+            <a:prstDash val="solid"/>
+            <a:round/>
+            <a:headEnd len="sm" w="sm" type="none"/>
+            <a:tailEnd len="sm" w="sm" type="none"/>
+          </a:ln>
+        </p:spPr>
+        <p:txBody>
+          <a:bodyPr anchorCtr="0" anchor="ctr" bIns="91425" lIns="91425" spcFirstLastPara="1" rIns="91425" wrap="square" tIns="91425">
+            <a:noAutofit/>
+          </a:bodyPr>
+          <a:lstStyle/>
+          <a:p>
+            <a:pPr indent="0" lvl="0" marL="0" rtl="0" algn="l">
+              <a:spcBef>
+                <a:spcPts val="0"/>
+              </a:spcBef>
+              <a:spcAft>
+                <a:spcPts val="0"/>
+              </a:spcAft>
+              <a:buNone/>
+            </a:pPr>
+            <a:r>
+              <a:t/>
+            </a:r>
+            <a:endParaRPr/>
+          </a:p>
+        </p:txBody>
+      </p:sp>
+      <p:sp>
+        <p:nvSpPr>
+          <p:cNvPr id="146" name="Google Shape;146;p21"/>
+          <p:cNvSpPr/>
+          <p:nvPr/>
+        </p:nvSpPr>
+        <p:spPr>
+          <a:xfrm>
+            <a:off x="8262350" y="4409113"/>
+            <a:ext cx="228600" cy="228600"/>
+          </a:xfrm>
+          <a:prstGeom prst="ellipse">
+            <a:avLst/>
+          </a:prstGeom>
+          <a:solidFill>
+            <a:srgbClr val="00FF00"/>
+          </a:solidFill>
+          <a:ln cap="flat" cmpd="sng" w="9525">
+            <a:solidFill>
+              <a:schemeClr val="dk2"/>
+            </a:solidFill>
+            <a:prstDash val="solid"/>
+            <a:round/>
+            <a:headEnd len="sm" w="sm" type="none"/>
+            <a:tailEnd len="sm" w="sm" type="none"/>
+          </a:ln>
+        </p:spPr>
+        <p:txBody>
+          <a:bodyPr anchorCtr="0" anchor="ctr" bIns="91425" lIns="91425" spcFirstLastPara="1" rIns="91425" wrap="square" tIns="91425">
+            <a:noAutofit/>
+          </a:bodyPr>
+          <a:lstStyle/>
+          <a:p>
+            <a:pPr indent="0" lvl="0" marL="0" rtl="0" algn="l">
+              <a:spcBef>
+                <a:spcPts val="0"/>
+              </a:spcBef>
+              <a:spcAft>
+                <a:spcPts val="0"/>
+              </a:spcAft>
+              <a:buNone/>
+            </a:pPr>
+            <a:r>
+              <a:t/>
+            </a:r>
+            <a:endParaRPr/>
+          </a:p>
+        </p:txBody>
+      </p:sp>
+      <p:sp>
+        <p:nvSpPr>
+          <p:cNvPr id="147" name="Google Shape;147;p21"/>
+          <p:cNvSpPr/>
+          <p:nvPr/>
+        </p:nvSpPr>
+        <p:spPr>
+          <a:xfrm>
+            <a:off x="8262350" y="3993775"/>
+            <a:ext cx="228600" cy="228600"/>
+          </a:xfrm>
+          <a:prstGeom prst="ellipse">
+            <a:avLst/>
+          </a:prstGeom>
+          <a:solidFill>
+            <a:srgbClr val="00FF00"/>
+          </a:solidFill>
+          <a:ln cap="flat" cmpd="sng" w="9525">
+            <a:solidFill>
+              <a:schemeClr val="dk2"/>
+            </a:solidFill>
+            <a:prstDash val="solid"/>
+            <a:round/>
+            <a:headEnd len="sm" w="sm" type="none"/>
+            <a:tailEnd len="sm" w="sm" type="none"/>
+          </a:ln>
+        </p:spPr>
+        <p:txBody>
+          <a:bodyPr anchorCtr="0" anchor="ctr" bIns="91425" lIns="91425" spcFirstLastPara="1" rIns="91425" wrap="square" tIns="91425">
+            <a:noAutofit/>
+          </a:bodyPr>
+          <a:lstStyle/>
+          <a:p>
+            <a:pPr indent="0" lvl="0" marL="0" rtl="0" algn="l">
+              <a:spcBef>
+                <a:spcPts val="0"/>
+              </a:spcBef>
+              <a:spcAft>
+                <a:spcPts val="0"/>
+              </a:spcAft>
+              <a:buNone/>
+            </a:pPr>
+            <a:r>
+              <a:t/>
+            </a:r>
+            <a:endParaRPr/>
+          </a:p>
+        </p:txBody>
+      </p:sp>
+      <p:sp>
+        <p:nvSpPr>
+          <p:cNvPr id="148" name="Google Shape;148;p21"/>
+          <p:cNvSpPr/>
+          <p:nvPr/>
+        </p:nvSpPr>
+        <p:spPr>
+          <a:xfrm>
+            <a:off x="6769825" y="3606500"/>
+            <a:ext cx="228600" cy="228600"/>
+          </a:xfrm>
+          <a:prstGeom prst="ellipse">
+            <a:avLst/>
+          </a:prstGeom>
+          <a:solidFill>
+            <a:srgbClr val="00FF00"/>
+          </a:solidFill>
+          <a:ln cap="flat" cmpd="sng" w="9525">
+            <a:solidFill>
+              <a:schemeClr val="dk2"/>
+            </a:solidFill>
+            <a:prstDash val="solid"/>
+            <a:round/>
+            <a:headEnd len="sm" w="sm" type="none"/>
+            <a:tailEnd len="sm" w="sm" type="none"/>
+          </a:ln>
+        </p:spPr>
+        <p:txBody>
+          <a:bodyPr anchorCtr="0" anchor="ctr" bIns="91425" lIns="91425" spcFirstLastPara="1" rIns="91425" wrap="square" tIns="91425">
+            <a:noAutofit/>
+          </a:bodyPr>
+          <a:lstStyle/>
+          <a:p>
+            <a:pPr indent="0" lvl="0" marL="0" rtl="0" algn="l">
+              <a:spcBef>
+                <a:spcPts val="0"/>
+              </a:spcBef>
+              <a:spcAft>
+                <a:spcPts val="0"/>
+              </a:spcAft>
+              <a:buNone/>
+            </a:pPr>
+            <a:r>
+              <a:t/>
+            </a:r>
+            <a:endParaRPr/>
+          </a:p>
+        </p:txBody>
+      </p:sp>
+      <p:sp>
+        <p:nvSpPr>
+          <p:cNvPr id="149" name="Google Shape;149;p21"/>
+          <p:cNvSpPr/>
+          <p:nvPr/>
+        </p:nvSpPr>
+        <p:spPr>
+          <a:xfrm>
+            <a:off x="6769825" y="2830425"/>
+            <a:ext cx="228600" cy="228600"/>
+          </a:xfrm>
+          <a:prstGeom prst="ellipse">
+            <a:avLst/>
+          </a:prstGeom>
+          <a:solidFill>
+            <a:srgbClr val="00FF00"/>
+          </a:solidFill>
+          <a:ln cap="flat" cmpd="sng" w="9525">
+            <a:solidFill>
+              <a:schemeClr val="dk2"/>
+            </a:solidFill>
+            <a:prstDash val="solid"/>
+            <a:round/>
+            <a:headEnd len="sm" w="sm" type="none"/>
+            <a:tailEnd len="sm" w="sm" type="none"/>
+          </a:ln>
+        </p:spPr>
+        <p:txBody>
+          <a:bodyPr anchorCtr="0" anchor="ctr" bIns="91425" lIns="91425" spcFirstLastPara="1" rIns="91425" wrap="square" tIns="91425">
+            <a:noAutofit/>
+          </a:bodyPr>
+          <a:lstStyle/>
+          <a:p>
+            <a:pPr indent="0" lvl="0" marL="0" rtl="0" algn="l">
+              <a:spcBef>
+                <a:spcPts val="0"/>
+              </a:spcBef>
+              <a:spcAft>
+                <a:spcPts val="0"/>
+              </a:spcAft>
+              <a:buNone/>
+            </a:pPr>
+            <a:r>
+              <a:t/>
+            </a:r>
+            <a:endParaRPr/>
+          </a:p>
+        </p:txBody>
+      </p:sp>
+      <p:pic>
+        <p:nvPicPr>
+          <p:cNvPr id="150" name="Google Shape;150;p21"/>
+          <p:cNvPicPr preferRelativeResize="0"/>
+          <p:nvPr/>
+        </p:nvPicPr>
+        <p:blipFill>
+          <a:blip r:embed="rId8">
+            <a:alphaModFix/>
+          </a:blip>
+          <a:stretch>
+            <a:fillRect/>
+          </a:stretch>
+        </p:blipFill>
+        <p:spPr>
+          <a:xfrm>
+            <a:off x="241056" y="3391731"/>
+            <a:ext cx="1099776" cy="618624"/>
+          </a:xfrm>
+          <a:prstGeom prst="rect">
+            <a:avLst/>
+          </a:prstGeom>
+          <a:noFill/>
+          <a:ln>
+            <a:noFill/>
+          </a:ln>
+        </p:spPr>
+      </p:pic>
     </p:spTree>
   </p:cSld>
   <p:clrMapOvr>
